--- a/2023-07-Columbus/2023-07 SQL Server Security Columbus Version.pptx
+++ b/2023-07-Columbus/2023-07 SQL Server Security Columbus Version.pptx
@@ -5,23 +5,25 @@
     <p:sldMasterId id="2147483684" r:id="rId4"/>
   </p:sldMasterIdLst>
   <p:notesMasterIdLst>
-    <p:notesMasterId r:id="rId16"/>
+    <p:notesMasterId r:id="rId18"/>
   </p:notesMasterIdLst>
   <p:handoutMasterIdLst>
-    <p:handoutMasterId r:id="rId17"/>
+    <p:handoutMasterId r:id="rId19"/>
   </p:handoutMasterIdLst>
   <p:sldIdLst>
     <p:sldId id="257" r:id="rId5"/>
     <p:sldId id="398" r:id="rId6"/>
-    <p:sldId id="270" r:id="rId7"/>
-    <p:sldId id="397" r:id="rId8"/>
-    <p:sldId id="402" r:id="rId9"/>
-    <p:sldId id="399" r:id="rId10"/>
-    <p:sldId id="396" r:id="rId11"/>
-    <p:sldId id="401" r:id="rId12"/>
-    <p:sldId id="400" r:id="rId13"/>
-    <p:sldId id="403" r:id="rId14"/>
-    <p:sldId id="395" r:id="rId15"/>
+    <p:sldId id="404" r:id="rId7"/>
+    <p:sldId id="405" r:id="rId8"/>
+    <p:sldId id="270" r:id="rId9"/>
+    <p:sldId id="397" r:id="rId10"/>
+    <p:sldId id="402" r:id="rId11"/>
+    <p:sldId id="399" r:id="rId12"/>
+    <p:sldId id="396" r:id="rId13"/>
+    <p:sldId id="401" r:id="rId14"/>
+    <p:sldId id="400" r:id="rId15"/>
+    <p:sldId id="403" r:id="rId16"/>
+    <p:sldId id="395" r:id="rId17"/>
   </p:sldIdLst>
   <p:sldSz cx="12192000" cy="6858000"/>
   <p:notesSz cx="6858000" cy="9144000"/>
@@ -244,7 +246,7 @@
           <a:p>
             <a:fld id="{C17F2C1D-F243-42AB-ADF2-E7CB4E04900E}" type="datetimeFigureOut">
               <a:rPr lang="en-US" smtClean="0"/>
-              <a:t>3/23/2023</a:t>
+              <a:t>7/12/2023</a:t>
             </a:fld>
             <a:endParaRPr lang="en-US"/>
           </a:p>
@@ -421,7 +423,7 @@
           <a:p>
             <a:fld id="{020CE34E-5667-4A32-A6BA-10C7A552BC63}" type="datetimeFigureOut">
               <a:rPr lang="en-US" smtClean="0"/>
-              <a:t>3/23/2023</a:t>
+              <a:t>7/12/2023</a:t>
             </a:fld>
             <a:endParaRPr lang="en-US"/>
           </a:p>
@@ -846,6 +848,174 @@
     </p:spTree>
     <p:extLst>
       <p:ext uri="{BB962C8B-B14F-4D97-AF65-F5344CB8AC3E}">
+        <p14:creationId xmlns:p14="http://schemas.microsoft.com/office/powerpoint/2010/main" val="2573975792"/>
+      </p:ext>
+    </p:extLst>
+  </p:cSld>
+  <p:clrMapOvr>
+    <a:masterClrMapping/>
+  </p:clrMapOvr>
+</p:notes>
+</file>
+
+<file path=ppt/notesSlides/notesSlide11.xml><?xml version="1.0" encoding="utf-8"?>
+<p:notes xmlns:a="http://schemas.openxmlformats.org/drawingml/2006/main" xmlns:r="http://schemas.openxmlformats.org/officeDocument/2006/relationships" xmlns:p="http://schemas.openxmlformats.org/presentationml/2006/main">
+  <p:cSld>
+    <p:spTree>
+      <p:nvGrpSpPr>
+        <p:cNvPr id="1" name=""/>
+        <p:cNvGrpSpPr/>
+        <p:nvPr/>
+      </p:nvGrpSpPr>
+      <p:grpSpPr>
+        <a:xfrm>
+          <a:off x="0" y="0"/>
+          <a:ext cx="0" cy="0"/>
+          <a:chOff x="0" y="0"/>
+          <a:chExt cx="0" cy="0"/>
+        </a:xfrm>
+      </p:grpSpPr>
+      <p:sp>
+        <p:nvSpPr>
+          <p:cNvPr id="2" name="Slide Image Placeholder 1"/>
+          <p:cNvSpPr>
+            <a:spLocks noGrp="1" noRot="1" noChangeAspect="1"/>
+          </p:cNvSpPr>
+          <p:nvPr>
+            <p:ph type="sldImg"/>
+          </p:nvPr>
+        </p:nvSpPr>
+        <p:spPr/>
+      </p:sp>
+      <p:sp>
+        <p:nvSpPr>
+          <p:cNvPr id="3" name="Notes Placeholder 2"/>
+          <p:cNvSpPr>
+            <a:spLocks noGrp="1"/>
+          </p:cNvSpPr>
+          <p:nvPr>
+            <p:ph type="body" idx="1"/>
+          </p:nvPr>
+        </p:nvSpPr>
+        <p:spPr/>
+        <p:txBody>
+          <a:bodyPr/>
+          <a:lstStyle/>
+          <a:p>
+            <a:endParaRPr lang="en-US" dirty="0"/>
+          </a:p>
+        </p:txBody>
+      </p:sp>
+      <p:sp>
+        <p:nvSpPr>
+          <p:cNvPr id="4" name="Slide Number Placeholder 3"/>
+          <p:cNvSpPr>
+            <a:spLocks noGrp="1"/>
+          </p:cNvSpPr>
+          <p:nvPr>
+            <p:ph type="sldNum" sz="quarter" idx="5"/>
+          </p:nvPr>
+        </p:nvSpPr>
+        <p:spPr/>
+        <p:txBody>
+          <a:bodyPr/>
+          <a:lstStyle/>
+          <a:p>
+            <a:fld id="{1983A999-5E0E-42CA-8400-604AE921FF7C}" type="slidenum">
+              <a:rPr lang="en-US" smtClean="0"/>
+              <a:t>11</a:t>
+            </a:fld>
+            <a:endParaRPr lang="en-US"/>
+          </a:p>
+        </p:txBody>
+      </p:sp>
+    </p:spTree>
+    <p:extLst>
+      <p:ext uri="{BB962C8B-B14F-4D97-AF65-F5344CB8AC3E}">
+        <p14:creationId xmlns:p14="http://schemas.microsoft.com/office/powerpoint/2010/main" val="839986257"/>
+      </p:ext>
+    </p:extLst>
+  </p:cSld>
+  <p:clrMapOvr>
+    <a:masterClrMapping/>
+  </p:clrMapOvr>
+</p:notes>
+</file>
+
+<file path=ppt/notesSlides/notesSlide12.xml><?xml version="1.0" encoding="utf-8"?>
+<p:notes xmlns:a="http://schemas.openxmlformats.org/drawingml/2006/main" xmlns:r="http://schemas.openxmlformats.org/officeDocument/2006/relationships" xmlns:p="http://schemas.openxmlformats.org/presentationml/2006/main">
+  <p:cSld>
+    <p:spTree>
+      <p:nvGrpSpPr>
+        <p:cNvPr id="1" name=""/>
+        <p:cNvGrpSpPr/>
+        <p:nvPr/>
+      </p:nvGrpSpPr>
+      <p:grpSpPr>
+        <a:xfrm>
+          <a:off x="0" y="0"/>
+          <a:ext cx="0" cy="0"/>
+          <a:chOff x="0" y="0"/>
+          <a:chExt cx="0" cy="0"/>
+        </a:xfrm>
+      </p:grpSpPr>
+      <p:sp>
+        <p:nvSpPr>
+          <p:cNvPr id="2" name="Slide Image Placeholder 1"/>
+          <p:cNvSpPr>
+            <a:spLocks noGrp="1" noRot="1" noChangeAspect="1"/>
+          </p:cNvSpPr>
+          <p:nvPr>
+            <p:ph type="sldImg"/>
+          </p:nvPr>
+        </p:nvSpPr>
+        <p:spPr/>
+      </p:sp>
+      <p:sp>
+        <p:nvSpPr>
+          <p:cNvPr id="3" name="Notes Placeholder 2"/>
+          <p:cNvSpPr>
+            <a:spLocks noGrp="1"/>
+          </p:cNvSpPr>
+          <p:nvPr>
+            <p:ph type="body" idx="1"/>
+          </p:nvPr>
+        </p:nvSpPr>
+        <p:spPr/>
+        <p:txBody>
+          <a:bodyPr/>
+          <a:lstStyle/>
+          <a:p>
+            <a:endParaRPr lang="en-US" dirty="0"/>
+          </a:p>
+        </p:txBody>
+      </p:sp>
+      <p:sp>
+        <p:nvSpPr>
+          <p:cNvPr id="4" name="Slide Number Placeholder 3"/>
+          <p:cNvSpPr>
+            <a:spLocks noGrp="1"/>
+          </p:cNvSpPr>
+          <p:nvPr>
+            <p:ph type="sldNum" sz="quarter" idx="5"/>
+          </p:nvPr>
+        </p:nvSpPr>
+        <p:spPr/>
+        <p:txBody>
+          <a:bodyPr/>
+          <a:lstStyle/>
+          <a:p>
+            <a:fld id="{1983A999-5E0E-42CA-8400-604AE921FF7C}" type="slidenum">
+              <a:rPr lang="en-US" smtClean="0"/>
+              <a:t>12</a:t>
+            </a:fld>
+            <a:endParaRPr lang="en-US"/>
+          </a:p>
+        </p:txBody>
+      </p:sp>
+    </p:spTree>
+    <p:extLst>
+      <p:ext uri="{BB962C8B-B14F-4D97-AF65-F5344CB8AC3E}">
         <p14:creationId xmlns:p14="http://schemas.microsoft.com/office/powerpoint/2010/main" val="2651129786"/>
       </p:ext>
     </p:extLst>
@@ -1014,7 +1184,7 @@
     </p:spTree>
     <p:extLst>
       <p:ext uri="{BB962C8B-B14F-4D97-AF65-F5344CB8AC3E}">
-        <p14:creationId xmlns:p14="http://schemas.microsoft.com/office/powerpoint/2010/main" val="404304175"/>
+        <p14:creationId xmlns:p14="http://schemas.microsoft.com/office/powerpoint/2010/main" val="2314931903"/>
       </p:ext>
     </p:extLst>
   </p:cSld>
@@ -1098,7 +1268,7 @@
     </p:spTree>
     <p:extLst>
       <p:ext uri="{BB962C8B-B14F-4D97-AF65-F5344CB8AC3E}">
-        <p14:creationId xmlns:p14="http://schemas.microsoft.com/office/powerpoint/2010/main" val="3541728398"/>
+        <p14:creationId xmlns:p14="http://schemas.microsoft.com/office/powerpoint/2010/main" val="3930750526"/>
       </p:ext>
     </p:extLst>
   </p:cSld>
@@ -1182,7 +1352,7 @@
     </p:spTree>
     <p:extLst>
       <p:ext uri="{BB962C8B-B14F-4D97-AF65-F5344CB8AC3E}">
-        <p14:creationId xmlns:p14="http://schemas.microsoft.com/office/powerpoint/2010/main" val="1256768268"/>
+        <p14:creationId xmlns:p14="http://schemas.microsoft.com/office/powerpoint/2010/main" val="404304175"/>
       </p:ext>
     </p:extLst>
   </p:cSld>
@@ -1266,7 +1436,7 @@
     </p:spTree>
     <p:extLst>
       <p:ext uri="{BB962C8B-B14F-4D97-AF65-F5344CB8AC3E}">
-        <p14:creationId xmlns:p14="http://schemas.microsoft.com/office/powerpoint/2010/main" val="2236282736"/>
+        <p14:creationId xmlns:p14="http://schemas.microsoft.com/office/powerpoint/2010/main" val="3541728398"/>
       </p:ext>
     </p:extLst>
   </p:cSld>
@@ -1350,7 +1520,7 @@
     </p:spTree>
     <p:extLst>
       <p:ext uri="{BB962C8B-B14F-4D97-AF65-F5344CB8AC3E}">
-        <p14:creationId xmlns:p14="http://schemas.microsoft.com/office/powerpoint/2010/main" val="1024311298"/>
+        <p14:creationId xmlns:p14="http://schemas.microsoft.com/office/powerpoint/2010/main" val="1256768268"/>
       </p:ext>
     </p:extLst>
   </p:cSld>
@@ -1434,7 +1604,7 @@
     </p:spTree>
     <p:extLst>
       <p:ext uri="{BB962C8B-B14F-4D97-AF65-F5344CB8AC3E}">
-        <p14:creationId xmlns:p14="http://schemas.microsoft.com/office/powerpoint/2010/main" val="2573975792"/>
+        <p14:creationId xmlns:p14="http://schemas.microsoft.com/office/powerpoint/2010/main" val="2236282736"/>
       </p:ext>
     </p:extLst>
   </p:cSld>
@@ -1518,7 +1688,7 @@
     </p:spTree>
     <p:extLst>
       <p:ext uri="{BB962C8B-B14F-4D97-AF65-F5344CB8AC3E}">
-        <p14:creationId xmlns:p14="http://schemas.microsoft.com/office/powerpoint/2010/main" val="839986257"/>
+        <p14:creationId xmlns:p14="http://schemas.microsoft.com/office/powerpoint/2010/main" val="1024311298"/>
       </p:ext>
     </p:extLst>
   </p:cSld>
@@ -3425,7 +3595,7 @@
           <a:p>
             <a:r>
               <a:rPr lang="en-US" dirty="0"/>
-              <a:t>Saturday March 25, 2023</a:t>
+              <a:t>Saturday July 15, 2023</a:t>
             </a:r>
           </a:p>
         </p:txBody>
@@ -3455,7 +3625,7 @@
           <a:p>
             <a:r>
               <a:rPr lang="en-US" dirty="0"/>
-              <a:t>Orlando Code Camp</a:t>
+              <a:t>Columbus SQL Saturday</a:t>
             </a:r>
           </a:p>
         </p:txBody>
@@ -3676,7 +3846,7 @@
           <a:p>
             <a:r>
               <a:rPr lang="en-US" dirty="0"/>
-              <a:t>Saturday March 25, 2023</a:t>
+              <a:t>Saturday July 15, 2023</a:t>
             </a:r>
           </a:p>
         </p:txBody>
@@ -3706,7 +3876,7 @@
           <a:p>
             <a:r>
               <a:rPr lang="en-US" dirty="0"/>
-              <a:t>Orlando Code Camp</a:t>
+              <a:t>Columbus SQL Saturday</a:t>
             </a:r>
           </a:p>
         </p:txBody>
@@ -4772,7 +4942,7 @@
           <a:p>
             <a:r>
               <a:rPr lang="en-US" dirty="0"/>
-              <a:t>Saturday March 25, 2023</a:t>
+              <a:t>Saturday July 15, 2023</a:t>
             </a:r>
           </a:p>
         </p:txBody>
@@ -4802,7 +4972,7 @@
           <a:p>
             <a:r>
               <a:rPr lang="en-US" dirty="0"/>
-              <a:t>Orlando Code Camp</a:t>
+              <a:t>Columbus SQL Saturday</a:t>
             </a:r>
           </a:p>
         </p:txBody>
@@ -5106,7 +5276,7 @@
           <a:p>
             <a:r>
               <a:rPr lang="en-US" dirty="0"/>
-              <a:t>Saturday March 25, 2023</a:t>
+              <a:t>Saturday July 15, 2023</a:t>
             </a:r>
           </a:p>
         </p:txBody>
@@ -5136,7 +5306,7 @@
           <a:p>
             <a:r>
               <a:rPr lang="en-US" dirty="0"/>
-              <a:t>Orlando Code Camp</a:t>
+              <a:t>Columbus SQL Saturday</a:t>
             </a:r>
           </a:p>
         </p:txBody>
@@ -6632,7 +6802,7 @@
           <a:p>
             <a:r>
               <a:rPr lang="en-US" dirty="0"/>
-              <a:t>Saturday March 25, 2023</a:t>
+              <a:t>Saturday July 15, 2023</a:t>
             </a:r>
           </a:p>
         </p:txBody>
@@ -6662,7 +6832,7 @@
           <a:p>
             <a:r>
               <a:rPr lang="en-US" dirty="0"/>
-              <a:t>Orlando Code Camp</a:t>
+              <a:t>Columbus SQL Saturday</a:t>
             </a:r>
           </a:p>
         </p:txBody>
@@ -6753,7 +6923,7 @@
           <a:p>
             <a:r>
               <a:rPr lang="en-US" dirty="0"/>
-              <a:t>Saturday March 25, 2023</a:t>
+              <a:t>Saturday July 15, 2023</a:t>
             </a:r>
           </a:p>
         </p:txBody>
@@ -6783,7 +6953,7 @@
           <a:p>
             <a:r>
               <a:rPr lang="en-US" dirty="0"/>
-              <a:t>Orlando Code Camp</a:t>
+              <a:t>Columbus SQL Saturday</a:t>
             </a:r>
           </a:p>
         </p:txBody>
@@ -7406,7 +7576,7 @@
           <a:p>
             <a:r>
               <a:rPr lang="en-US" dirty="0"/>
-              <a:t>Saturday March 25, 2023</a:t>
+              <a:t>Saturday July 15, 2023</a:t>
             </a:r>
           </a:p>
         </p:txBody>
@@ -7436,7 +7606,7 @@
           <a:p>
             <a:r>
               <a:rPr lang="en-US" dirty="0"/>
-              <a:t>Orlando Code Camp</a:t>
+              <a:t>Columbus SQL Saturday</a:t>
             </a:r>
           </a:p>
         </p:txBody>
@@ -7911,7 +8081,7 @@
           <a:p>
             <a:r>
               <a:rPr lang="en-US" dirty="0"/>
-              <a:t>Saturday March 25, 2023</a:t>
+              <a:t>Saturday July 15, 2023</a:t>
             </a:r>
           </a:p>
         </p:txBody>
@@ -7941,7 +8111,7 @@
           <a:p>
             <a:r>
               <a:rPr lang="en-US" dirty="0"/>
-              <a:t>Orlando Code Camp</a:t>
+              <a:t>Columbus SQL Saturday</a:t>
             </a:r>
           </a:p>
         </p:txBody>
@@ -8634,7 +8804,7 @@
           <a:p>
             <a:r>
               <a:rPr lang="en-US" dirty="0"/>
-              <a:t>Saturday March 25, 2023</a:t>
+              <a:t>Saturday July 15, 2023</a:t>
             </a:r>
           </a:p>
         </p:txBody>
@@ -8664,7 +8834,7 @@
           <a:p>
             <a:r>
               <a:rPr lang="en-US" dirty="0"/>
-              <a:t>Orlando Code Camp</a:t>
+              <a:t>Columbus SQL Saturday</a:t>
             </a:r>
           </a:p>
         </p:txBody>
@@ -8855,7 +9025,7 @@
           <a:p>
             <a:r>
               <a:rPr lang="en-US" dirty="0"/>
-              <a:t>Saturday March 25, 2023</a:t>
+              <a:t>Saturday July 15, 2023</a:t>
             </a:r>
           </a:p>
         </p:txBody>
@@ -8883,7 +9053,7 @@
           <a:p>
             <a:r>
               <a:rPr lang="en-US" dirty="0"/>
-              <a:t>Orlando Code Camp</a:t>
+              <a:t>Columbus SQL Saturday</a:t>
             </a:r>
           </a:p>
         </p:txBody>
@@ -9954,7 +10124,7 @@
           <a:p>
             <a:r>
               <a:rPr lang="en-US" dirty="0"/>
-              <a:t>Saturday March 25, 2023</a:t>
+              <a:t>Saturday July 15, 2023</a:t>
             </a:r>
           </a:p>
         </p:txBody>
@@ -9984,7 +10154,7 @@
           <a:p>
             <a:r>
               <a:rPr lang="en-US" dirty="0"/>
-              <a:t>Orlando Code Camp</a:t>
+              <a:t>Columbus SQL Saturday</a:t>
             </a:r>
           </a:p>
         </p:txBody>
@@ -10818,7 +10988,7 @@
           <a:p>
             <a:r>
               <a:rPr lang="en-US" dirty="0"/>
-              <a:t>Saturday March 25, 2023</a:t>
+              <a:t>Saturday July 15, 2023</a:t>
             </a:r>
           </a:p>
         </p:txBody>
@@ -10848,7 +11018,7 @@
           <a:p>
             <a:r>
               <a:rPr lang="en-US" dirty="0"/>
-              <a:t>Orlando Code Camp</a:t>
+              <a:t>Columbus SQL Saturday</a:t>
             </a:r>
           </a:p>
         </p:txBody>
@@ -12057,7 +12227,7 @@
           <a:p>
             <a:r>
               <a:rPr lang="en-US" dirty="0"/>
-              <a:t>Saturday March 25, 2023</a:t>
+              <a:t>Saturday July 15, 2023</a:t>
             </a:r>
           </a:p>
         </p:txBody>
@@ -12087,7 +12257,7 @@
           <a:p>
             <a:r>
               <a:rPr lang="en-US" dirty="0"/>
-              <a:t>Orlando Code Camp</a:t>
+              <a:t>Columbus SQL Saturday</a:t>
             </a:r>
           </a:p>
         </p:txBody>
@@ -12646,7 +12816,7 @@
           <a:p>
             <a:r>
               <a:rPr lang="en-US" dirty="0"/>
-              <a:t>Saturday March 25, 2023</a:t>
+              <a:t>Saturday July 15, 2023</a:t>
             </a:r>
           </a:p>
         </p:txBody>
@@ -12676,7 +12846,7 @@
           <a:p>
             <a:r>
               <a:rPr lang="en-US" dirty="0"/>
-              <a:t>Orlando Code Camp</a:t>
+              <a:t>Columbus SQL Saturday</a:t>
             </a:r>
           </a:p>
         </p:txBody>
@@ -12903,7 +13073,7 @@
           <a:p>
             <a:r>
               <a:rPr lang="en-US" dirty="0"/>
-              <a:t>Saturday March 25, 2023</a:t>
+              <a:t>Saturday July 15, 2023</a:t>
             </a:r>
           </a:p>
         </p:txBody>
@@ -12952,7 +13122,7 @@
           <a:p>
             <a:r>
               <a:rPr lang="en-US" dirty="0"/>
-              <a:t>Orlando Code Camp</a:t>
+              <a:t>Columbus SQL Saturday</a:t>
             </a:r>
           </a:p>
         </p:txBody>
@@ -13728,534 +13898,6 @@
           <a:chExt cx="0" cy="0"/>
         </a:xfrm>
       </p:grpSpPr>
-      <p:sp>
-        <p:nvSpPr>
-          <p:cNvPr id="11" name="Title 10">
-            <a:extLst>
-              <a:ext uri="{FF2B5EF4-FFF2-40B4-BE49-F238E27FC236}">
-                <a16:creationId xmlns:a16="http://schemas.microsoft.com/office/drawing/2014/main" id="{581E8936-2270-47FE-94A4-398CB123EF90}"/>
-              </a:ext>
-            </a:extLst>
-          </p:cNvPr>
-          <p:cNvSpPr>
-            <a:spLocks noGrp="1"/>
-          </p:cNvSpPr>
-          <p:nvPr>
-            <p:ph type="title"/>
-          </p:nvPr>
-        </p:nvSpPr>
-        <p:spPr>
-          <a:xfrm>
-            <a:off x="550863" y="4508500"/>
-            <a:ext cx="4500562" cy="1562959"/>
-          </a:xfrm>
-        </p:spPr>
-        <p:txBody>
-          <a:bodyPr/>
-          <a:lstStyle/>
-          <a:p>
-            <a:r>
-              <a:rPr lang="en-US" dirty="0"/>
-              <a:t>Resources</a:t>
-            </a:r>
-          </a:p>
-        </p:txBody>
-      </p:sp>
-      <p:pic>
-        <p:nvPicPr>
-          <p:cNvPr id="16" name="Picture Placeholder 15" descr="Data Points Digital background">
-            <a:extLst>
-              <a:ext uri="{FF2B5EF4-FFF2-40B4-BE49-F238E27FC236}">
-                <a16:creationId xmlns:a16="http://schemas.microsoft.com/office/drawing/2014/main" id="{361E9ADB-7377-4CF1-9AE4-AEFBDEBEEEEC}"/>
-              </a:ext>
-            </a:extLst>
-          </p:cNvPr>
-          <p:cNvPicPr>
-            <a:picLocks noGrp="1" noChangeAspect="1"/>
-          </p:cNvPicPr>
-          <p:nvPr>
-            <p:ph type="pic" sz="quarter" idx="13"/>
-          </p:nvPr>
-        </p:nvPicPr>
-        <p:blipFill rotWithShape="1">
-          <a:blip r:embed="rId3" cstate="screen">
-            <a:extLst>
-              <a:ext uri="{28A0092B-C50C-407E-A947-70E740481C1C}">
-                <a14:useLocalDpi xmlns:a14="http://schemas.microsoft.com/office/drawing/2010/main" val="0"/>
-              </a:ext>
-            </a:extLst>
-          </a:blip>
-          <a:srcRect/>
-          <a:stretch/>
-        </p:blipFill>
-        <p:spPr>
-          <a:xfrm>
-            <a:off x="0" y="0"/>
-            <a:ext cx="12192000" cy="3776472"/>
-          </a:xfrm>
-        </p:spPr>
-      </p:pic>
-      <p:sp>
-        <p:nvSpPr>
-          <p:cNvPr id="13" name="Content Placeholder 12">
-            <a:extLst>
-              <a:ext uri="{FF2B5EF4-FFF2-40B4-BE49-F238E27FC236}">
-                <a16:creationId xmlns:a16="http://schemas.microsoft.com/office/drawing/2014/main" id="{C0287FEC-3826-4868-8D93-52429C6156F5}"/>
-              </a:ext>
-            </a:extLst>
-          </p:cNvPr>
-          <p:cNvSpPr>
-            <a:spLocks noGrp="1"/>
-          </p:cNvSpPr>
-          <p:nvPr>
-            <p:ph sz="quarter" idx="15"/>
-          </p:nvPr>
-        </p:nvSpPr>
-        <p:spPr>
-          <a:xfrm>
-            <a:off x="3520036" y="4508500"/>
-            <a:ext cx="8129194" cy="1563688"/>
-          </a:xfrm>
-        </p:spPr>
-        <p:txBody>
-          <a:bodyPr>
-            <a:normAutofit/>
-          </a:bodyPr>
-          <a:lstStyle/>
-          <a:p>
-            <a:r>
-              <a:rPr lang="en-US" sz="3200" dirty="0"/>
-              <a:t>https://github.com/joekunk/sql-server-security</a:t>
-            </a:r>
-          </a:p>
-          <a:p>
-            <a:r>
-              <a:rPr lang="en-US" dirty="0"/>
-              <a:t>Public repo with the materials and scripts from this presentation</a:t>
-            </a:r>
-          </a:p>
-        </p:txBody>
-      </p:sp>
-      <p:sp>
-        <p:nvSpPr>
-          <p:cNvPr id="4" name="Date Placeholder 3">
-            <a:extLst>
-              <a:ext uri="{FF2B5EF4-FFF2-40B4-BE49-F238E27FC236}">
-                <a16:creationId xmlns:a16="http://schemas.microsoft.com/office/drawing/2014/main" id="{0C329F70-04F7-4C70-BCF8-D4371F54EF2F}"/>
-              </a:ext>
-            </a:extLst>
-          </p:cNvPr>
-          <p:cNvSpPr>
-            <a:spLocks noGrp="1"/>
-          </p:cNvSpPr>
-          <p:nvPr>
-            <p:ph type="dt" sz="half" idx="10"/>
-          </p:nvPr>
-        </p:nvSpPr>
-        <p:spPr>
-          <a:xfrm>
-            <a:off x="550863" y="6507212"/>
-            <a:ext cx="2628900" cy="153888"/>
-          </a:xfrm>
-        </p:spPr>
-        <p:txBody>
-          <a:bodyPr/>
-          <a:lstStyle/>
-          <a:p>
-            <a:r>
-              <a:rPr lang="en-US" sz="1400" dirty="0"/>
-              <a:t>Saturday March 25, 2023</a:t>
-            </a:r>
-          </a:p>
-        </p:txBody>
-      </p:sp>
-      <p:sp>
-        <p:nvSpPr>
-          <p:cNvPr id="5" name="Footer Placeholder 4">
-            <a:extLst>
-              <a:ext uri="{FF2B5EF4-FFF2-40B4-BE49-F238E27FC236}">
-                <a16:creationId xmlns:a16="http://schemas.microsoft.com/office/drawing/2014/main" id="{06A3302E-502D-4151-81C9-5FD6AF9596D6}"/>
-              </a:ext>
-            </a:extLst>
-          </p:cNvPr>
-          <p:cNvSpPr>
-            <a:spLocks noGrp="1"/>
-          </p:cNvSpPr>
-          <p:nvPr>
-            <p:ph type="ftr" sz="quarter" idx="11"/>
-          </p:nvPr>
-        </p:nvSpPr>
-        <p:spPr>
-          <a:xfrm>
-            <a:off x="3359150" y="6507212"/>
-            <a:ext cx="6379210" cy="153888"/>
-          </a:xfrm>
-        </p:spPr>
-        <p:txBody>
-          <a:bodyPr/>
-          <a:lstStyle/>
-          <a:p>
-            <a:r>
-              <a:rPr lang="en-US" sz="1400" dirty="0"/>
-              <a:t>Orlando Code Camp</a:t>
-            </a:r>
-          </a:p>
-        </p:txBody>
-      </p:sp>
-      <p:sp>
-        <p:nvSpPr>
-          <p:cNvPr id="6" name="Slide Number Placeholder 5">
-            <a:extLst>
-              <a:ext uri="{FF2B5EF4-FFF2-40B4-BE49-F238E27FC236}">
-                <a16:creationId xmlns:a16="http://schemas.microsoft.com/office/drawing/2014/main" id="{9ED907F8-C614-4D59-A03F-BF9CD5E35703}"/>
-              </a:ext>
-            </a:extLst>
-          </p:cNvPr>
-          <p:cNvSpPr>
-            <a:spLocks noGrp="1"/>
-          </p:cNvSpPr>
-          <p:nvPr>
-            <p:ph type="sldNum" sz="quarter" idx="12"/>
-          </p:nvPr>
-        </p:nvSpPr>
-        <p:spPr>
-          <a:xfrm>
-            <a:off x="9948863" y="6507212"/>
-            <a:ext cx="1692274" cy="153888"/>
-          </a:xfrm>
-        </p:spPr>
-        <p:txBody>
-          <a:bodyPr/>
-          <a:lstStyle/>
-          <a:p>
-            <a:fld id="{DBA1B0FB-D917-4C8C-928F-313BD683BF39}" type="slidenum">
-              <a:rPr lang="en-US" sz="1400" smtClean="0"/>
-              <a:pPr/>
-              <a:t>10</a:t>
-            </a:fld>
-            <a:endParaRPr lang="en-US" sz="1400"/>
-          </a:p>
-        </p:txBody>
-      </p:sp>
-    </p:spTree>
-    <p:extLst>
-      <p:ext uri="{BB962C8B-B14F-4D97-AF65-F5344CB8AC3E}">
-        <p14:creationId xmlns:p14="http://schemas.microsoft.com/office/powerpoint/2010/main" val="1612923039"/>
-      </p:ext>
-    </p:extLst>
-  </p:cSld>
-  <p:clrMapOvr>
-    <a:masterClrMapping/>
-  </p:clrMapOvr>
-</p:sld>
-</file>
-
-<file path=ppt/slides/slide11.xml><?xml version="1.0" encoding="utf-8"?>
-<p:sld xmlns:a="http://schemas.openxmlformats.org/drawingml/2006/main" xmlns:r="http://schemas.openxmlformats.org/officeDocument/2006/relationships" xmlns:p="http://schemas.openxmlformats.org/presentationml/2006/main">
-  <p:cSld>
-    <p:spTree>
-      <p:nvGrpSpPr>
-        <p:cNvPr id="1" name=""/>
-        <p:cNvGrpSpPr/>
-        <p:nvPr/>
-      </p:nvGrpSpPr>
-      <p:grpSpPr>
-        <a:xfrm>
-          <a:off x="0" y="0"/>
-          <a:ext cx="0" cy="0"/>
-          <a:chOff x="0" y="0"/>
-          <a:chExt cx="0" cy="0"/>
-        </a:xfrm>
-      </p:grpSpPr>
-      <p:sp>
-        <p:nvSpPr>
-          <p:cNvPr id="22" name="Title 21">
-            <a:extLst>
-              <a:ext uri="{FF2B5EF4-FFF2-40B4-BE49-F238E27FC236}">
-                <a16:creationId xmlns:a16="http://schemas.microsoft.com/office/drawing/2014/main" id="{F8FAEED9-1ECD-45F9-87A0-9394BAEABB79}"/>
-              </a:ext>
-            </a:extLst>
-          </p:cNvPr>
-          <p:cNvSpPr>
-            <a:spLocks noGrp="1"/>
-          </p:cNvSpPr>
-          <p:nvPr>
-            <p:ph type="ctrTitle"/>
-          </p:nvPr>
-        </p:nvSpPr>
-        <p:spPr>
-          <a:xfrm>
-            <a:off x="550863" y="549275"/>
-            <a:ext cx="5437187" cy="1400906"/>
-          </a:xfrm>
-        </p:spPr>
-        <p:txBody>
-          <a:bodyPr/>
-          <a:lstStyle/>
-          <a:p>
-            <a:r>
-              <a:rPr lang="en-US" dirty="0"/>
-              <a:t>Thank You</a:t>
-            </a:r>
-          </a:p>
-        </p:txBody>
-      </p:sp>
-      <p:sp>
-        <p:nvSpPr>
-          <p:cNvPr id="23" name="Subtitle 22">
-            <a:extLst>
-              <a:ext uri="{FF2B5EF4-FFF2-40B4-BE49-F238E27FC236}">
-                <a16:creationId xmlns:a16="http://schemas.microsoft.com/office/drawing/2014/main" id="{8E5E4638-9BCB-4C2E-914F-CC868E2020D5}"/>
-              </a:ext>
-            </a:extLst>
-          </p:cNvPr>
-          <p:cNvSpPr>
-            <a:spLocks noGrp="1"/>
-          </p:cNvSpPr>
-          <p:nvPr>
-            <p:ph type="subTitle" idx="1"/>
-          </p:nvPr>
-        </p:nvSpPr>
-        <p:spPr>
-          <a:xfrm>
-            <a:off x="550863" y="2419821"/>
-            <a:ext cx="5437187" cy="3179868"/>
-          </a:xfrm>
-        </p:spPr>
-        <p:txBody>
-          <a:bodyPr/>
-          <a:lstStyle/>
-          <a:p>
-            <a:r>
-              <a:rPr lang="en-US" dirty="0"/>
-              <a:t>Joe Kunk</a:t>
-            </a:r>
-          </a:p>
-          <a:p>
-            <a:r>
-              <a:rPr lang="en-US" dirty="0"/>
-              <a:t>jkunk@dewpoint.com</a:t>
-            </a:r>
-          </a:p>
-          <a:p>
-            <a:r>
-              <a:rPr lang="en-US" dirty="0"/>
-              <a:t>517-939-9970 mobile</a:t>
-            </a:r>
-          </a:p>
-          <a:p>
-            <a:r>
-              <a:rPr lang="en-US" dirty="0"/>
-              <a:t>LinkedIn:  joe-kunk-b926091</a:t>
-            </a:r>
-          </a:p>
-          <a:p>
-            <a:r>
-              <a:rPr lang="en-US" dirty="0"/>
-              <a:t>Mastodon: @joekunk@techhub.social</a:t>
-            </a:r>
-          </a:p>
-        </p:txBody>
-      </p:sp>
-      <p:pic>
-        <p:nvPicPr>
-          <p:cNvPr id="27" name="Picture Placeholder 26" descr="Data Points Digital background">
-            <a:extLst>
-              <a:ext uri="{FF2B5EF4-FFF2-40B4-BE49-F238E27FC236}">
-                <a16:creationId xmlns:a16="http://schemas.microsoft.com/office/drawing/2014/main" id="{9E660784-34E2-4CDA-926A-DDD6AAF35046}"/>
-              </a:ext>
-            </a:extLst>
-          </p:cNvPr>
-          <p:cNvPicPr>
-            <a:picLocks noGrp="1" noChangeAspect="1"/>
-          </p:cNvPicPr>
-          <p:nvPr>
-            <p:ph type="pic" sz="quarter" idx="15"/>
-          </p:nvPr>
-        </p:nvPicPr>
-        <p:blipFill rotWithShape="1">
-          <a:blip r:embed="rId2" cstate="screen">
-            <a:extLst>
-              <a:ext uri="{28A0092B-C50C-407E-A947-70E740481C1C}">
-                <a14:useLocalDpi xmlns:a14="http://schemas.microsoft.com/office/drawing/2010/main" val="0"/>
-              </a:ext>
-            </a:extLst>
-          </a:blip>
-          <a:srcRect/>
-          <a:stretch/>
-        </p:blipFill>
-        <p:spPr>
-          <a:xfrm>
-            <a:off x="6556248" y="548640"/>
-            <a:ext cx="5084064" cy="2880360"/>
-          </a:xfrm>
-        </p:spPr>
-      </p:pic>
-      <p:pic>
-        <p:nvPicPr>
-          <p:cNvPr id="33" name="Picture Placeholder 32" descr="Data Points Digital background">
-            <a:extLst>
-              <a:ext uri="{FF2B5EF4-FFF2-40B4-BE49-F238E27FC236}">
-                <a16:creationId xmlns:a16="http://schemas.microsoft.com/office/drawing/2014/main" id="{48106962-23C6-4DFE-BB3A-E5FFF03F38CE}"/>
-              </a:ext>
-            </a:extLst>
-          </p:cNvPr>
-          <p:cNvPicPr>
-            <a:picLocks noGrp="1" noChangeAspect="1"/>
-          </p:cNvPicPr>
-          <p:nvPr>
-            <p:ph type="pic" sz="quarter" idx="16"/>
-          </p:nvPr>
-        </p:nvPicPr>
-        <p:blipFill rotWithShape="1">
-          <a:blip r:embed="rId3" cstate="screen">
-            <a:extLst>
-              <a:ext uri="{28A0092B-C50C-407E-A947-70E740481C1C}">
-                <a14:useLocalDpi xmlns:a14="http://schemas.microsoft.com/office/drawing/2010/main" val="0"/>
-              </a:ext>
-            </a:extLst>
-          </a:blip>
-          <a:srcRect/>
-          <a:stretch/>
-        </p:blipFill>
-        <p:spPr>
-          <a:xfrm>
-            <a:off x="6556248" y="3429000"/>
-            <a:ext cx="5084064" cy="2880360"/>
-          </a:xfrm>
-        </p:spPr>
-      </p:pic>
-      <p:sp>
-        <p:nvSpPr>
-          <p:cNvPr id="4" name="Date Placeholder 3">
-            <a:extLst>
-              <a:ext uri="{FF2B5EF4-FFF2-40B4-BE49-F238E27FC236}">
-                <a16:creationId xmlns:a16="http://schemas.microsoft.com/office/drawing/2014/main" id="{7823E305-6365-4345-8BD1-4A31C61D96CB}"/>
-              </a:ext>
-            </a:extLst>
-          </p:cNvPr>
-          <p:cNvSpPr>
-            <a:spLocks noGrp="1"/>
-          </p:cNvSpPr>
-          <p:nvPr>
-            <p:ph type="dt" sz="half" idx="10"/>
-          </p:nvPr>
-        </p:nvSpPr>
-        <p:spPr>
-          <a:xfrm>
-            <a:off x="550863" y="6507212"/>
-            <a:ext cx="2628900" cy="153888"/>
-          </a:xfrm>
-        </p:spPr>
-        <p:txBody>
-          <a:bodyPr/>
-          <a:lstStyle/>
-          <a:p>
-            <a:r>
-              <a:rPr lang="en-US" sz="1400" dirty="0"/>
-              <a:t>Saturday March 25, 2023</a:t>
-            </a:r>
-          </a:p>
-        </p:txBody>
-      </p:sp>
-      <p:sp>
-        <p:nvSpPr>
-          <p:cNvPr id="5" name="Footer Placeholder 4">
-            <a:extLst>
-              <a:ext uri="{FF2B5EF4-FFF2-40B4-BE49-F238E27FC236}">
-                <a16:creationId xmlns:a16="http://schemas.microsoft.com/office/drawing/2014/main" id="{0B37A3FF-ED32-4C4A-A21F-848A3BF6F896}"/>
-              </a:ext>
-            </a:extLst>
-          </p:cNvPr>
-          <p:cNvSpPr>
-            <a:spLocks noGrp="1"/>
-          </p:cNvSpPr>
-          <p:nvPr>
-            <p:ph type="ftr" sz="quarter" idx="11"/>
-          </p:nvPr>
-        </p:nvSpPr>
-        <p:spPr>
-          <a:xfrm>
-            <a:off x="3359150" y="6507212"/>
-            <a:ext cx="6379210" cy="153888"/>
-          </a:xfrm>
-        </p:spPr>
-        <p:txBody>
-          <a:bodyPr/>
-          <a:lstStyle/>
-          <a:p>
-            <a:r>
-              <a:rPr lang="en-US" sz="1400" dirty="0"/>
-              <a:t>Orlando Code Camp</a:t>
-            </a:r>
-          </a:p>
-        </p:txBody>
-      </p:sp>
-      <p:sp>
-        <p:nvSpPr>
-          <p:cNvPr id="6" name="Slide Number Placeholder 5">
-            <a:extLst>
-              <a:ext uri="{FF2B5EF4-FFF2-40B4-BE49-F238E27FC236}">
-                <a16:creationId xmlns:a16="http://schemas.microsoft.com/office/drawing/2014/main" id="{36E60F23-FB58-4EF8-82FD-E86CED25FDD4}"/>
-              </a:ext>
-            </a:extLst>
-          </p:cNvPr>
-          <p:cNvSpPr>
-            <a:spLocks noGrp="1"/>
-          </p:cNvSpPr>
-          <p:nvPr>
-            <p:ph type="sldNum" sz="quarter" idx="12"/>
-          </p:nvPr>
-        </p:nvSpPr>
-        <p:spPr>
-          <a:xfrm>
-            <a:off x="9948863" y="6507212"/>
-            <a:ext cx="1692274" cy="153888"/>
-          </a:xfrm>
-        </p:spPr>
-        <p:txBody>
-          <a:bodyPr/>
-          <a:lstStyle/>
-          <a:p>
-            <a:fld id="{DBA1B0FB-D917-4C8C-928F-313BD683BF39}" type="slidenum">
-              <a:rPr lang="en-US" sz="1400" smtClean="0"/>
-              <a:pPr/>
-              <a:t>11</a:t>
-            </a:fld>
-            <a:endParaRPr lang="en-US" sz="1400"/>
-          </a:p>
-        </p:txBody>
-      </p:sp>
-    </p:spTree>
-    <p:extLst>
-      <p:ext uri="{BB962C8B-B14F-4D97-AF65-F5344CB8AC3E}">
-        <p14:creationId xmlns:p14="http://schemas.microsoft.com/office/powerpoint/2010/main" val="285719596"/>
-      </p:ext>
-    </p:extLst>
-  </p:cSld>
-  <p:clrMapOvr>
-    <a:masterClrMapping/>
-  </p:clrMapOvr>
-</p:sld>
-</file>
-
-<file path=ppt/slides/slide2.xml><?xml version="1.0" encoding="utf-8"?>
-<p:sld xmlns:a="http://schemas.openxmlformats.org/drawingml/2006/main" xmlns:r="http://schemas.openxmlformats.org/officeDocument/2006/relationships" xmlns:p="http://schemas.openxmlformats.org/presentationml/2006/main">
-  <p:cSld>
-    <p:spTree>
-      <p:nvGrpSpPr>
-        <p:cNvPr id="1" name=""/>
-        <p:cNvGrpSpPr/>
-        <p:nvPr/>
-      </p:nvGrpSpPr>
-      <p:grpSpPr>
-        <a:xfrm>
-          <a:off x="0" y="0"/>
-          <a:ext cx="0" cy="0"/>
-          <a:chOff x="0" y="0"/>
-          <a:chExt cx="0" cy="0"/>
-        </a:xfrm>
-      </p:grpSpPr>
       <p:grpSp>
         <p:nvGrpSpPr>
           <p:cNvPr id="25" name="Group 24">
@@ -14603,7 +14245,7 @@
         <p:spPr>
           <a:xfrm>
             <a:off x="550862" y="549275"/>
-            <a:ext cx="11097551" cy="1332000"/>
+            <a:ext cx="11097551" cy="772675"/>
           </a:xfrm>
         </p:spPr>
         <p:txBody>
@@ -14614,7 +14256,7 @@
           <a:p>
             <a:r>
               <a:rPr lang="en-US" dirty="0"/>
-              <a:t>The typical basic security steps</a:t>
+              <a:t>Recap</a:t>
             </a:r>
           </a:p>
         </p:txBody>
@@ -14660,25 +14302,49 @@
                 <a:effectLst/>
                 <a:latin typeface="Calibri" panose="020F0502020204030204" pitchFamily="34" charset="0"/>
               </a:rPr>
-              <a:t>Create a new sysadmin user, deactivate th</a:t>
+              <a:t>Never give more permissions </a:t>
             </a:r>
             <a:r>
               <a:rPr lang="en-US" dirty="0">
                 <a:latin typeface="Calibri" panose="020F0502020204030204" pitchFamily="34" charset="0"/>
               </a:rPr>
-              <a:t>e default </a:t>
-            </a:r>
-            <a:r>
-              <a:rPr lang="en-US" dirty="0" err="1">
+              <a:t>than needed </a:t>
+            </a:r>
+            <a:r>
+              <a:rPr lang="en-US" dirty="0">
+                <a:effectLst/>
                 <a:latin typeface="Calibri" panose="020F0502020204030204" pitchFamily="34" charset="0"/>
               </a:rPr>
-              <a:t>sa</a:t>
-            </a:r>
-            <a:r>
+              <a:t>to accomplish the tasks</a:t>
+            </a:r>
+            <a:br>
               <a:rPr lang="en-US" dirty="0">
+                <a:effectLst/>
                 <a:latin typeface="Calibri" panose="020F0502020204030204" pitchFamily="34" charset="0"/>
               </a:rPr>
-              <a:t> user</a:t>
+            </a:br>
+            <a:endParaRPr lang="en-US" dirty="0">
+              <a:effectLst/>
+              <a:latin typeface="Calibri" panose="020F0502020204030204" pitchFamily="34" charset="0"/>
+            </a:endParaRPr>
+          </a:p>
+          <a:p>
+            <a:pPr rtl="0" fontAlgn="ctr">
+              <a:spcBef>
+                <a:spcPts val="0"/>
+              </a:spcBef>
+              <a:spcAft>
+                <a:spcPts val="0"/>
+              </a:spcAft>
+              <a:buFont typeface="Arial" panose="020B0604020202020204" pitchFamily="34" charset="0"/>
+              <a:buChar char="•"/>
+            </a:pPr>
+            <a:r>
+              <a:rPr lang="en-US" dirty="0">
+                <a:effectLst/>
+                <a:latin typeface="Calibri" panose="020F0502020204030204" pitchFamily="34" charset="0"/>
+              </a:rPr>
+              <a:t>Assign permissions to database roles and add/remove members in those roles</a:t>
             </a:r>
           </a:p>
           <a:p>
@@ -14712,7 +14378,61 @@
               <a:rPr lang="en-US" dirty="0">
                 <a:latin typeface="Calibri" panose="020F0502020204030204" pitchFamily="34" charset="0"/>
               </a:rPr>
-              <a:t>Change the default port 1433 to a different port number</a:t>
+              <a:t>Restrict user objects to </a:t>
+            </a:r>
+            <a:r>
+              <a:rPr lang="en-US" dirty="0">
+                <a:effectLst/>
+                <a:latin typeface="Calibri" panose="020F0502020204030204" pitchFamily="34" charset="0"/>
+              </a:rPr>
+              <a:t>specific schemas </a:t>
+            </a:r>
+            <a:r>
+              <a:rPr lang="en-US" dirty="0">
+                <a:latin typeface="Calibri" panose="020F0502020204030204" pitchFamily="34" charset="0"/>
+              </a:rPr>
+              <a:t>with permissions provided </a:t>
+            </a:r>
+            <a:r>
+              <a:rPr lang="en-US" dirty="0">
+                <a:effectLst/>
+                <a:latin typeface="Calibri" panose="020F0502020204030204" pitchFamily="34" charset="0"/>
+              </a:rPr>
+              <a:t>by database roles</a:t>
+            </a:r>
+            <a:br>
+              <a:rPr lang="en-US" dirty="0">
+                <a:effectLst/>
+                <a:latin typeface="Calibri" panose="020F0502020204030204" pitchFamily="34" charset="0"/>
+              </a:rPr>
+            </a:br>
+            <a:endParaRPr lang="en-US" dirty="0">
+              <a:latin typeface="Calibri" panose="020F0502020204030204" pitchFamily="34" charset="0"/>
+            </a:endParaRPr>
+          </a:p>
+          <a:p>
+            <a:pPr rtl="0" fontAlgn="ctr">
+              <a:spcBef>
+                <a:spcPts val="0"/>
+              </a:spcBef>
+              <a:spcAft>
+                <a:spcPts val="0"/>
+              </a:spcAft>
+              <a:buFont typeface="Arial" panose="020B0604020202020204" pitchFamily="34" charset="0"/>
+              <a:buChar char="•"/>
+            </a:pPr>
+            <a:r>
+              <a:rPr lang="en-US" dirty="0">
+                <a:latin typeface="Calibri" panose="020F0502020204030204" pitchFamily="34" charset="0"/>
+              </a:rPr>
+              <a:t>Use No Login SQL users to execute stored procedures</a:t>
+            </a:r>
+            <a:r>
+              <a:rPr lang="en-US" dirty="0">
+                <a:effectLst/>
+                <a:latin typeface="Calibri" panose="020F0502020204030204" pitchFamily="34" charset="0"/>
+              </a:rPr>
+              <a:t> </a:t>
             </a:r>
           </a:p>
           <a:p>
@@ -14727,7 +14447,6 @@
               <a:buChar char="•"/>
             </a:pPr>
             <a:endParaRPr lang="en-US" dirty="0">
-              <a:effectLst/>
               <a:latin typeface="Calibri" panose="020F0502020204030204" pitchFamily="34" charset="0"/>
             </a:endParaRPr>
           </a:p>
@@ -14746,14 +14465,16 @@
               <a:rPr lang="en-US" dirty="0">
                 <a:latin typeface="Calibri" panose="020F0502020204030204" pitchFamily="34" charset="0"/>
               </a:rPr>
-              <a:t>Use a different managed service account for each SQL Server windows service</a:t>
+              <a:t>When necessary, create SQL Users with complex passwords</a:t>
             </a:r>
             <a:br>
               <a:rPr lang="en-US" dirty="0">
+                <a:effectLst/>
                 <a:latin typeface="Calibri" panose="020F0502020204030204" pitchFamily="34" charset="0"/>
               </a:rPr>
             </a:br>
             <a:endParaRPr lang="en-US" dirty="0">
+              <a:effectLst/>
               <a:latin typeface="Calibri" panose="020F0502020204030204" pitchFamily="34" charset="0"/>
             </a:endParaRPr>
           </a:p>
@@ -14773,80 +14494,8 @@
                 <a:effectLst/>
                 <a:latin typeface="Calibri" panose="020F0502020204030204" pitchFamily="34" charset="0"/>
               </a:rPr>
-              <a:t>Turn on logging of successful logins as well as failed logins</a:t>
-            </a:r>
-            <a:br>
-              <a:rPr lang="en-US" dirty="0">
-                <a:effectLst/>
-                <a:latin typeface="Calibri" panose="020F0502020204030204" pitchFamily="34" charset="0"/>
-              </a:rPr>
-            </a:br>
-            <a:endParaRPr lang="en-US" dirty="0">
-              <a:effectLst/>
-              <a:latin typeface="Calibri" panose="020F0502020204030204" pitchFamily="34" charset="0"/>
-            </a:endParaRPr>
-          </a:p>
-          <a:p>
-            <a:pPr rtl="0" fontAlgn="ctr">
-              <a:spcBef>
-                <a:spcPts val="0"/>
-              </a:spcBef>
-              <a:spcAft>
-                <a:spcPts val="0"/>
-              </a:spcAft>
-              <a:buFont typeface="Arial" panose="020B0604020202020204" pitchFamily="34" charset="0"/>
-              <a:buChar char="•"/>
-            </a:pPr>
-            <a:r>
-              <a:rPr lang="en-US" dirty="0">
-                <a:effectLst/>
-                <a:latin typeface="Calibri" panose="020F0502020204030204" pitchFamily="34" charset="0"/>
-              </a:rPr>
-              <a:t>Enable T</a:t>
-            </a:r>
-            <a:r>
-              <a:rPr lang="en-US" dirty="0">
-                <a:latin typeface="Calibri" panose="020F0502020204030204" pitchFamily="34" charset="0"/>
-              </a:rPr>
-              <a:t>ransparent Data Encryption (TDE)</a:t>
-            </a:r>
-            <a:br>
-              <a:rPr lang="en-US" dirty="0">
-                <a:latin typeface="Calibri" panose="020F0502020204030204" pitchFamily="34" charset="0"/>
-              </a:rPr>
-            </a:br>
-            <a:endParaRPr lang="en-US" dirty="0">
-              <a:latin typeface="Calibri" panose="020F0502020204030204" pitchFamily="34" charset="0"/>
-            </a:endParaRPr>
-          </a:p>
-          <a:p>
-            <a:pPr rtl="0" fontAlgn="ctr">
-              <a:spcBef>
-                <a:spcPts val="0"/>
-              </a:spcBef>
-              <a:spcAft>
-                <a:spcPts val="0"/>
-              </a:spcAft>
-              <a:buFont typeface="Arial" panose="020B0604020202020204" pitchFamily="34" charset="0"/>
-              <a:buChar char="•"/>
-            </a:pPr>
-            <a:r>
-              <a:rPr lang="en-US" dirty="0">
-                <a:effectLst/>
-                <a:latin typeface="Calibri" panose="020F0502020204030204" pitchFamily="34" charset="0"/>
-              </a:rPr>
-              <a:t>Zero trust Virtual LAN – only </a:t>
-            </a:r>
-            <a:r>
-              <a:rPr lang="en-US" dirty="0">
-                <a:latin typeface="Calibri" panose="020F0502020204030204" pitchFamily="34" charset="0"/>
-              </a:rPr>
-              <a:t>pre-authorized connections allowed</a:t>
-            </a:r>
-            <a:endParaRPr lang="en-US" dirty="0">
-              <a:effectLst/>
-              <a:latin typeface="Calibri" panose="020F0502020204030204" pitchFamily="34" charset="0"/>
-            </a:endParaRPr>
+              <a:t>Audit user permissions on a regular basis using the script I showed or other tools</a:t>
+            </a:r>
           </a:p>
         </p:txBody>
       </p:sp>
@@ -14878,7 +14527,7 @@
           <a:p>
             <a:r>
               <a:rPr lang="en-US" sz="1400" dirty="0"/>
-              <a:t>Saturday March 25, 2023</a:t>
+              <a:t>Saturday July 15, 2023</a:t>
             </a:r>
           </a:p>
         </p:txBody>
@@ -14911,7 +14560,7 @@
           <a:p>
             <a:r>
               <a:rPr lang="en-US" sz="1400" dirty="0"/>
-              <a:t>Orlando Code Camp</a:t>
+              <a:t>Columbus SQL Saturday</a:t>
             </a:r>
           </a:p>
         </p:txBody>
@@ -14945,7 +14594,7 @@
             <a:fld id="{DBA1B0FB-D917-4C8C-928F-313BD683BF39}" type="slidenum">
               <a:rPr lang="en-US" sz="1400" smtClean="0"/>
               <a:pPr/>
-              <a:t>2</a:t>
+              <a:t>10</a:t>
             </a:fld>
             <a:endParaRPr lang="en-US" sz="1400"/>
           </a:p>
@@ -15115,7 +14764,7 @@
     </p:spTree>
     <p:extLst>
       <p:ext uri="{BB962C8B-B14F-4D97-AF65-F5344CB8AC3E}">
-        <p14:creationId xmlns:p14="http://schemas.microsoft.com/office/powerpoint/2010/main" val="4071109867"/>
+        <p14:creationId xmlns:p14="http://schemas.microsoft.com/office/powerpoint/2010/main" val="2112465238"/>
       </p:ext>
     </p:extLst>
   </p:cSld>
@@ -15125,7 +14774,761 @@
 </p:sld>
 </file>
 
-<file path=ppt/slides/slide3.xml><?xml version="1.0" encoding="utf-8"?>
+<file path=ppt/slides/slide11.xml><?xml version="1.0" encoding="utf-8"?>
+<p:sld xmlns:a="http://schemas.openxmlformats.org/drawingml/2006/main" xmlns:r="http://schemas.openxmlformats.org/officeDocument/2006/relationships" xmlns:p="http://schemas.openxmlformats.org/presentationml/2006/main">
+  <p:cSld>
+    <p:spTree>
+      <p:nvGrpSpPr>
+        <p:cNvPr id="1" name=""/>
+        <p:cNvGrpSpPr/>
+        <p:nvPr/>
+      </p:nvGrpSpPr>
+      <p:grpSpPr>
+        <a:xfrm>
+          <a:off x="0" y="0"/>
+          <a:ext cx="0" cy="0"/>
+          <a:chOff x="0" y="0"/>
+          <a:chExt cx="0" cy="0"/>
+        </a:xfrm>
+      </p:grpSpPr>
+      <p:sp>
+        <p:nvSpPr>
+          <p:cNvPr id="11" name="Title 10">
+            <a:extLst>
+              <a:ext uri="{FF2B5EF4-FFF2-40B4-BE49-F238E27FC236}">
+                <a16:creationId xmlns:a16="http://schemas.microsoft.com/office/drawing/2014/main" id="{581E8936-2270-47FE-94A4-398CB123EF90}"/>
+              </a:ext>
+            </a:extLst>
+          </p:cNvPr>
+          <p:cNvSpPr>
+            <a:spLocks noGrp="1"/>
+          </p:cNvSpPr>
+          <p:nvPr>
+            <p:ph type="title"/>
+          </p:nvPr>
+        </p:nvSpPr>
+        <p:spPr>
+          <a:xfrm>
+            <a:off x="389977" y="473395"/>
+            <a:ext cx="4500562" cy="1562959"/>
+          </a:xfrm>
+        </p:spPr>
+        <p:txBody>
+          <a:bodyPr/>
+          <a:lstStyle/>
+          <a:p>
+            <a:r>
+              <a:rPr lang="en-US" dirty="0"/>
+              <a:t>Resources</a:t>
+            </a:r>
+          </a:p>
+        </p:txBody>
+      </p:sp>
+      <p:sp>
+        <p:nvSpPr>
+          <p:cNvPr id="13" name="Content Placeholder 12">
+            <a:extLst>
+              <a:ext uri="{FF2B5EF4-FFF2-40B4-BE49-F238E27FC236}">
+                <a16:creationId xmlns:a16="http://schemas.microsoft.com/office/drawing/2014/main" id="{C0287FEC-3826-4868-8D93-52429C6156F5}"/>
+              </a:ext>
+            </a:extLst>
+          </p:cNvPr>
+          <p:cNvSpPr>
+            <a:spLocks noGrp="1"/>
+          </p:cNvSpPr>
+          <p:nvPr>
+            <p:ph sz="quarter" idx="15"/>
+          </p:nvPr>
+        </p:nvSpPr>
+        <p:spPr>
+          <a:xfrm>
+            <a:off x="389976" y="2332138"/>
+            <a:ext cx="11597891" cy="3842159"/>
+          </a:xfrm>
+        </p:spPr>
+        <p:txBody>
+          <a:bodyPr>
+            <a:normAutofit/>
+          </a:bodyPr>
+          <a:lstStyle/>
+          <a:p>
+            <a:r>
+              <a:rPr lang="en-US" sz="2800" dirty="0"/>
+              <a:t>SQL Server Developer Edition - Free Enterprise Level Single User Version</a:t>
+            </a:r>
+          </a:p>
+          <a:p>
+            <a:r>
+              <a:rPr lang="en-US" sz="2800" dirty="0"/>
+              <a:t>    https://www.microsoft.com/en-us/sql-server/sql-server-downloads</a:t>
+            </a:r>
+          </a:p>
+          <a:p>
+            <a:endParaRPr lang="en-US" sz="2800" dirty="0"/>
+          </a:p>
+          <a:p>
+            <a:r>
+              <a:rPr lang="en-US" sz="2800" dirty="0"/>
+              <a:t>AdventureWorks2012 Sample Database - used in demos</a:t>
+            </a:r>
+          </a:p>
+          <a:p>
+            <a:r>
+              <a:rPr lang="en-US" sz="2800" dirty="0"/>
+              <a:t> https://learn.microsoft.com/en-us/sql/samples/adventureworks-install-configure?view=sql-server-ver16&amp;tabs=ssms</a:t>
+            </a:r>
+            <a:endParaRPr lang="en-US" sz="1800" dirty="0"/>
+          </a:p>
+        </p:txBody>
+      </p:sp>
+      <p:sp>
+        <p:nvSpPr>
+          <p:cNvPr id="4" name="Date Placeholder 3">
+            <a:extLst>
+              <a:ext uri="{FF2B5EF4-FFF2-40B4-BE49-F238E27FC236}">
+                <a16:creationId xmlns:a16="http://schemas.microsoft.com/office/drawing/2014/main" id="{0C329F70-04F7-4C70-BCF8-D4371F54EF2F}"/>
+              </a:ext>
+            </a:extLst>
+          </p:cNvPr>
+          <p:cNvSpPr>
+            <a:spLocks noGrp="1"/>
+          </p:cNvSpPr>
+          <p:nvPr>
+            <p:ph type="dt" sz="half" idx="10"/>
+          </p:nvPr>
+        </p:nvSpPr>
+        <p:spPr>
+          <a:xfrm>
+            <a:off x="550863" y="6507212"/>
+            <a:ext cx="2628900" cy="153888"/>
+          </a:xfrm>
+        </p:spPr>
+        <p:txBody>
+          <a:bodyPr/>
+          <a:lstStyle/>
+          <a:p>
+            <a:r>
+              <a:rPr lang="en-US" sz="1400" dirty="0"/>
+              <a:t>Saturday July 15, 2023</a:t>
+            </a:r>
+          </a:p>
+        </p:txBody>
+      </p:sp>
+      <p:sp>
+        <p:nvSpPr>
+          <p:cNvPr id="5" name="Footer Placeholder 4">
+            <a:extLst>
+              <a:ext uri="{FF2B5EF4-FFF2-40B4-BE49-F238E27FC236}">
+                <a16:creationId xmlns:a16="http://schemas.microsoft.com/office/drawing/2014/main" id="{06A3302E-502D-4151-81C9-5FD6AF9596D6}"/>
+              </a:ext>
+            </a:extLst>
+          </p:cNvPr>
+          <p:cNvSpPr>
+            <a:spLocks noGrp="1"/>
+          </p:cNvSpPr>
+          <p:nvPr>
+            <p:ph type="ftr" sz="quarter" idx="11"/>
+          </p:nvPr>
+        </p:nvSpPr>
+        <p:spPr>
+          <a:xfrm>
+            <a:off x="3359150" y="6507212"/>
+            <a:ext cx="6379210" cy="153888"/>
+          </a:xfrm>
+        </p:spPr>
+        <p:txBody>
+          <a:bodyPr/>
+          <a:lstStyle/>
+          <a:p>
+            <a:r>
+              <a:rPr lang="en-US" sz="1400" dirty="0"/>
+              <a:t>Columbus SQL Saturday</a:t>
+            </a:r>
+          </a:p>
+        </p:txBody>
+      </p:sp>
+      <p:sp>
+        <p:nvSpPr>
+          <p:cNvPr id="6" name="Slide Number Placeholder 5">
+            <a:extLst>
+              <a:ext uri="{FF2B5EF4-FFF2-40B4-BE49-F238E27FC236}">
+                <a16:creationId xmlns:a16="http://schemas.microsoft.com/office/drawing/2014/main" id="{9ED907F8-C614-4D59-A03F-BF9CD5E35703}"/>
+              </a:ext>
+            </a:extLst>
+          </p:cNvPr>
+          <p:cNvSpPr>
+            <a:spLocks noGrp="1"/>
+          </p:cNvSpPr>
+          <p:nvPr>
+            <p:ph type="sldNum" sz="quarter" idx="12"/>
+          </p:nvPr>
+        </p:nvSpPr>
+        <p:spPr>
+          <a:xfrm>
+            <a:off x="9948863" y="6507212"/>
+            <a:ext cx="1692274" cy="153888"/>
+          </a:xfrm>
+        </p:spPr>
+        <p:txBody>
+          <a:bodyPr/>
+          <a:lstStyle/>
+          <a:p>
+            <a:fld id="{DBA1B0FB-D917-4C8C-928F-313BD683BF39}" type="slidenum">
+              <a:rPr lang="en-US" sz="1400" smtClean="0"/>
+              <a:pPr/>
+              <a:t>11</a:t>
+            </a:fld>
+            <a:endParaRPr lang="en-US" sz="1400"/>
+          </a:p>
+        </p:txBody>
+      </p:sp>
+    </p:spTree>
+    <p:extLst>
+      <p:ext uri="{BB962C8B-B14F-4D97-AF65-F5344CB8AC3E}">
+        <p14:creationId xmlns:p14="http://schemas.microsoft.com/office/powerpoint/2010/main" val="3441738824"/>
+      </p:ext>
+    </p:extLst>
+  </p:cSld>
+  <p:clrMapOvr>
+    <a:masterClrMapping/>
+  </p:clrMapOvr>
+</p:sld>
+</file>
+
+<file path=ppt/slides/slide12.xml><?xml version="1.0" encoding="utf-8"?>
+<p:sld xmlns:a="http://schemas.openxmlformats.org/drawingml/2006/main" xmlns:r="http://schemas.openxmlformats.org/officeDocument/2006/relationships" xmlns:p="http://schemas.openxmlformats.org/presentationml/2006/main">
+  <p:cSld>
+    <p:spTree>
+      <p:nvGrpSpPr>
+        <p:cNvPr id="1" name=""/>
+        <p:cNvGrpSpPr/>
+        <p:nvPr/>
+      </p:nvGrpSpPr>
+      <p:grpSpPr>
+        <a:xfrm>
+          <a:off x="0" y="0"/>
+          <a:ext cx="0" cy="0"/>
+          <a:chOff x="0" y="0"/>
+          <a:chExt cx="0" cy="0"/>
+        </a:xfrm>
+      </p:grpSpPr>
+      <p:sp>
+        <p:nvSpPr>
+          <p:cNvPr id="11" name="Title 10">
+            <a:extLst>
+              <a:ext uri="{FF2B5EF4-FFF2-40B4-BE49-F238E27FC236}">
+                <a16:creationId xmlns:a16="http://schemas.microsoft.com/office/drawing/2014/main" id="{581E8936-2270-47FE-94A4-398CB123EF90}"/>
+              </a:ext>
+            </a:extLst>
+          </p:cNvPr>
+          <p:cNvSpPr>
+            <a:spLocks noGrp="1"/>
+          </p:cNvSpPr>
+          <p:nvPr>
+            <p:ph type="title"/>
+          </p:nvPr>
+        </p:nvSpPr>
+        <p:spPr>
+          <a:xfrm>
+            <a:off x="550863" y="4508500"/>
+            <a:ext cx="4500562" cy="1562959"/>
+          </a:xfrm>
+        </p:spPr>
+        <p:txBody>
+          <a:bodyPr/>
+          <a:lstStyle/>
+          <a:p>
+            <a:r>
+              <a:rPr lang="en-US" dirty="0"/>
+              <a:t>Resources</a:t>
+            </a:r>
+          </a:p>
+        </p:txBody>
+      </p:sp>
+      <p:pic>
+        <p:nvPicPr>
+          <p:cNvPr id="16" name="Picture Placeholder 15" descr="Data Points Digital background">
+            <a:extLst>
+              <a:ext uri="{FF2B5EF4-FFF2-40B4-BE49-F238E27FC236}">
+                <a16:creationId xmlns:a16="http://schemas.microsoft.com/office/drawing/2014/main" id="{361E9ADB-7377-4CF1-9AE4-AEFBDEBEEEEC}"/>
+              </a:ext>
+            </a:extLst>
+          </p:cNvPr>
+          <p:cNvPicPr>
+            <a:picLocks noGrp="1" noChangeAspect="1"/>
+          </p:cNvPicPr>
+          <p:nvPr>
+            <p:ph type="pic" sz="quarter" idx="13"/>
+          </p:nvPr>
+        </p:nvPicPr>
+        <p:blipFill rotWithShape="1">
+          <a:blip r:embed="rId3" cstate="screen">
+            <a:extLst>
+              <a:ext uri="{28A0092B-C50C-407E-A947-70E740481C1C}">
+                <a14:useLocalDpi xmlns:a14="http://schemas.microsoft.com/office/drawing/2010/main" val="0"/>
+              </a:ext>
+            </a:extLst>
+          </a:blip>
+          <a:srcRect/>
+          <a:stretch/>
+        </p:blipFill>
+        <p:spPr>
+          <a:xfrm>
+            <a:off x="0" y="0"/>
+            <a:ext cx="12192000" cy="3776472"/>
+          </a:xfrm>
+        </p:spPr>
+      </p:pic>
+      <p:sp>
+        <p:nvSpPr>
+          <p:cNvPr id="13" name="Content Placeholder 12">
+            <a:extLst>
+              <a:ext uri="{FF2B5EF4-FFF2-40B4-BE49-F238E27FC236}">
+                <a16:creationId xmlns:a16="http://schemas.microsoft.com/office/drawing/2014/main" id="{C0287FEC-3826-4868-8D93-52429C6156F5}"/>
+              </a:ext>
+            </a:extLst>
+          </p:cNvPr>
+          <p:cNvSpPr>
+            <a:spLocks noGrp="1"/>
+          </p:cNvSpPr>
+          <p:nvPr>
+            <p:ph sz="quarter" idx="15"/>
+          </p:nvPr>
+        </p:nvSpPr>
+        <p:spPr>
+          <a:xfrm>
+            <a:off x="3520036" y="4508500"/>
+            <a:ext cx="8129194" cy="1563688"/>
+          </a:xfrm>
+        </p:spPr>
+        <p:txBody>
+          <a:bodyPr>
+            <a:normAutofit/>
+          </a:bodyPr>
+          <a:lstStyle/>
+          <a:p>
+            <a:r>
+              <a:rPr lang="en-US" sz="3200" dirty="0"/>
+              <a:t>https://github.com/joekunk/sql-server-security</a:t>
+            </a:r>
+          </a:p>
+          <a:p>
+            <a:r>
+              <a:rPr lang="en-US" dirty="0"/>
+              <a:t>Public repo with the materials and scripts from this presentation</a:t>
+            </a:r>
+          </a:p>
+        </p:txBody>
+      </p:sp>
+      <p:sp>
+        <p:nvSpPr>
+          <p:cNvPr id="4" name="Date Placeholder 3">
+            <a:extLst>
+              <a:ext uri="{FF2B5EF4-FFF2-40B4-BE49-F238E27FC236}">
+                <a16:creationId xmlns:a16="http://schemas.microsoft.com/office/drawing/2014/main" id="{0C329F70-04F7-4C70-BCF8-D4371F54EF2F}"/>
+              </a:ext>
+            </a:extLst>
+          </p:cNvPr>
+          <p:cNvSpPr>
+            <a:spLocks noGrp="1"/>
+          </p:cNvSpPr>
+          <p:nvPr>
+            <p:ph type="dt" sz="half" idx="10"/>
+          </p:nvPr>
+        </p:nvSpPr>
+        <p:spPr>
+          <a:xfrm>
+            <a:off x="550863" y="6507212"/>
+            <a:ext cx="2628900" cy="153888"/>
+          </a:xfrm>
+        </p:spPr>
+        <p:txBody>
+          <a:bodyPr/>
+          <a:lstStyle/>
+          <a:p>
+            <a:r>
+              <a:rPr lang="en-US" sz="1400" dirty="0"/>
+              <a:t>Saturday July 15, 2023</a:t>
+            </a:r>
+          </a:p>
+        </p:txBody>
+      </p:sp>
+      <p:sp>
+        <p:nvSpPr>
+          <p:cNvPr id="5" name="Footer Placeholder 4">
+            <a:extLst>
+              <a:ext uri="{FF2B5EF4-FFF2-40B4-BE49-F238E27FC236}">
+                <a16:creationId xmlns:a16="http://schemas.microsoft.com/office/drawing/2014/main" id="{06A3302E-502D-4151-81C9-5FD6AF9596D6}"/>
+              </a:ext>
+            </a:extLst>
+          </p:cNvPr>
+          <p:cNvSpPr>
+            <a:spLocks noGrp="1"/>
+          </p:cNvSpPr>
+          <p:nvPr>
+            <p:ph type="ftr" sz="quarter" idx="11"/>
+          </p:nvPr>
+        </p:nvSpPr>
+        <p:spPr>
+          <a:xfrm>
+            <a:off x="3359150" y="6507212"/>
+            <a:ext cx="6379210" cy="153888"/>
+          </a:xfrm>
+        </p:spPr>
+        <p:txBody>
+          <a:bodyPr/>
+          <a:lstStyle/>
+          <a:p>
+            <a:r>
+              <a:rPr lang="en-US" sz="1400" dirty="0"/>
+              <a:t>Columbus SQL Saturday</a:t>
+            </a:r>
+          </a:p>
+        </p:txBody>
+      </p:sp>
+      <p:sp>
+        <p:nvSpPr>
+          <p:cNvPr id="6" name="Slide Number Placeholder 5">
+            <a:extLst>
+              <a:ext uri="{FF2B5EF4-FFF2-40B4-BE49-F238E27FC236}">
+                <a16:creationId xmlns:a16="http://schemas.microsoft.com/office/drawing/2014/main" id="{9ED907F8-C614-4D59-A03F-BF9CD5E35703}"/>
+              </a:ext>
+            </a:extLst>
+          </p:cNvPr>
+          <p:cNvSpPr>
+            <a:spLocks noGrp="1"/>
+          </p:cNvSpPr>
+          <p:nvPr>
+            <p:ph type="sldNum" sz="quarter" idx="12"/>
+          </p:nvPr>
+        </p:nvSpPr>
+        <p:spPr>
+          <a:xfrm>
+            <a:off x="9948863" y="6507212"/>
+            <a:ext cx="1692274" cy="153888"/>
+          </a:xfrm>
+        </p:spPr>
+        <p:txBody>
+          <a:bodyPr/>
+          <a:lstStyle/>
+          <a:p>
+            <a:fld id="{DBA1B0FB-D917-4C8C-928F-313BD683BF39}" type="slidenum">
+              <a:rPr lang="en-US" sz="1400" smtClean="0"/>
+              <a:pPr/>
+              <a:t>12</a:t>
+            </a:fld>
+            <a:endParaRPr lang="en-US" sz="1400"/>
+          </a:p>
+        </p:txBody>
+      </p:sp>
+    </p:spTree>
+    <p:extLst>
+      <p:ext uri="{BB962C8B-B14F-4D97-AF65-F5344CB8AC3E}">
+        <p14:creationId xmlns:p14="http://schemas.microsoft.com/office/powerpoint/2010/main" val="1612923039"/>
+      </p:ext>
+    </p:extLst>
+  </p:cSld>
+  <p:clrMapOvr>
+    <a:masterClrMapping/>
+  </p:clrMapOvr>
+</p:sld>
+</file>
+
+<file path=ppt/slides/slide13.xml><?xml version="1.0" encoding="utf-8"?>
+<p:sld xmlns:a="http://schemas.openxmlformats.org/drawingml/2006/main" xmlns:r="http://schemas.openxmlformats.org/officeDocument/2006/relationships" xmlns:p="http://schemas.openxmlformats.org/presentationml/2006/main">
+  <p:cSld>
+    <p:spTree>
+      <p:nvGrpSpPr>
+        <p:cNvPr id="1" name=""/>
+        <p:cNvGrpSpPr/>
+        <p:nvPr/>
+      </p:nvGrpSpPr>
+      <p:grpSpPr>
+        <a:xfrm>
+          <a:off x="0" y="0"/>
+          <a:ext cx="0" cy="0"/>
+          <a:chOff x="0" y="0"/>
+          <a:chExt cx="0" cy="0"/>
+        </a:xfrm>
+      </p:grpSpPr>
+      <p:sp>
+        <p:nvSpPr>
+          <p:cNvPr id="22" name="Title 21">
+            <a:extLst>
+              <a:ext uri="{FF2B5EF4-FFF2-40B4-BE49-F238E27FC236}">
+                <a16:creationId xmlns:a16="http://schemas.microsoft.com/office/drawing/2014/main" id="{F8FAEED9-1ECD-45F9-87A0-9394BAEABB79}"/>
+              </a:ext>
+            </a:extLst>
+          </p:cNvPr>
+          <p:cNvSpPr>
+            <a:spLocks noGrp="1"/>
+          </p:cNvSpPr>
+          <p:nvPr>
+            <p:ph type="ctrTitle"/>
+          </p:nvPr>
+        </p:nvSpPr>
+        <p:spPr>
+          <a:xfrm>
+            <a:off x="550863" y="549275"/>
+            <a:ext cx="5437187" cy="1400906"/>
+          </a:xfrm>
+        </p:spPr>
+        <p:txBody>
+          <a:bodyPr/>
+          <a:lstStyle/>
+          <a:p>
+            <a:r>
+              <a:rPr lang="en-US" dirty="0"/>
+              <a:t>Thank You</a:t>
+            </a:r>
+          </a:p>
+        </p:txBody>
+      </p:sp>
+      <p:sp>
+        <p:nvSpPr>
+          <p:cNvPr id="23" name="Subtitle 22">
+            <a:extLst>
+              <a:ext uri="{FF2B5EF4-FFF2-40B4-BE49-F238E27FC236}">
+                <a16:creationId xmlns:a16="http://schemas.microsoft.com/office/drawing/2014/main" id="{8E5E4638-9BCB-4C2E-914F-CC868E2020D5}"/>
+              </a:ext>
+            </a:extLst>
+          </p:cNvPr>
+          <p:cNvSpPr>
+            <a:spLocks noGrp="1"/>
+          </p:cNvSpPr>
+          <p:nvPr>
+            <p:ph type="subTitle" idx="1"/>
+          </p:nvPr>
+        </p:nvSpPr>
+        <p:spPr>
+          <a:xfrm>
+            <a:off x="550863" y="2419821"/>
+            <a:ext cx="5437187" cy="3179868"/>
+          </a:xfrm>
+        </p:spPr>
+        <p:txBody>
+          <a:bodyPr/>
+          <a:lstStyle/>
+          <a:p>
+            <a:r>
+              <a:rPr lang="en-US" dirty="0"/>
+              <a:t>Joe Kunk</a:t>
+            </a:r>
+          </a:p>
+          <a:p>
+            <a:r>
+              <a:rPr lang="en-US" dirty="0"/>
+              <a:t>jkunk@dewpoint.com</a:t>
+            </a:r>
+          </a:p>
+          <a:p>
+            <a:r>
+              <a:rPr lang="en-US" dirty="0"/>
+              <a:t>517-939-9970 mobile</a:t>
+            </a:r>
+          </a:p>
+          <a:p>
+            <a:r>
+              <a:rPr lang="en-US" dirty="0"/>
+              <a:t>LinkedIn:  joe-kunk-b926091</a:t>
+            </a:r>
+          </a:p>
+          <a:p>
+            <a:r>
+              <a:rPr lang="en-US" dirty="0"/>
+              <a:t>Mastodon: </a:t>
+            </a:r>
+            <a:r>
+              <a:rPr lang="en-US" dirty="0" err="1"/>
+              <a:t>joekunk@techhub.social</a:t>
+            </a:r>
+            <a:endParaRPr lang="en-US" dirty="0"/>
+          </a:p>
+        </p:txBody>
+      </p:sp>
+      <p:pic>
+        <p:nvPicPr>
+          <p:cNvPr id="27" name="Picture Placeholder 26" descr="Data Points Digital background">
+            <a:extLst>
+              <a:ext uri="{FF2B5EF4-FFF2-40B4-BE49-F238E27FC236}">
+                <a16:creationId xmlns:a16="http://schemas.microsoft.com/office/drawing/2014/main" id="{9E660784-34E2-4CDA-926A-DDD6AAF35046}"/>
+              </a:ext>
+            </a:extLst>
+          </p:cNvPr>
+          <p:cNvPicPr>
+            <a:picLocks noGrp="1" noChangeAspect="1"/>
+          </p:cNvPicPr>
+          <p:nvPr>
+            <p:ph type="pic" sz="quarter" idx="15"/>
+          </p:nvPr>
+        </p:nvPicPr>
+        <p:blipFill rotWithShape="1">
+          <a:blip r:embed="rId2" cstate="screen">
+            <a:extLst>
+              <a:ext uri="{28A0092B-C50C-407E-A947-70E740481C1C}">
+                <a14:useLocalDpi xmlns:a14="http://schemas.microsoft.com/office/drawing/2010/main" val="0"/>
+              </a:ext>
+            </a:extLst>
+          </a:blip>
+          <a:srcRect/>
+          <a:stretch/>
+        </p:blipFill>
+        <p:spPr>
+          <a:xfrm>
+            <a:off x="6556248" y="548640"/>
+            <a:ext cx="5084064" cy="2880360"/>
+          </a:xfrm>
+        </p:spPr>
+      </p:pic>
+      <p:pic>
+        <p:nvPicPr>
+          <p:cNvPr id="33" name="Picture Placeholder 32" descr="Data Points Digital background">
+            <a:extLst>
+              <a:ext uri="{FF2B5EF4-FFF2-40B4-BE49-F238E27FC236}">
+                <a16:creationId xmlns:a16="http://schemas.microsoft.com/office/drawing/2014/main" id="{48106962-23C6-4DFE-BB3A-E5FFF03F38CE}"/>
+              </a:ext>
+            </a:extLst>
+          </p:cNvPr>
+          <p:cNvPicPr>
+            <a:picLocks noGrp="1" noChangeAspect="1"/>
+          </p:cNvPicPr>
+          <p:nvPr>
+            <p:ph type="pic" sz="quarter" idx="16"/>
+          </p:nvPr>
+        </p:nvPicPr>
+        <p:blipFill rotWithShape="1">
+          <a:blip r:embed="rId3" cstate="screen">
+            <a:extLst>
+              <a:ext uri="{28A0092B-C50C-407E-A947-70E740481C1C}">
+                <a14:useLocalDpi xmlns:a14="http://schemas.microsoft.com/office/drawing/2010/main" val="0"/>
+              </a:ext>
+            </a:extLst>
+          </a:blip>
+          <a:srcRect/>
+          <a:stretch/>
+        </p:blipFill>
+        <p:spPr>
+          <a:xfrm>
+            <a:off x="6556248" y="3429000"/>
+            <a:ext cx="5084064" cy="2880360"/>
+          </a:xfrm>
+        </p:spPr>
+      </p:pic>
+      <p:sp>
+        <p:nvSpPr>
+          <p:cNvPr id="4" name="Date Placeholder 3">
+            <a:extLst>
+              <a:ext uri="{FF2B5EF4-FFF2-40B4-BE49-F238E27FC236}">
+                <a16:creationId xmlns:a16="http://schemas.microsoft.com/office/drawing/2014/main" id="{7823E305-6365-4345-8BD1-4A31C61D96CB}"/>
+              </a:ext>
+            </a:extLst>
+          </p:cNvPr>
+          <p:cNvSpPr>
+            <a:spLocks noGrp="1"/>
+          </p:cNvSpPr>
+          <p:nvPr>
+            <p:ph type="dt" sz="half" idx="10"/>
+          </p:nvPr>
+        </p:nvSpPr>
+        <p:spPr>
+          <a:xfrm>
+            <a:off x="550863" y="6507212"/>
+            <a:ext cx="2628900" cy="153888"/>
+          </a:xfrm>
+        </p:spPr>
+        <p:txBody>
+          <a:bodyPr/>
+          <a:lstStyle/>
+          <a:p>
+            <a:r>
+              <a:rPr lang="en-US" sz="1400" dirty="0"/>
+              <a:t>Saturday July 15, 2023</a:t>
+            </a:r>
+          </a:p>
+        </p:txBody>
+      </p:sp>
+      <p:sp>
+        <p:nvSpPr>
+          <p:cNvPr id="5" name="Footer Placeholder 4">
+            <a:extLst>
+              <a:ext uri="{FF2B5EF4-FFF2-40B4-BE49-F238E27FC236}">
+                <a16:creationId xmlns:a16="http://schemas.microsoft.com/office/drawing/2014/main" id="{0B37A3FF-ED32-4C4A-A21F-848A3BF6F896}"/>
+              </a:ext>
+            </a:extLst>
+          </p:cNvPr>
+          <p:cNvSpPr>
+            <a:spLocks noGrp="1"/>
+          </p:cNvSpPr>
+          <p:nvPr>
+            <p:ph type="ftr" sz="quarter" idx="11"/>
+          </p:nvPr>
+        </p:nvSpPr>
+        <p:spPr>
+          <a:xfrm>
+            <a:off x="3359150" y="6507212"/>
+            <a:ext cx="6379210" cy="153888"/>
+          </a:xfrm>
+        </p:spPr>
+        <p:txBody>
+          <a:bodyPr/>
+          <a:lstStyle/>
+          <a:p>
+            <a:r>
+              <a:rPr lang="en-US" sz="1400" dirty="0"/>
+              <a:t>Columbus SQL Saturday</a:t>
+            </a:r>
+          </a:p>
+        </p:txBody>
+      </p:sp>
+      <p:sp>
+        <p:nvSpPr>
+          <p:cNvPr id="6" name="Slide Number Placeholder 5">
+            <a:extLst>
+              <a:ext uri="{FF2B5EF4-FFF2-40B4-BE49-F238E27FC236}">
+                <a16:creationId xmlns:a16="http://schemas.microsoft.com/office/drawing/2014/main" id="{36E60F23-FB58-4EF8-82FD-E86CED25FDD4}"/>
+              </a:ext>
+            </a:extLst>
+          </p:cNvPr>
+          <p:cNvSpPr>
+            <a:spLocks noGrp="1"/>
+          </p:cNvSpPr>
+          <p:nvPr>
+            <p:ph type="sldNum" sz="quarter" idx="12"/>
+          </p:nvPr>
+        </p:nvSpPr>
+        <p:spPr>
+          <a:xfrm>
+            <a:off x="9948863" y="6507212"/>
+            <a:ext cx="1692274" cy="153888"/>
+          </a:xfrm>
+        </p:spPr>
+        <p:txBody>
+          <a:bodyPr/>
+          <a:lstStyle/>
+          <a:p>
+            <a:fld id="{DBA1B0FB-D917-4C8C-928F-313BD683BF39}" type="slidenum">
+              <a:rPr lang="en-US" sz="1400" smtClean="0"/>
+              <a:pPr/>
+              <a:t>13</a:t>
+            </a:fld>
+            <a:endParaRPr lang="en-US" sz="1400"/>
+          </a:p>
+        </p:txBody>
+      </p:sp>
+    </p:spTree>
+    <p:extLst>
+      <p:ext uri="{BB962C8B-B14F-4D97-AF65-F5344CB8AC3E}">
+        <p14:creationId xmlns:p14="http://schemas.microsoft.com/office/powerpoint/2010/main" val="285719596"/>
+      </p:ext>
+    </p:extLst>
+  </p:cSld>
+  <p:clrMapOvr>
+    <a:masterClrMapping/>
+  </p:clrMapOvr>
+</p:sld>
+</file>
+
+<file path=ppt/slides/slide2.xml><?xml version="1.0" encoding="utf-8"?>
 <p:sld xmlns:a="http://schemas.openxmlformats.org/drawingml/2006/main" xmlns:r="http://schemas.openxmlformats.org/officeDocument/2006/relationships" xmlns:p="http://schemas.openxmlformats.org/presentationml/2006/main">
   <p:cSld>
     <p:spTree>
@@ -15500,7 +15903,7 @@
           <a:p>
             <a:r>
               <a:rPr lang="en-US" dirty="0"/>
-              <a:t>What problems have I seen?</a:t>
+              <a:t>Security steps</a:t>
             </a:r>
           </a:p>
         </p:txBody>
@@ -15523,7 +15926,7 @@
         </p:nvSpPr>
         <p:spPr>
           <a:xfrm>
-            <a:off x="550863" y="1630016"/>
+            <a:off x="550863" y="1522436"/>
             <a:ext cx="11090274" cy="4312909"/>
           </a:xfrm>
         </p:spPr>
@@ -15532,14 +15935,11 @@
           <a:lstStyle/>
           <a:p>
             <a:pPr rtl="0" fontAlgn="ctr">
-              <a:lnSpc>
-                <a:spcPct val="100000"/>
-              </a:lnSpc>
               <a:spcBef>
                 <a:spcPts val="0"/>
               </a:spcBef>
               <a:spcAft>
-                <a:spcPts val="1200"/>
+                <a:spcPts val="0"/>
               </a:spcAft>
               <a:buFont typeface="Arial" panose="020B0604020202020204" pitchFamily="34" charset="0"/>
               <a:buChar char="•"/>
@@ -15549,115 +15949,7 @@
                 <a:effectLst/>
                 <a:latin typeface="Calibri" panose="020F0502020204030204" pitchFamily="34" charset="0"/>
               </a:rPr>
-              <a:t>Internal staff granted </a:t>
-            </a:r>
-            <a:r>
-              <a:rPr lang="en-US" dirty="0" err="1">
-                <a:effectLst/>
-                <a:latin typeface="Calibri" panose="020F0502020204030204" pitchFamily="34" charset="0"/>
-              </a:rPr>
-              <a:t>sa</a:t>
-            </a:r>
-            <a:r>
-              <a:rPr lang="en-US" dirty="0">
-                <a:effectLst/>
-                <a:latin typeface="Calibri" panose="020F0502020204030204" pitchFamily="34" charset="0"/>
-              </a:rPr>
-              <a:t> because they need access to more than 1 database</a:t>
-            </a:r>
-          </a:p>
-          <a:p>
-            <a:pPr rtl="0" fontAlgn="ctr">
-              <a:lnSpc>
-                <a:spcPct val="100000"/>
-              </a:lnSpc>
-              <a:spcBef>
-                <a:spcPts val="0"/>
-              </a:spcBef>
-              <a:spcAft>
-                <a:spcPts val="1200"/>
-              </a:spcAft>
-              <a:buFont typeface="Arial" panose="020B0604020202020204" pitchFamily="34" charset="0"/>
-              <a:buChar char="•"/>
-            </a:pPr>
-            <a:r>
-              <a:rPr lang="en-US" dirty="0">
-                <a:effectLst/>
-                <a:latin typeface="Calibri" panose="020F0502020204030204" pitchFamily="34" charset="0"/>
-              </a:rPr>
-              <a:t>Vendor connections granted </a:t>
-            </a:r>
-            <a:r>
-              <a:rPr lang="en-US" dirty="0" err="1">
-                <a:effectLst/>
-                <a:latin typeface="Calibri" panose="020F0502020204030204" pitchFamily="34" charset="0"/>
-              </a:rPr>
-              <a:t>dbo</a:t>
-            </a:r>
-            <a:r>
-              <a:rPr lang="en-US" dirty="0">
-                <a:effectLst/>
-                <a:latin typeface="Calibri" panose="020F0502020204030204" pitchFamily="34" charset="0"/>
-              </a:rPr>
-              <a:t> because they need to create a view</a:t>
-            </a:r>
-          </a:p>
-          <a:p>
-            <a:pPr rtl="0" fontAlgn="ctr">
-              <a:lnSpc>
-                <a:spcPct val="100000"/>
-              </a:lnSpc>
-              <a:spcBef>
-                <a:spcPts val="0"/>
-              </a:spcBef>
-              <a:spcAft>
-                <a:spcPts val="1200"/>
-              </a:spcAft>
-              <a:buFont typeface="Arial" panose="020B0604020202020204" pitchFamily="34" charset="0"/>
-              <a:buChar char="•"/>
-            </a:pPr>
-            <a:r>
-              <a:rPr lang="en-US" dirty="0">
-                <a:effectLst/>
-                <a:latin typeface="Calibri" panose="020F0502020204030204" pitchFamily="34" charset="0"/>
-              </a:rPr>
-              <a:t>User added to the role </a:t>
-            </a:r>
-            <a:r>
-              <a:rPr lang="en-US" dirty="0" err="1">
-                <a:effectLst/>
-                <a:latin typeface="Calibri" panose="020F0502020204030204" pitchFamily="34" charset="0"/>
-              </a:rPr>
-              <a:t>db_datareader</a:t>
-            </a:r>
-            <a:r>
-              <a:rPr lang="en-US" dirty="0">
-                <a:effectLst/>
-                <a:latin typeface="Calibri" panose="020F0502020204030204" pitchFamily="34" charset="0"/>
-              </a:rPr>
-              <a:t> since they need to query &gt; 1 table</a:t>
-            </a:r>
-          </a:p>
-          <a:p>
-            <a:pPr rtl="0" fontAlgn="ctr">
-              <a:lnSpc>
-                <a:spcPct val="100000"/>
-              </a:lnSpc>
-              <a:spcBef>
-                <a:spcPts val="0"/>
-              </a:spcBef>
-              <a:spcAft>
-                <a:spcPts val="1200"/>
-              </a:spcAft>
-              <a:buFont typeface="Arial" panose="020B0604020202020204" pitchFamily="34" charset="0"/>
-              <a:buChar char="•"/>
-            </a:pPr>
-            <a:r>
-              <a:rPr lang="en-US" dirty="0">
-                <a:effectLst/>
-                <a:latin typeface="Calibri" panose="020F0502020204030204" pitchFamily="34" charset="0"/>
-              </a:rPr>
-              <a:t>Logins remain for users that have left the company, or for apps no longer used. </a:t>
+              <a:t>Create a new CONTROL SERVER user instead of a sysadmin account. Honors DENY.</a:t>
             </a:r>
             <a:br>
               <a:rPr lang="en-US" dirty="0">
@@ -15670,41 +15962,186 @@
                 <a:effectLst/>
                 <a:latin typeface="Calibri" panose="020F0502020204030204" pitchFamily="34" charset="0"/>
               </a:rPr>
-              <a:t>Very difficult for another DBA to assist or assume duties due to lack of scripts.</a:t>
+              <a:t>Change password, rename, deactivate th</a:t>
+            </a:r>
+            <a:r>
+              <a:rPr lang="en-US" dirty="0">
+                <a:latin typeface="Calibri" panose="020F0502020204030204" pitchFamily="34" charset="0"/>
+              </a:rPr>
+              <a:t>e default </a:t>
+            </a:r>
+            <a:r>
+              <a:rPr lang="en-US" dirty="0" err="1">
+                <a:latin typeface="Calibri" panose="020F0502020204030204" pitchFamily="34" charset="0"/>
+              </a:rPr>
+              <a:t>sa</a:t>
+            </a:r>
+            <a:r>
+              <a:rPr lang="en-US" dirty="0">
+                <a:latin typeface="Calibri" panose="020F0502020204030204" pitchFamily="34" charset="0"/>
+              </a:rPr>
+              <a:t> user</a:t>
             </a:r>
           </a:p>
           <a:p>
             <a:pPr rtl="0" fontAlgn="ctr">
-              <a:lnSpc>
-                <a:spcPct val="100000"/>
-              </a:lnSpc>
               <a:spcBef>
                 <a:spcPts val="0"/>
               </a:spcBef>
               <a:spcAft>
-                <a:spcPts val="1200"/>
+                <a:spcPts val="0"/>
               </a:spcAft>
               <a:buFont typeface="Arial" panose="020B0604020202020204" pitchFamily="34" charset="0"/>
               <a:buChar char="•"/>
             </a:pPr>
+            <a:endParaRPr lang="en-US" dirty="0">
+              <a:effectLst/>
+              <a:latin typeface="Calibri" panose="020F0502020204030204" pitchFamily="34" charset="0"/>
+            </a:endParaRPr>
+          </a:p>
+          <a:p>
+            <a:pPr rtl="0" fontAlgn="ctr">
+              <a:spcBef>
+                <a:spcPts val="0"/>
+              </a:spcBef>
+              <a:spcAft>
+                <a:spcPts val="0"/>
+              </a:spcAft>
+              <a:buFont typeface="Arial" panose="020B0604020202020204" pitchFamily="34" charset="0"/>
+              <a:buChar char="•"/>
+            </a:pPr>
+            <a:r>
+              <a:rPr lang="en-US" dirty="0">
+                <a:latin typeface="Calibri" panose="020F0502020204030204" pitchFamily="34" charset="0"/>
+              </a:rPr>
+              <a:t>Use a different managed service account for each SQL Server windows service</a:t>
+            </a:r>
+          </a:p>
+          <a:p>
+            <a:pPr lvl="1" fontAlgn="ctr">
+              <a:spcBef>
+                <a:spcPts val="0"/>
+              </a:spcBef>
+              <a:spcAft>
+                <a:spcPts val="0"/>
+              </a:spcAft>
+            </a:pPr>
+            <a:r>
+              <a:rPr lang="en-US" sz="1800" dirty="0">
+                <a:latin typeface="Calibri" panose="020F0502020204030204" pitchFamily="34" charset="0"/>
+              </a:rPr>
+              <a:t>SQL Server (MSSQLSERVER), Agent, Browser, Integration Services, and </a:t>
+            </a:r>
+            <a:r>
+              <a:rPr lang="en-US" sz="1800" dirty="0" err="1">
+                <a:latin typeface="Calibri" panose="020F0502020204030204" pitchFamily="34" charset="0"/>
+              </a:rPr>
+              <a:t>PolyBase</a:t>
+            </a:r>
+            <a:endParaRPr lang="en-US" sz="1800" dirty="0">
+              <a:latin typeface="Calibri" panose="020F0502020204030204" pitchFamily="34" charset="0"/>
+            </a:endParaRPr>
+          </a:p>
+          <a:p>
+            <a:pPr lvl="1" fontAlgn="ctr">
+              <a:spcBef>
+                <a:spcPts val="0"/>
+              </a:spcBef>
+              <a:spcAft>
+                <a:spcPts val="0"/>
+              </a:spcAft>
+            </a:pPr>
+            <a:r>
+              <a:rPr lang="en-US" sz="1800" dirty="0">
+                <a:latin typeface="Calibri" panose="020F0502020204030204" pitchFamily="34" charset="0"/>
+              </a:rPr>
+              <a:t>Use group managed service accounts (</a:t>
+            </a:r>
+            <a:r>
+              <a:rPr lang="en-US" sz="1800" dirty="0" err="1">
+                <a:latin typeface="Calibri" panose="020F0502020204030204" pitchFamily="34" charset="0"/>
+              </a:rPr>
+              <a:t>gMSA</a:t>
+            </a:r>
+            <a:r>
+              <a:rPr lang="en-US" sz="1800" dirty="0">
+                <a:latin typeface="Calibri" panose="020F0502020204030204" pitchFamily="34" charset="0"/>
+              </a:rPr>
+              <a:t>). Auto password rotation without restart.</a:t>
+            </a:r>
+            <a:br>
+              <a:rPr lang="en-US" dirty="0">
+                <a:latin typeface="Calibri" panose="020F0502020204030204" pitchFamily="34" charset="0"/>
+              </a:rPr>
+            </a:br>
+            <a:endParaRPr lang="en-US" dirty="0">
+              <a:latin typeface="Calibri" panose="020F0502020204030204" pitchFamily="34" charset="0"/>
+            </a:endParaRPr>
+          </a:p>
+          <a:p>
+            <a:pPr fontAlgn="ctr">
+              <a:spcBef>
+                <a:spcPts val="0"/>
+              </a:spcBef>
+              <a:spcAft>
+                <a:spcPts val="0"/>
+              </a:spcAft>
+            </a:pPr>
+            <a:r>
+              <a:rPr lang="en-US" dirty="0">
+                <a:latin typeface="Calibri" panose="020F0502020204030204" pitchFamily="34" charset="0"/>
+              </a:rPr>
+              <a:t>Favor Windows logins with TFA over SQL Logins.</a:t>
+            </a:r>
+            <a:br>
+              <a:rPr lang="en-US" dirty="0">
+                <a:latin typeface="Calibri" panose="020F0502020204030204" pitchFamily="34" charset="0"/>
+              </a:rPr>
+            </a:br>
+            <a:endParaRPr lang="en-US" dirty="0">
+              <a:latin typeface="Calibri" panose="020F0502020204030204" pitchFamily="34" charset="0"/>
+            </a:endParaRPr>
+          </a:p>
+          <a:p>
+            <a:pPr rtl="0" fontAlgn="ctr">
+              <a:spcBef>
+                <a:spcPts val="0"/>
+              </a:spcBef>
+              <a:spcAft>
+                <a:spcPts val="0"/>
+              </a:spcAft>
+              <a:buFont typeface="Arial" panose="020B0604020202020204" pitchFamily="34" charset="0"/>
+              <a:buChar char="•"/>
+            </a:pPr>
             <a:r>
               <a:rPr lang="en-US" dirty="0">
                 <a:effectLst/>
                 <a:latin typeface="Calibri" panose="020F0502020204030204" pitchFamily="34" charset="0"/>
               </a:rPr>
-              <a:t>Permissions assigned directly to named users, difficult to change or add staff</a:t>
-            </a:r>
+              <a:t>Enable T</a:t>
+            </a:r>
+            <a:r>
+              <a:rPr lang="en-US" dirty="0">
+                <a:latin typeface="Calibri" panose="020F0502020204030204" pitchFamily="34" charset="0"/>
+              </a:rPr>
+              <a:t>ransparent Data Encryption (TDE)</a:t>
+            </a:r>
+            <a:br>
+              <a:rPr lang="en-US" dirty="0">
+                <a:latin typeface="Calibri" panose="020F0502020204030204" pitchFamily="34" charset="0"/>
+              </a:rPr>
+            </a:br>
+            <a:endParaRPr lang="en-US" dirty="0">
+              <a:latin typeface="Calibri" panose="020F0502020204030204" pitchFamily="34" charset="0"/>
+            </a:endParaRPr>
           </a:p>
           <a:p>
             <a:pPr rtl="0" fontAlgn="ctr">
-              <a:lnSpc>
-                <a:spcPct val="100000"/>
-              </a:lnSpc>
               <a:spcBef>
                 <a:spcPts val="0"/>
               </a:spcBef>
               <a:spcAft>
-                <a:spcPts val="1200"/>
+                <a:spcPts val="0"/>
               </a:spcAft>
               <a:buFont typeface="Arial" panose="020B0604020202020204" pitchFamily="34" charset="0"/>
               <a:buChar char="•"/>
@@ -15714,53 +16151,30 @@
                 <a:effectLst/>
                 <a:latin typeface="Calibri" panose="020F0502020204030204" pitchFamily="34" charset="0"/>
               </a:rPr>
-              <a:t>Granting permissions to </a:t>
-            </a:r>
-            <a:r>
-              <a:rPr lang="en-US" dirty="0" err="1">
-                <a:effectLst/>
+              <a:t>Zero trust Virtual LAN – only </a:t>
+            </a:r>
+            <a:r>
+              <a:rPr lang="en-US" dirty="0">
                 <a:latin typeface="Calibri" panose="020F0502020204030204" pitchFamily="34" charset="0"/>
               </a:rPr>
-              <a:t>db</a:t>
-            </a:r>
-            <a:r>
+              <a:t>pre-authorized connections allowed</a:t>
+            </a:r>
+            <a:br>
               <a:rPr lang="en-US" dirty="0">
-                <a:effectLst/>
                 <a:latin typeface="Calibri" panose="020F0502020204030204" pitchFamily="34" charset="0"/>
               </a:rPr>
-              <a:t> role ‘public’, giving that permission to anyone that can connect to the server with a login</a:t>
-            </a:r>
-          </a:p>
-          <a:p>
-            <a:pPr fontAlgn="ctr">
-              <a:lnSpc>
-                <a:spcPct val="100000"/>
-              </a:lnSpc>
+            </a:br>
+            <a:endParaRPr lang="en-US" dirty="0">
+              <a:latin typeface="Calibri" panose="020F0502020204030204" pitchFamily="34" charset="0"/>
+            </a:endParaRPr>
+          </a:p>
+          <a:p>
+            <a:pPr rtl="0" fontAlgn="ctr">
               <a:spcBef>
                 <a:spcPts val="0"/>
               </a:spcBef>
               <a:spcAft>
-                <a:spcPts val="1200"/>
-              </a:spcAft>
-            </a:pPr>
-            <a:r>
-              <a:rPr lang="en-US" dirty="0">
-                <a:effectLst/>
-                <a:latin typeface="Calibri" panose="020F0502020204030204" pitchFamily="34" charset="0"/>
-              </a:rPr>
-              <a:t>No regular review of permissions assigned</a:t>
-            </a:r>
-          </a:p>
-          <a:p>
-            <a:pPr rtl="0" fontAlgn="ctr">
-              <a:lnSpc>
-                <a:spcPct val="100000"/>
-              </a:lnSpc>
-              <a:spcBef>
                 <a:spcPts val="0"/>
-              </a:spcBef>
-              <a:spcAft>
-                <a:spcPts val="1200"/>
               </a:spcAft>
               <a:buFont typeface="Arial" panose="020B0604020202020204" pitchFamily="34" charset="0"/>
               <a:buChar char="•"/>
@@ -15800,7 +16214,7 @@
           <a:p>
             <a:r>
               <a:rPr lang="en-US" sz="1400" dirty="0"/>
-              <a:t>Saturday March 25, 2023</a:t>
+              <a:t>Saturday July 15, 2023</a:t>
             </a:r>
           </a:p>
         </p:txBody>
@@ -15833,7 +16247,7 @@
           <a:p>
             <a:r>
               <a:rPr lang="en-US" sz="1400" dirty="0"/>
-              <a:t>Orlando Code Camp</a:t>
+              <a:t>Columbus SQL Saturday</a:t>
             </a:r>
           </a:p>
         </p:txBody>
@@ -15867,9 +16281,9 @@
             <a:fld id="{DBA1B0FB-D917-4C8C-928F-313BD683BF39}" type="slidenum">
               <a:rPr lang="en-US" sz="1400" smtClean="0"/>
               <a:pPr/>
-              <a:t>3</a:t>
+              <a:t>2</a:t>
             </a:fld>
-            <a:endParaRPr lang="en-US" sz="1400" dirty="0"/>
+            <a:endParaRPr lang="en-US" sz="1400"/>
           </a:p>
         </p:txBody>
       </p:sp>
@@ -16037,7 +16451,7 @@
     </p:spTree>
     <p:extLst>
       <p:ext uri="{BB962C8B-B14F-4D97-AF65-F5344CB8AC3E}">
-        <p14:creationId xmlns:p14="http://schemas.microsoft.com/office/powerpoint/2010/main" val="3891345585"/>
+        <p14:creationId xmlns:p14="http://schemas.microsoft.com/office/powerpoint/2010/main" val="4071109867"/>
       </p:ext>
     </p:extLst>
   </p:cSld>
@@ -16047,7 +16461,7 @@
 </p:sld>
 </file>
 
-<file path=ppt/slides/slide4.xml><?xml version="1.0" encoding="utf-8"?>
+<file path=ppt/slides/slide3.xml><?xml version="1.0" encoding="utf-8"?>
 <p:sld xmlns:a="http://schemas.openxmlformats.org/drawingml/2006/main" xmlns:r="http://schemas.openxmlformats.org/officeDocument/2006/relationships" xmlns:p="http://schemas.openxmlformats.org/presentationml/2006/main">
   <p:cSld>
     <p:spTree>
@@ -16422,7 +16836,7 @@
           <a:p>
             <a:r>
               <a:rPr lang="en-US" dirty="0"/>
-              <a:t>Why does this happen?</a:t>
+              <a:t>Security steps</a:t>
             </a:r>
           </a:p>
         </p:txBody>
@@ -16445,7 +16859,7 @@
         </p:nvSpPr>
         <p:spPr>
           <a:xfrm>
-            <a:off x="550863" y="1630016"/>
+            <a:off x="550863" y="1522436"/>
             <a:ext cx="11090274" cy="4312909"/>
           </a:xfrm>
         </p:spPr>
@@ -16468,18 +16882,14 @@
                 <a:effectLst/>
                 <a:latin typeface="Calibri" panose="020F0502020204030204" pitchFamily="34" charset="0"/>
               </a:rPr>
-              <a:t>DBAs are often overworked, often just one for a large company; they only have time to react to the immediate request.</a:t>
-            </a:r>
-            <a:br>
+              <a:t>Firewalls and VPNs do not fully protect SQL Server. </a:t>
+            </a:r>
+            <a:r>
               <a:rPr lang="en-US" dirty="0">
-                <a:effectLst/>
                 <a:latin typeface="Calibri" panose="020F0502020204030204" pitchFamily="34" charset="0"/>
               </a:rPr>
-            </a:br>
-            <a:endParaRPr lang="en-US" dirty="0">
-              <a:effectLst/>
-              <a:latin typeface="Calibri" panose="020F0502020204030204" pitchFamily="34" charset="0"/>
-            </a:endParaRPr>
+              <a:t>Even servers not connected to the Internet are at risk from internal staff or malware from external devices.</a:t>
+            </a:r>
           </a:p>
           <a:p>
             <a:pPr rtl="0" fontAlgn="ctr">
@@ -16492,32 +16902,6 @@
               <a:buFont typeface="Arial" panose="020B0604020202020204" pitchFamily="34" charset="0"/>
               <a:buChar char="•"/>
             </a:pPr>
-            <a:r>
-              <a:rPr lang="en-US" dirty="0">
-                <a:effectLst/>
-                <a:latin typeface="Calibri" panose="020F0502020204030204" pitchFamily="34" charset="0"/>
-              </a:rPr>
-              <a:t>Fine-tuning security usually takes longer, but only slightly if you know how. </a:t>
-            </a:r>
-            <a:br>
-              <a:rPr lang="en-US" dirty="0">
-                <a:effectLst/>
-                <a:latin typeface="Calibri" panose="020F0502020204030204" pitchFamily="34" charset="0"/>
-              </a:rPr>
-            </a:br>
-            <a:r>
-              <a:rPr lang="en-US" dirty="0">
-                <a:effectLst/>
-                <a:latin typeface="Calibri" panose="020F0502020204030204" pitchFamily="34" charset="0"/>
-              </a:rPr>
-              <a:t>Easy to get it wrong.</a:t>
-            </a:r>
-            <a:br>
-              <a:rPr lang="en-US" dirty="0">
-                <a:effectLst/>
-                <a:latin typeface="Calibri" panose="020F0502020204030204" pitchFamily="34" charset="0"/>
-              </a:rPr>
-            </a:br>
             <a:endParaRPr lang="en-US" dirty="0">
               <a:effectLst/>
               <a:latin typeface="Calibri" panose="020F0502020204030204" pitchFamily="34" charset="0"/>
@@ -16536,21 +16920,10 @@
             </a:pPr>
             <a:r>
               <a:rPr lang="en-US" dirty="0">
-                <a:effectLst/>
                 <a:latin typeface="Calibri" panose="020F0502020204030204" pitchFamily="34" charset="0"/>
               </a:rPr>
-              <a:t>Requestors are unsure of what they will need and don't want to create delays from multiple tickets.</a:t>
-            </a:r>
-            <a:br>
-              <a:rPr lang="en-US" dirty="0">
-                <a:effectLst/>
-                <a:latin typeface="Calibri" panose="020F0502020204030204" pitchFamily="34" charset="0"/>
-              </a:rPr>
-            </a:br>
-            <a:endParaRPr lang="en-US" dirty="0">
-              <a:effectLst/>
-              <a:latin typeface="Calibri" panose="020F0502020204030204" pitchFamily="34" charset="0"/>
-            </a:endParaRPr>
+              <a:t>Keep your SQL Server version supported  &amp; updated. 2014 support ends July 9, 2024.</a:t>
+            </a:r>
           </a:p>
           <a:p>
             <a:pPr rtl="0" fontAlgn="ctr">
@@ -16563,13 +16936,99 @@
               <a:buFont typeface="Arial" panose="020B0604020202020204" pitchFamily="34" charset="0"/>
               <a:buChar char="•"/>
             </a:pPr>
+            <a:endParaRPr lang="en-US" dirty="0">
+              <a:effectLst/>
+              <a:latin typeface="Calibri" panose="020F0502020204030204" pitchFamily="34" charset="0"/>
+            </a:endParaRPr>
+          </a:p>
+          <a:p>
+            <a:pPr rtl="0" fontAlgn="ctr">
+              <a:spcBef>
+                <a:spcPts val="0"/>
+              </a:spcBef>
+              <a:spcAft>
+                <a:spcPts val="0"/>
+              </a:spcAft>
+              <a:buFont typeface="Arial" panose="020B0604020202020204" pitchFamily="34" charset="0"/>
+              <a:buChar char="•"/>
+            </a:pPr>
             <a:r>
               <a:rPr lang="en-US" dirty="0">
-                <a:effectLst/>
                 <a:latin typeface="Calibri" panose="020F0502020204030204" pitchFamily="34" charset="0"/>
               </a:rPr>
-              <a:t>A View can query across multiple databases, but permissions are assigned at the database level.</a:t>
-            </a:r>
+              <a:t>Consider use of SQL Audit, Extended Events, and C2 Audit. Check the audits routinely.</a:t>
+            </a:r>
+            <a:br>
+              <a:rPr lang="en-US" dirty="0">
+                <a:latin typeface="Calibri" panose="020F0502020204030204" pitchFamily="34" charset="0"/>
+              </a:rPr>
+            </a:br>
+            <a:r>
+              <a:rPr lang="en-US" dirty="0">
+                <a:latin typeface="Calibri" panose="020F0502020204030204" pitchFamily="34" charset="0"/>
+              </a:rPr>
+              <a:t>Log successful logins as well as failed logins.</a:t>
+            </a:r>
+            <a:br>
+              <a:rPr lang="en-US" dirty="0">
+                <a:latin typeface="Calibri" panose="020F0502020204030204" pitchFamily="34" charset="0"/>
+              </a:rPr>
+            </a:br>
+            <a:endParaRPr lang="en-US" dirty="0">
+              <a:latin typeface="Calibri" panose="020F0502020204030204" pitchFamily="34" charset="0"/>
+            </a:endParaRPr>
+          </a:p>
+          <a:p>
+            <a:pPr rtl="0" fontAlgn="ctr">
+              <a:spcBef>
+                <a:spcPts val="0"/>
+              </a:spcBef>
+              <a:spcAft>
+                <a:spcPts val="0"/>
+              </a:spcAft>
+              <a:buFont typeface="Arial" panose="020B0604020202020204" pitchFamily="34" charset="0"/>
+              <a:buChar char="•"/>
+            </a:pPr>
+            <a:r>
+              <a:rPr lang="en-US" dirty="0">
+                <a:latin typeface="Calibri" panose="020F0502020204030204" pitchFamily="34" charset="0"/>
+              </a:rPr>
+              <a:t>Column-level encryption, Row-Level Security, Dynamic Data Masking</a:t>
+            </a:r>
+            <a:br>
+              <a:rPr lang="en-US" dirty="0">
+                <a:latin typeface="Calibri" panose="020F0502020204030204" pitchFamily="34" charset="0"/>
+              </a:rPr>
+            </a:br>
+            <a:endParaRPr lang="en-US" dirty="0">
+              <a:latin typeface="Calibri" panose="020F0502020204030204" pitchFamily="34" charset="0"/>
+            </a:endParaRPr>
+          </a:p>
+          <a:p>
+            <a:pPr rtl="0" fontAlgn="ctr">
+              <a:spcBef>
+                <a:spcPts val="0"/>
+              </a:spcBef>
+              <a:spcAft>
+                <a:spcPts val="0"/>
+              </a:spcAft>
+              <a:buFont typeface="Arial" panose="020B0604020202020204" pitchFamily="34" charset="0"/>
+              <a:buChar char="•"/>
+            </a:pPr>
+            <a:r>
+              <a:rPr lang="en-US" dirty="0">
+                <a:latin typeface="Calibri" panose="020F0502020204030204" pitchFamily="34" charset="0"/>
+              </a:rPr>
+              <a:t>Temporal tables to track change in data.</a:t>
+            </a:r>
+            <a:br>
+              <a:rPr lang="en-US" dirty="0">
+                <a:latin typeface="Calibri" panose="020F0502020204030204" pitchFamily="34" charset="0"/>
+              </a:rPr>
+            </a:br>
+            <a:endParaRPr lang="en-US" dirty="0">
+              <a:latin typeface="Calibri" panose="020F0502020204030204" pitchFamily="34" charset="0"/>
+            </a:endParaRPr>
           </a:p>
         </p:txBody>
       </p:sp>
@@ -16601,7 +17060,7 @@
           <a:p>
             <a:r>
               <a:rPr lang="en-US" sz="1400" dirty="0"/>
-              <a:t>Saturday March 25, 2023</a:t>
+              <a:t>Saturday July 15, 2023</a:t>
             </a:r>
           </a:p>
         </p:txBody>
@@ -16634,7 +17093,7 @@
           <a:p>
             <a:r>
               <a:rPr lang="en-US" sz="1400" dirty="0"/>
-              <a:t>Orlando Code Camp</a:t>
+              <a:t>Columbus SQL Saturday</a:t>
             </a:r>
           </a:p>
         </p:txBody>
@@ -16668,7 +17127,7 @@
             <a:fld id="{DBA1B0FB-D917-4C8C-928F-313BD683BF39}" type="slidenum">
               <a:rPr lang="en-US" sz="1400" smtClean="0"/>
               <a:pPr/>
-              <a:t>4</a:t>
+              <a:t>3</a:t>
             </a:fld>
             <a:endParaRPr lang="en-US" sz="1400"/>
           </a:p>
@@ -16838,7 +17297,7 @@
     </p:spTree>
     <p:extLst>
       <p:ext uri="{BB962C8B-B14F-4D97-AF65-F5344CB8AC3E}">
-        <p14:creationId xmlns:p14="http://schemas.microsoft.com/office/powerpoint/2010/main" val="881419837"/>
+        <p14:creationId xmlns:p14="http://schemas.microsoft.com/office/powerpoint/2010/main" val="3573009632"/>
       </p:ext>
     </p:extLst>
   </p:cSld>
@@ -16848,7 +17307,7 @@
 </p:sld>
 </file>
 
-<file path=ppt/slides/slide5.xml><?xml version="1.0" encoding="utf-8"?>
+<file path=ppt/slides/slide4.xml><?xml version="1.0" encoding="utf-8"?>
 <p:sld xmlns:a="http://schemas.openxmlformats.org/drawingml/2006/main" xmlns:r="http://schemas.openxmlformats.org/officeDocument/2006/relationships" xmlns:p="http://schemas.openxmlformats.org/presentationml/2006/main">
   <p:cSld>
     <p:spTree>
@@ -17223,7 +17682,7 @@
           <a:p>
             <a:r>
               <a:rPr lang="en-US" dirty="0"/>
-              <a:t>What should happen?</a:t>
+              <a:t>Developer Security steps</a:t>
             </a:r>
           </a:p>
         </p:txBody>
@@ -17246,7 +17705,7 @@
         </p:nvSpPr>
         <p:spPr>
           <a:xfrm>
-            <a:off x="550863" y="1630016"/>
+            <a:off x="550863" y="1522436"/>
             <a:ext cx="11090274" cy="4312909"/>
           </a:xfrm>
         </p:spPr>
@@ -17266,19 +17725,16 @@
             </a:pPr>
             <a:r>
               <a:rPr lang="en-US" dirty="0">
-                <a:effectLst/>
                 <a:latin typeface="Calibri" panose="020F0502020204030204" pitchFamily="34" charset="0"/>
               </a:rPr>
-              <a:t>Principle of Least Privilege. Permissions should be to the absolute minimum needed to accomplish the task</a:t>
+              <a:t>ORMs can help prevent SQL Injection attacks, but have developers use parameters.</a:t>
             </a:r>
             <a:br>
               <a:rPr lang="en-US" dirty="0">
-                <a:effectLst/>
                 <a:latin typeface="Calibri" panose="020F0502020204030204" pitchFamily="34" charset="0"/>
               </a:rPr>
             </a:br>
             <a:endParaRPr lang="en-US" dirty="0">
-              <a:effectLst/>
               <a:latin typeface="Calibri" panose="020F0502020204030204" pitchFamily="34" charset="0"/>
             </a:endParaRPr>
           </a:p>
@@ -17297,16 +17753,14 @@
               <a:rPr lang="en-US" dirty="0">
                 <a:latin typeface="Calibri" panose="020F0502020204030204" pitchFamily="34" charset="0"/>
               </a:rPr>
-              <a:t>Windows users are preferred over SQL Users</a:t>
+              <a:t>Always encrypted. SQL Server 2016 (13.x). Only equality comparisons.</a:t>
             </a:r>
             <a:br>
               <a:rPr lang="en-US" dirty="0">
-                <a:effectLst/>
                 <a:latin typeface="Calibri" panose="020F0502020204030204" pitchFamily="34" charset="0"/>
               </a:rPr>
             </a:br>
             <a:endParaRPr lang="en-US" dirty="0">
-              <a:effectLst/>
               <a:latin typeface="Calibri" panose="020F0502020204030204" pitchFamily="34" charset="0"/>
             </a:endParaRPr>
           </a:p>
@@ -17323,32 +17777,16 @@
             </a:pPr>
             <a:r>
               <a:rPr lang="en-US" dirty="0">
-                <a:effectLst/>
                 <a:latin typeface="Calibri" panose="020F0502020204030204" pitchFamily="34" charset="0"/>
               </a:rPr>
-              <a:t>Security should be limited to specific schemas and provided by database roles</a:t>
+              <a:t>Always encrypted with Secure Enclaves. SQL Server 2019. Attestation Service.</a:t>
             </a:r>
             <a:br>
               <a:rPr lang="en-US" dirty="0">
-                <a:effectLst/>
-                <a:latin typeface="Calibri" panose="020F0502020204030204" pitchFamily="34" charset="0"/>
-              </a:rPr>
-            </a:br>
-            <a:r>
-              <a:rPr lang="en-US" dirty="0">
-                <a:effectLst/>
-                <a:latin typeface="Calibri" panose="020F0502020204030204" pitchFamily="34" charset="0"/>
-              </a:rPr>
-              <a:t>That will be explained later in this presentation</a:t>
-            </a:r>
-            <a:br>
-              <a:rPr lang="en-US" dirty="0">
-                <a:effectLst/>
                 <a:latin typeface="Calibri" panose="020F0502020204030204" pitchFamily="34" charset="0"/>
               </a:rPr>
             </a:br>
             <a:endParaRPr lang="en-US" dirty="0">
-              <a:effectLst/>
               <a:latin typeface="Calibri" panose="020F0502020204030204" pitchFamily="34" charset="0"/>
             </a:endParaRPr>
           </a:p>
@@ -17365,11 +17803,56 @@
             </a:pPr>
             <a:r>
               <a:rPr lang="en-US" dirty="0">
-                <a:effectLst/>
                 <a:latin typeface="Calibri" panose="020F0502020204030204" pitchFamily="34" charset="0"/>
               </a:rPr>
-              <a:t>Don't get the wrong impression. SQL Server can be very secure and can meet the tightest federal security requirements to protect data from theft, destruction, and other types of malicious behavior. When operated properly.</a:t>
-            </a:r>
+              <a:t>Don’t allow use of </a:t>
+            </a:r>
+            <a:r>
+              <a:rPr lang="en-US" dirty="0" err="1">
+                <a:latin typeface="Calibri" panose="020F0502020204030204" pitchFamily="34" charset="0"/>
+              </a:rPr>
+              <a:t>xp_cmdshell</a:t>
+            </a:r>
+            <a:r>
+              <a:rPr lang="en-US" dirty="0">
+                <a:latin typeface="Calibri" panose="020F0502020204030204" pitchFamily="34" charset="0"/>
+              </a:rPr>
+              <a:t> to run external processes.</a:t>
+            </a:r>
+            <a:br>
+              <a:rPr lang="en-US" dirty="0">
+                <a:latin typeface="Calibri" panose="020F0502020204030204" pitchFamily="34" charset="0"/>
+              </a:rPr>
+            </a:br>
+            <a:endParaRPr lang="en-US" dirty="0">
+              <a:latin typeface="Calibri" panose="020F0502020204030204" pitchFamily="34" charset="0"/>
+            </a:endParaRPr>
+          </a:p>
+          <a:p>
+            <a:pPr rtl="0" fontAlgn="ctr">
+              <a:spcBef>
+                <a:spcPts val="0"/>
+              </a:spcBef>
+              <a:spcAft>
+                <a:spcPts val="0"/>
+              </a:spcAft>
+              <a:buFont typeface="Arial" panose="020B0604020202020204" pitchFamily="34" charset="0"/>
+              <a:buChar char="•"/>
+            </a:pPr>
+            <a:r>
+              <a:rPr lang="en-US" dirty="0">
+                <a:latin typeface="Calibri" panose="020F0502020204030204" pitchFamily="34" charset="0"/>
+              </a:rPr>
+              <a:t>Favor stored procedures over dynamic SQL.</a:t>
+            </a:r>
+            <a:br>
+              <a:rPr lang="en-US" dirty="0">
+                <a:latin typeface="Calibri" panose="020F0502020204030204" pitchFamily="34" charset="0"/>
+              </a:rPr>
+            </a:br>
+            <a:endParaRPr lang="en-US" dirty="0">
+              <a:latin typeface="Calibri" panose="020F0502020204030204" pitchFamily="34" charset="0"/>
+            </a:endParaRPr>
           </a:p>
         </p:txBody>
       </p:sp>
@@ -17401,7 +17884,7 @@
           <a:p>
             <a:r>
               <a:rPr lang="en-US" sz="1400" dirty="0"/>
-              <a:t>Saturday March 25, 2023</a:t>
+              <a:t>Saturday July 15, 2023</a:t>
             </a:r>
           </a:p>
         </p:txBody>
@@ -17434,7 +17917,7 @@
           <a:p>
             <a:r>
               <a:rPr lang="en-US" sz="1400" dirty="0"/>
-              <a:t>Orlando Code Camp</a:t>
+              <a:t>Columbus SQL Saturday</a:t>
             </a:r>
           </a:p>
         </p:txBody>
@@ -17468,7 +17951,7 @@
             <a:fld id="{DBA1B0FB-D917-4C8C-928F-313BD683BF39}" type="slidenum">
               <a:rPr lang="en-US" sz="1400" smtClean="0"/>
               <a:pPr/>
-              <a:t>5</a:t>
+              <a:t>4</a:t>
             </a:fld>
             <a:endParaRPr lang="en-US" sz="1400"/>
           </a:p>
@@ -17638,7 +18121,7 @@
     </p:spTree>
     <p:extLst>
       <p:ext uri="{BB962C8B-B14F-4D97-AF65-F5344CB8AC3E}">
-        <p14:creationId xmlns:p14="http://schemas.microsoft.com/office/powerpoint/2010/main" val="2643253333"/>
+        <p14:creationId xmlns:p14="http://schemas.microsoft.com/office/powerpoint/2010/main" val="2382274365"/>
       </p:ext>
     </p:extLst>
   </p:cSld>
@@ -17648,7 +18131,7 @@
 </p:sld>
 </file>
 
-<file path=ppt/slides/slide6.xml><?xml version="1.0" encoding="utf-8"?>
+<file path=ppt/slides/slide5.xml><?xml version="1.0" encoding="utf-8"?>
 <p:sld xmlns:a="http://schemas.openxmlformats.org/drawingml/2006/main" xmlns:r="http://schemas.openxmlformats.org/officeDocument/2006/relationships" xmlns:p="http://schemas.openxmlformats.org/presentationml/2006/main">
   <p:cSld>
     <p:spTree>
@@ -18023,15 +18506,7 @@
           <a:p>
             <a:r>
               <a:rPr lang="en-US" dirty="0"/>
-              <a:t>What about Sysadmin (</a:t>
-            </a:r>
-            <a:r>
-              <a:rPr lang="en-US" dirty="0" err="1"/>
-              <a:t>sa</a:t>
-            </a:r>
-            <a:r>
-              <a:rPr lang="en-US" dirty="0"/>
-              <a:t>)?</a:t>
+              <a:t>What problems have I seen?</a:t>
             </a:r>
           </a:p>
         </p:txBody>
@@ -18063,172 +18538,240 @@
           <a:lstStyle/>
           <a:p>
             <a:pPr rtl="0" fontAlgn="ctr">
+              <a:lnSpc>
+                <a:spcPct val="100000"/>
+              </a:lnSpc>
               <a:spcBef>
                 <a:spcPts val="0"/>
               </a:spcBef>
               <a:spcAft>
-                <a:spcPts val="0"/>
+                <a:spcPts val="1200"/>
               </a:spcAft>
               <a:buFont typeface="Arial" panose="020B0604020202020204" pitchFamily="34" charset="0"/>
               <a:buChar char="•"/>
             </a:pPr>
             <a:r>
-              <a:rPr lang="en-US" sz="2800" dirty="0">
+              <a:rPr lang="en-US" dirty="0">
                 <a:effectLst/>
                 <a:latin typeface="Calibri" panose="020F0502020204030204" pitchFamily="34" charset="0"/>
               </a:rPr>
-              <a:t>Sysadmin has full rights, including deleting logs and even the database</a:t>
+              <a:t>Internal staff granted </a:t>
+            </a:r>
+            <a:r>
+              <a:rPr lang="en-US" dirty="0" err="1">
+                <a:effectLst/>
+                <a:latin typeface="Calibri" panose="020F0502020204030204" pitchFamily="34" charset="0"/>
+              </a:rPr>
+              <a:t>sa</a:t>
+            </a:r>
+            <a:r>
+              <a:rPr lang="en-US" dirty="0">
+                <a:effectLst/>
+                <a:latin typeface="Calibri" panose="020F0502020204030204" pitchFamily="34" charset="0"/>
+              </a:rPr>
+              <a:t> because they need access to more than 1 database</a:t>
+            </a:r>
+          </a:p>
+          <a:p>
+            <a:pPr rtl="0" fontAlgn="ctr">
+              <a:lnSpc>
+                <a:spcPct val="100000"/>
+              </a:lnSpc>
+              <a:spcBef>
+                <a:spcPts val="0"/>
+              </a:spcBef>
+              <a:spcAft>
+                <a:spcPts val="1200"/>
+              </a:spcAft>
+              <a:buFont typeface="Arial" panose="020B0604020202020204" pitchFamily="34" charset="0"/>
+              <a:buChar char="•"/>
+            </a:pPr>
+            <a:r>
+              <a:rPr lang="en-US" dirty="0">
+                <a:effectLst/>
+                <a:latin typeface="Calibri" panose="020F0502020204030204" pitchFamily="34" charset="0"/>
+              </a:rPr>
+              <a:t>Vendor connections granted </a:t>
+            </a:r>
+            <a:r>
+              <a:rPr lang="en-US" dirty="0" err="1">
+                <a:effectLst/>
+                <a:latin typeface="Calibri" panose="020F0502020204030204" pitchFamily="34" charset="0"/>
+              </a:rPr>
+              <a:t>dbo</a:t>
+            </a:r>
+            <a:r>
+              <a:rPr lang="en-US" dirty="0">
+                <a:effectLst/>
+                <a:latin typeface="Calibri" panose="020F0502020204030204" pitchFamily="34" charset="0"/>
+              </a:rPr>
+              <a:t> because they need to create a view</a:t>
+            </a:r>
+          </a:p>
+          <a:p>
+            <a:pPr rtl="0" fontAlgn="ctr">
+              <a:lnSpc>
+                <a:spcPct val="100000"/>
+              </a:lnSpc>
+              <a:spcBef>
+                <a:spcPts val="0"/>
+              </a:spcBef>
+              <a:spcAft>
+                <a:spcPts val="1200"/>
+              </a:spcAft>
+              <a:buFont typeface="Arial" panose="020B0604020202020204" pitchFamily="34" charset="0"/>
+              <a:buChar char="•"/>
+            </a:pPr>
+            <a:r>
+              <a:rPr lang="en-US" dirty="0">
+                <a:effectLst/>
+                <a:latin typeface="Calibri" panose="020F0502020204030204" pitchFamily="34" charset="0"/>
+              </a:rPr>
+              <a:t>User added to the role </a:t>
+            </a:r>
+            <a:r>
+              <a:rPr lang="en-US" dirty="0" err="1">
+                <a:effectLst/>
+                <a:latin typeface="Calibri" panose="020F0502020204030204" pitchFamily="34" charset="0"/>
+              </a:rPr>
+              <a:t>db_datareader</a:t>
+            </a:r>
+            <a:r>
+              <a:rPr lang="en-US" dirty="0">
+                <a:effectLst/>
+                <a:latin typeface="Calibri" panose="020F0502020204030204" pitchFamily="34" charset="0"/>
+              </a:rPr>
+              <a:t> since they need to query &gt; 1 table</a:t>
+            </a:r>
+          </a:p>
+          <a:p>
+            <a:pPr rtl="0" fontAlgn="ctr">
+              <a:lnSpc>
+                <a:spcPct val="100000"/>
+              </a:lnSpc>
+              <a:spcBef>
+                <a:spcPts val="0"/>
+              </a:spcBef>
+              <a:spcAft>
+                <a:spcPts val="1200"/>
+              </a:spcAft>
+              <a:buFont typeface="Arial" panose="020B0604020202020204" pitchFamily="34" charset="0"/>
+              <a:buChar char="•"/>
+            </a:pPr>
+            <a:r>
+              <a:rPr lang="en-US" dirty="0">
+                <a:effectLst/>
+                <a:latin typeface="Calibri" panose="020F0502020204030204" pitchFamily="34" charset="0"/>
+              </a:rPr>
+              <a:t>Logins remain for users that have left the company, or for apps no longer used. </a:t>
             </a:r>
             <a:br>
-              <a:rPr lang="en-US" sz="2800" dirty="0">
+              <a:rPr lang="en-US" dirty="0">
                 <a:effectLst/>
                 <a:latin typeface="Calibri" panose="020F0502020204030204" pitchFamily="34" charset="0"/>
               </a:rPr>
             </a:br>
             <a:r>
-              <a:rPr lang="en-US" sz="2800" dirty="0">
+              <a:rPr lang="en-US" dirty="0">
                 <a:effectLst/>
                 <a:latin typeface="Calibri" panose="020F0502020204030204" pitchFamily="34" charset="0"/>
               </a:rPr>
-              <a:t>How to track their activities for Audit?</a:t>
-            </a:r>
-            <a:br>
-              <a:rPr lang="en-US" sz="2800" dirty="0">
-                <a:effectLst/>
-                <a:latin typeface="Calibri" panose="020F0502020204030204" pitchFamily="34" charset="0"/>
-              </a:rPr>
-            </a:br>
-            <a:endParaRPr lang="en-US" sz="2800" dirty="0">
-              <a:effectLst/>
-              <a:latin typeface="Calibri" panose="020F0502020204030204" pitchFamily="34" charset="0"/>
-            </a:endParaRPr>
+              <a:t>Very difficult for another DBA to assist or assume duties due to lack of scripts.</a:t>
+            </a:r>
           </a:p>
           <a:p>
             <a:pPr rtl="0" fontAlgn="ctr">
+              <a:lnSpc>
+                <a:spcPct val="100000"/>
+              </a:lnSpc>
               <a:spcBef>
                 <a:spcPts val="0"/>
               </a:spcBef>
               <a:spcAft>
-                <a:spcPts val="0"/>
+                <a:spcPts val="1200"/>
               </a:spcAft>
               <a:buFont typeface="Arial" panose="020B0604020202020204" pitchFamily="34" charset="0"/>
               <a:buChar char="•"/>
             </a:pPr>
             <a:r>
-              <a:rPr lang="en-US" sz="2800" dirty="0">
+              <a:rPr lang="en-US" dirty="0">
                 <a:effectLst/>
                 <a:latin typeface="Calibri" panose="020F0502020204030204" pitchFamily="34" charset="0"/>
               </a:rPr>
-              <a:t>One client uses IDERA SQL Compliance Manager</a:t>
-            </a:r>
-          </a:p>
-          <a:p>
-            <a:pPr lvl="1" fontAlgn="ctr">
+              <a:t>Permissions assigned directly to named users, difficult to change or add staff</a:t>
+            </a:r>
+          </a:p>
+          <a:p>
+            <a:pPr rtl="0" fontAlgn="ctr">
+              <a:lnSpc>
+                <a:spcPct val="100000"/>
+              </a:lnSpc>
               <a:spcBef>
                 <a:spcPts val="0"/>
               </a:spcBef>
               <a:spcAft>
-                <a:spcPts val="0"/>
+                <a:spcPts val="1200"/>
               </a:spcAft>
+              <a:buFont typeface="Arial" panose="020B0604020202020204" pitchFamily="34" charset="0"/>
+              <a:buChar char="•"/>
             </a:pPr>
             <a:r>
-              <a:rPr lang="en-US" sz="2400" dirty="0">
+              <a:rPr lang="en-US" dirty="0">
+                <a:effectLst/>
                 <a:latin typeface="Calibri" panose="020F0502020204030204" pitchFamily="34" charset="0"/>
               </a:rPr>
-              <a:t>Immediately saves a copy of any action with proprietary checksum attached</a:t>
-            </a:r>
-          </a:p>
-          <a:p>
-            <a:pPr lvl="1" fontAlgn="ctr">
+              <a:t>Granting permissions to </a:t>
+            </a:r>
+            <a:r>
+              <a:rPr lang="en-US" dirty="0" err="1">
+                <a:effectLst/>
+                <a:latin typeface="Calibri" panose="020F0502020204030204" pitchFamily="34" charset="0"/>
+              </a:rPr>
+              <a:t>db</a:t>
+            </a:r>
+            <a:r>
+              <a:rPr lang="en-US" dirty="0">
+                <a:effectLst/>
+                <a:latin typeface="Calibri" panose="020F0502020204030204" pitchFamily="34" charset="0"/>
+              </a:rPr>
+              <a:t> role ‘public’, giving that permission to anyone that can connect to the server with a login</a:t>
+            </a:r>
+          </a:p>
+          <a:p>
+            <a:pPr fontAlgn="ctr">
+              <a:lnSpc>
+                <a:spcPct val="100000"/>
+              </a:lnSpc>
               <a:spcBef>
                 <a:spcPts val="0"/>
               </a:spcBef>
               <a:spcAft>
-                <a:spcPts val="0"/>
+                <a:spcPts val="1200"/>
               </a:spcAft>
             </a:pPr>
             <a:r>
-              <a:rPr lang="en-US" sz="2400" dirty="0">
+              <a:rPr lang="en-US" dirty="0">
+                <a:effectLst/>
                 <a:latin typeface="Calibri" panose="020F0502020204030204" pitchFamily="34" charset="0"/>
               </a:rPr>
-              <a:t>Data sent to the console server every 10 minutes (configurable)</a:t>
-            </a:r>
-          </a:p>
-          <a:p>
-            <a:pPr lvl="1" fontAlgn="ctr">
+              <a:t>No regular review of permissions assigned</a:t>
+            </a:r>
+          </a:p>
+          <a:p>
+            <a:pPr rtl="0" fontAlgn="ctr">
+              <a:lnSpc>
+                <a:spcPct val="100000"/>
+              </a:lnSpc>
               <a:spcBef>
                 <a:spcPts val="0"/>
               </a:spcBef>
               <a:spcAft>
-                <a:spcPts val="0"/>
-              </a:spcAft>
-            </a:pPr>
-            <a:r>
-              <a:rPr lang="en-US" sz="2400" dirty="0">
-                <a:effectLst/>
-                <a:latin typeface="Calibri" panose="020F0502020204030204" pitchFamily="34" charset="0"/>
-              </a:rPr>
-              <a:t>Console will flag any change to the </a:t>
-            </a:r>
-            <a:r>
-              <a:rPr lang="en-US" sz="2400" dirty="0">
-                <a:latin typeface="Calibri" panose="020F0502020204030204" pitchFamily="34" charset="0"/>
-              </a:rPr>
-              <a:t>audit record because checksum will fail</a:t>
-            </a:r>
-          </a:p>
-          <a:p>
-            <a:pPr lvl="1" fontAlgn="ctr">
-              <a:spcBef>
-                <a:spcPts val="0"/>
-              </a:spcBef>
-              <a:spcAft>
-                <a:spcPts val="0"/>
-              </a:spcAft>
-            </a:pPr>
-            <a:r>
-              <a:rPr lang="en-US" sz="2400" dirty="0">
-                <a:effectLst/>
-                <a:latin typeface="Calibri" panose="020F0502020204030204" pitchFamily="34" charset="0"/>
-              </a:rPr>
-              <a:t>Multiple management reports available at the console</a:t>
-            </a:r>
-          </a:p>
-          <a:p>
-            <a:pPr lvl="1" fontAlgn="ctr">
-              <a:spcBef>
-                <a:spcPts val="0"/>
-              </a:spcBef>
-              <a:spcAft>
-                <a:spcPts val="0"/>
-              </a:spcAft>
-            </a:pPr>
-            <a:r>
-              <a:rPr lang="en-US" sz="2400" dirty="0">
-                <a:latin typeface="Calibri" panose="020F0502020204030204" pitchFamily="34" charset="0"/>
-              </a:rPr>
-              <a:t>Reports can include</a:t>
-            </a:r>
-            <a:r>
-              <a:rPr lang="en-US" sz="2400" dirty="0">
-                <a:effectLst/>
-                <a:latin typeface="Calibri" panose="020F0502020204030204" pitchFamily="34" charset="0"/>
-              </a:rPr>
-              <a:t> the actual SQL statements performed</a:t>
-            </a:r>
-          </a:p>
-          <a:p>
-            <a:pPr rtl="0" fontAlgn="ctr">
-              <a:spcBef>
-                <a:spcPts val="0"/>
-              </a:spcBef>
-              <a:spcAft>
-                <a:spcPts val="0"/>
+                <a:spcPts val="1200"/>
               </a:spcAft>
               <a:buFont typeface="Arial" panose="020B0604020202020204" pitchFamily="34" charset="0"/>
               <a:buChar char="•"/>
             </a:pPr>
-            <a:endParaRPr lang="en-US" sz="2800" dirty="0">
+            <a:endParaRPr lang="en-US" dirty="0">
               <a:effectLst/>
               <a:latin typeface="Calibri" panose="020F0502020204030204" pitchFamily="34" charset="0"/>
             </a:endParaRPr>
@@ -18263,7 +18806,7 @@
           <a:p>
             <a:r>
               <a:rPr lang="en-US" sz="1400" dirty="0"/>
-              <a:t>Saturday March 25, 2023</a:t>
+              <a:t>Saturday July 15, 2023</a:t>
             </a:r>
           </a:p>
         </p:txBody>
@@ -18296,7 +18839,7 @@
           <a:p>
             <a:r>
               <a:rPr lang="en-US" sz="1400" dirty="0"/>
-              <a:t>Orlando Code Camp</a:t>
+              <a:t>Columbus SQL Saturday</a:t>
             </a:r>
           </a:p>
         </p:txBody>
@@ -18330,9 +18873,9 @@
             <a:fld id="{DBA1B0FB-D917-4C8C-928F-313BD683BF39}" type="slidenum">
               <a:rPr lang="en-US" sz="1400" smtClean="0"/>
               <a:pPr/>
-              <a:t>6</a:t>
+              <a:t>5</a:t>
             </a:fld>
-            <a:endParaRPr lang="en-US" sz="1400"/>
+            <a:endParaRPr lang="en-US" sz="1400" dirty="0"/>
           </a:p>
         </p:txBody>
       </p:sp>
@@ -18500,7 +19043,7 @@
     </p:spTree>
     <p:extLst>
       <p:ext uri="{BB962C8B-B14F-4D97-AF65-F5344CB8AC3E}">
-        <p14:creationId xmlns:p14="http://schemas.microsoft.com/office/powerpoint/2010/main" val="359565232"/>
+        <p14:creationId xmlns:p14="http://schemas.microsoft.com/office/powerpoint/2010/main" val="3891345585"/>
       </p:ext>
     </p:extLst>
   </p:cSld>
@@ -18510,7 +19053,7 @@
 </p:sld>
 </file>
 
-<file path=ppt/slides/slide7.xml><?xml version="1.0" encoding="utf-8"?>
+<file path=ppt/slides/slide6.xml><?xml version="1.0" encoding="utf-8"?>
 <p:sld xmlns:a="http://schemas.openxmlformats.org/drawingml/2006/main" xmlns:r="http://schemas.openxmlformats.org/officeDocument/2006/relationships" xmlns:p="http://schemas.openxmlformats.org/presentationml/2006/main">
   <p:cSld>
     <p:spTree>
@@ -18873,8 +19416,8 @@
         </p:nvSpPr>
         <p:spPr>
           <a:xfrm>
-            <a:off x="543586" y="1357443"/>
-            <a:ext cx="11097551" cy="772675"/>
+            <a:off x="550862" y="549275"/>
+            <a:ext cx="11097551" cy="1332000"/>
           </a:xfrm>
         </p:spPr>
         <p:txBody>
@@ -18883,10 +19426,155 @@
           </a:bodyPr>
           <a:lstStyle/>
           <a:p>
-            <a:pPr algn="ctr"/>
             <a:r>
               <a:rPr lang="en-US" dirty="0"/>
-              <a:t>DEMOS !!</a:t>
+              <a:t>Why does this happen?</a:t>
+            </a:r>
+          </a:p>
+        </p:txBody>
+      </p:sp>
+      <p:sp>
+        <p:nvSpPr>
+          <p:cNvPr id="10" name="Content Placeholder 9">
+            <a:extLst>
+              <a:ext uri="{FF2B5EF4-FFF2-40B4-BE49-F238E27FC236}">
+                <a16:creationId xmlns:a16="http://schemas.microsoft.com/office/drawing/2014/main" id="{1DB251F7-EBE7-46AC-A920-FFE2C5AF68EA}"/>
+              </a:ext>
+            </a:extLst>
+          </p:cNvPr>
+          <p:cNvSpPr>
+            <a:spLocks noGrp="1"/>
+          </p:cNvSpPr>
+          <p:nvPr>
+            <p:ph sz="half" idx="2"/>
+          </p:nvPr>
+        </p:nvSpPr>
+        <p:spPr>
+          <a:xfrm>
+            <a:off x="550863" y="1630016"/>
+            <a:ext cx="11090274" cy="4312909"/>
+          </a:xfrm>
+        </p:spPr>
+        <p:txBody>
+          <a:bodyPr/>
+          <a:lstStyle/>
+          <a:p>
+            <a:pPr rtl="0" fontAlgn="ctr">
+              <a:spcBef>
+                <a:spcPts val="0"/>
+              </a:spcBef>
+              <a:spcAft>
+                <a:spcPts val="0"/>
+              </a:spcAft>
+              <a:buFont typeface="Arial" panose="020B0604020202020204" pitchFamily="34" charset="0"/>
+              <a:buChar char="•"/>
+            </a:pPr>
+            <a:r>
+              <a:rPr lang="en-US" dirty="0">
+                <a:effectLst/>
+                <a:latin typeface="Calibri" panose="020F0502020204030204" pitchFamily="34" charset="0"/>
+              </a:rPr>
+              <a:t>DBAs are often overworked, often just one for a large company; they only have time to react to the immediate request.</a:t>
+            </a:r>
+            <a:br>
+              <a:rPr lang="en-US" dirty="0">
+                <a:effectLst/>
+                <a:latin typeface="Calibri" panose="020F0502020204030204" pitchFamily="34" charset="0"/>
+              </a:rPr>
+            </a:br>
+            <a:endParaRPr lang="en-US" dirty="0">
+              <a:effectLst/>
+              <a:latin typeface="Calibri" panose="020F0502020204030204" pitchFamily="34" charset="0"/>
+            </a:endParaRPr>
+          </a:p>
+          <a:p>
+            <a:pPr rtl="0" fontAlgn="ctr">
+              <a:spcBef>
+                <a:spcPts val="0"/>
+              </a:spcBef>
+              <a:spcAft>
+                <a:spcPts val="0"/>
+              </a:spcAft>
+              <a:buFont typeface="Arial" panose="020B0604020202020204" pitchFamily="34" charset="0"/>
+              <a:buChar char="•"/>
+            </a:pPr>
+            <a:r>
+              <a:rPr lang="en-US" dirty="0">
+                <a:effectLst/>
+                <a:latin typeface="Calibri" panose="020F0502020204030204" pitchFamily="34" charset="0"/>
+              </a:rPr>
+              <a:t>Fine-tuning security usually takes longer, but only slightly if you know how. </a:t>
+            </a:r>
+            <a:br>
+              <a:rPr lang="en-US" dirty="0">
+                <a:effectLst/>
+                <a:latin typeface="Calibri" panose="020F0502020204030204" pitchFamily="34" charset="0"/>
+              </a:rPr>
+            </a:br>
+            <a:r>
+              <a:rPr lang="en-US" dirty="0">
+                <a:effectLst/>
+                <a:latin typeface="Calibri" panose="020F0502020204030204" pitchFamily="34" charset="0"/>
+              </a:rPr>
+              <a:t>Easy to get it wrong.</a:t>
+            </a:r>
+            <a:br>
+              <a:rPr lang="en-US" dirty="0">
+                <a:effectLst/>
+                <a:latin typeface="Calibri" panose="020F0502020204030204" pitchFamily="34" charset="0"/>
+              </a:rPr>
+            </a:br>
+            <a:endParaRPr lang="en-US" dirty="0">
+              <a:effectLst/>
+              <a:latin typeface="Calibri" panose="020F0502020204030204" pitchFamily="34" charset="0"/>
+            </a:endParaRPr>
+          </a:p>
+          <a:p>
+            <a:pPr rtl="0" fontAlgn="ctr">
+              <a:spcBef>
+                <a:spcPts val="0"/>
+              </a:spcBef>
+              <a:spcAft>
+                <a:spcPts val="0"/>
+              </a:spcAft>
+              <a:buFont typeface="Arial" panose="020B0604020202020204" pitchFamily="34" charset="0"/>
+              <a:buChar char="•"/>
+            </a:pPr>
+            <a:r>
+              <a:rPr lang="en-US" dirty="0">
+                <a:effectLst/>
+                <a:latin typeface="Calibri" panose="020F0502020204030204" pitchFamily="34" charset="0"/>
+              </a:rPr>
+              <a:t>Requestors are unsure of what they will need and don't want to create delays from multiple tickets.</a:t>
+            </a:r>
+            <a:br>
+              <a:rPr lang="en-US" dirty="0">
+                <a:effectLst/>
+                <a:latin typeface="Calibri" panose="020F0502020204030204" pitchFamily="34" charset="0"/>
+              </a:rPr>
+            </a:br>
+            <a:endParaRPr lang="en-US" dirty="0">
+              <a:effectLst/>
+              <a:latin typeface="Calibri" panose="020F0502020204030204" pitchFamily="34" charset="0"/>
+            </a:endParaRPr>
+          </a:p>
+          <a:p>
+            <a:pPr rtl="0" fontAlgn="ctr">
+              <a:spcBef>
+                <a:spcPts val="0"/>
+              </a:spcBef>
+              <a:spcAft>
+                <a:spcPts val="0"/>
+              </a:spcAft>
+              <a:buFont typeface="Arial" panose="020B0604020202020204" pitchFamily="34" charset="0"/>
+              <a:buChar char="•"/>
+            </a:pPr>
+            <a:r>
+              <a:rPr lang="en-US" dirty="0">
+                <a:effectLst/>
+                <a:latin typeface="Calibri" panose="020F0502020204030204" pitchFamily="34" charset="0"/>
+              </a:rPr>
+              <a:t>A View can query across multiple databases, but permissions are assigned at the database level.</a:t>
             </a:r>
           </a:p>
         </p:txBody>
@@ -18919,7 +19607,7 @@
           <a:p>
             <a:r>
               <a:rPr lang="en-US" sz="1400" dirty="0"/>
-              <a:t>Saturday March 25, 2023</a:t>
+              <a:t>Saturday July 15, 2023</a:t>
             </a:r>
           </a:p>
         </p:txBody>
@@ -18952,7 +19640,7 @@
           <a:p>
             <a:r>
               <a:rPr lang="en-US" sz="1400" dirty="0"/>
-              <a:t>Orlando Code Camp</a:t>
+              <a:t>Columbus SQL Saturday</a:t>
             </a:r>
           </a:p>
         </p:txBody>
@@ -18986,7 +19674,7 @@
             <a:fld id="{DBA1B0FB-D917-4C8C-928F-313BD683BF39}" type="slidenum">
               <a:rPr lang="en-US" sz="1400" smtClean="0"/>
               <a:pPr/>
-              <a:t>7</a:t>
+              <a:t>6</a:t>
             </a:fld>
             <a:endParaRPr lang="en-US" sz="1400"/>
           </a:p>
@@ -19153,121 +19841,10 @@
           </a:p>
         </p:txBody>
       </p:sp>
-      <p:sp>
-        <p:nvSpPr>
-          <p:cNvPr id="3" name="Content Placeholder 9">
-            <a:extLst>
-              <a:ext uri="{FF2B5EF4-FFF2-40B4-BE49-F238E27FC236}">
-                <a16:creationId xmlns:a16="http://schemas.microsoft.com/office/drawing/2014/main" id="{55BC838F-7D25-245D-A257-0556FD699AA8}"/>
-              </a:ext>
-            </a:extLst>
-          </p:cNvPr>
-          <p:cNvSpPr>
-            <a:spLocks noGrp="1"/>
-          </p:cNvSpPr>
-          <p:nvPr>
-            <p:ph sz="half" idx="2"/>
-          </p:nvPr>
-        </p:nvSpPr>
-        <p:spPr>
-          <a:xfrm>
-            <a:off x="550863" y="3132553"/>
-            <a:ext cx="11090274" cy="2810372"/>
-          </a:xfrm>
-        </p:spPr>
-        <p:txBody>
-          <a:bodyPr/>
-          <a:lstStyle/>
-          <a:p>
-            <a:pPr marL="0" indent="0" rtl="0" fontAlgn="ctr">
-              <a:spcBef>
-                <a:spcPts val="0"/>
-              </a:spcBef>
-              <a:spcAft>
-                <a:spcPts val="0"/>
-              </a:spcAft>
-              <a:buNone/>
-            </a:pPr>
-            <a:r>
-              <a:rPr lang="en-US" sz="2800" dirty="0">
-                <a:effectLst/>
-                <a:latin typeface="Calibri" panose="020F0502020204030204" pitchFamily="34" charset="0"/>
-              </a:rPr>
-              <a:t>You can practice these demos yourself on any Windows laptop or PC</a:t>
-            </a:r>
-            <a:br>
-              <a:rPr lang="en-US" sz="2800" dirty="0">
-                <a:effectLst/>
-                <a:latin typeface="Calibri" panose="020F0502020204030204" pitchFamily="34" charset="0"/>
-              </a:rPr>
-            </a:br>
-            <a:r>
-              <a:rPr lang="en-US" sz="2800" dirty="0">
-                <a:effectLst/>
-                <a:latin typeface="Calibri" panose="020F0502020204030204" pitchFamily="34" charset="0"/>
-              </a:rPr>
-              <a:t>using SQL Server Developer Edition. </a:t>
-            </a:r>
-            <a:r>
-              <a:rPr lang="en-US" sz="2800" dirty="0">
-                <a:latin typeface="Calibri" panose="020F0502020204030204" pitchFamily="34" charset="0"/>
-              </a:rPr>
-              <a:t>Available for each major release.</a:t>
-            </a:r>
-            <a:endParaRPr lang="en-US" sz="2800" dirty="0">
-              <a:effectLst/>
-              <a:latin typeface="Calibri" panose="020F0502020204030204" pitchFamily="34" charset="0"/>
-            </a:endParaRPr>
-          </a:p>
-          <a:p>
-            <a:pPr rtl="0" fontAlgn="ctr">
-              <a:spcBef>
-                <a:spcPts val="0"/>
-              </a:spcBef>
-              <a:spcAft>
-                <a:spcPts val="0"/>
-              </a:spcAft>
-              <a:buFont typeface="Arial" panose="020B0604020202020204" pitchFamily="34" charset="0"/>
-              <a:buChar char="•"/>
-            </a:pPr>
-            <a:endParaRPr lang="en-US" sz="2800" dirty="0">
-              <a:latin typeface="Calibri" panose="020F0502020204030204" pitchFamily="34" charset="0"/>
-            </a:endParaRPr>
-          </a:p>
-          <a:p>
-            <a:pPr marL="0" indent="0" rtl="0" fontAlgn="ctr">
-              <a:spcBef>
-                <a:spcPts val="0"/>
-              </a:spcBef>
-              <a:spcAft>
-                <a:spcPts val="0"/>
-              </a:spcAft>
-              <a:buNone/>
-            </a:pPr>
-            <a:r>
-              <a:rPr lang="en-US" sz="2800" dirty="0">
-                <a:effectLst/>
-                <a:latin typeface="Calibri" panose="020F0502020204030204" pitchFamily="34" charset="0"/>
-              </a:rPr>
-              <a:t>SQL Server Developer Edition is a free single user version of the full corporate Enterprise edition with all features enabled.</a:t>
-            </a:r>
-            <a:br>
-              <a:rPr lang="en-US" sz="2800" dirty="0">
-                <a:effectLst/>
-                <a:latin typeface="Calibri" panose="020F0502020204030204" pitchFamily="34" charset="0"/>
-              </a:rPr>
-            </a:br>
-            <a:endParaRPr lang="en-US" sz="2800" dirty="0">
-              <a:effectLst/>
-              <a:latin typeface="Calibri" panose="020F0502020204030204" pitchFamily="34" charset="0"/>
-            </a:endParaRPr>
-          </a:p>
-        </p:txBody>
-      </p:sp>
     </p:spTree>
     <p:extLst>
       <p:ext uri="{BB962C8B-B14F-4D97-AF65-F5344CB8AC3E}">
-        <p14:creationId xmlns:p14="http://schemas.microsoft.com/office/powerpoint/2010/main" val="4122103672"/>
+        <p14:creationId xmlns:p14="http://schemas.microsoft.com/office/powerpoint/2010/main" val="881419837"/>
       </p:ext>
     </p:extLst>
   </p:cSld>
@@ -19277,7 +19854,7 @@
 </p:sld>
 </file>
 
-<file path=ppt/slides/slide8.xml><?xml version="1.0" encoding="utf-8"?>
+<file path=ppt/slides/slide7.xml><?xml version="1.0" encoding="utf-8"?>
 <p:sld xmlns:a="http://schemas.openxmlformats.org/drawingml/2006/main" xmlns:r="http://schemas.openxmlformats.org/officeDocument/2006/relationships" xmlns:p="http://schemas.openxmlformats.org/presentationml/2006/main">
   <p:cSld>
     <p:spTree>
@@ -19641,7 +20218,7 @@
         <p:spPr>
           <a:xfrm>
             <a:off x="550862" y="549275"/>
-            <a:ext cx="11097551" cy="772675"/>
+            <a:ext cx="11097551" cy="1332000"/>
           </a:xfrm>
         </p:spPr>
         <p:txBody>
@@ -19652,7 +20229,7 @@
           <a:p>
             <a:r>
               <a:rPr lang="en-US" dirty="0"/>
-              <a:t>Recap</a:t>
+              <a:t>What should happen?</a:t>
             </a:r>
           </a:p>
         </p:txBody>
@@ -19698,20 +20275,7 @@
                 <a:effectLst/>
                 <a:latin typeface="Calibri" panose="020F0502020204030204" pitchFamily="34" charset="0"/>
               </a:rPr>
-              <a:t>Never give more permissions </a:t>
-            </a:r>
-            <a:r>
-              <a:rPr lang="en-US" dirty="0">
-                <a:latin typeface="Calibri" panose="020F0502020204030204" pitchFamily="34" charset="0"/>
-              </a:rPr>
-              <a:t>than needed </a:t>
-            </a:r>
-            <a:r>
-              <a:rPr lang="en-US" dirty="0">
-                <a:effectLst/>
-                <a:latin typeface="Calibri" panose="020F0502020204030204" pitchFamily="34" charset="0"/>
-              </a:rPr>
-              <a:t>to accomplish the tasks</a:t>
+              <a:t>Principle of Least Privilege. Permissions should be to the absolute minimum needed to accomplish the task</a:t>
             </a:r>
             <a:br>
               <a:rPr lang="en-US" dirty="0">
@@ -19737,11 +20301,20 @@
             </a:pPr>
             <a:r>
               <a:rPr lang="en-US" dirty="0">
+                <a:latin typeface="Calibri" panose="020F0502020204030204" pitchFamily="34" charset="0"/>
+              </a:rPr>
+              <a:t>Windows users are preferred over SQL Users</a:t>
+            </a:r>
+            <a:br>
+              <a:rPr lang="en-US" dirty="0">
                 <a:effectLst/>
                 <a:latin typeface="Calibri" panose="020F0502020204030204" pitchFamily="34" charset="0"/>
               </a:rPr>
-              <a:t>Assign permissions to database roles and add/remove members in those roles</a:t>
-            </a:r>
+            </a:br>
+            <a:endParaRPr lang="en-US" dirty="0">
+              <a:effectLst/>
+              <a:latin typeface="Calibri" panose="020F0502020204030204" pitchFamily="34" charset="0"/>
+            </a:endParaRPr>
           </a:p>
           <a:p>
             <a:pPr rtl="0" fontAlgn="ctr">
@@ -19754,6 +20327,32 @@
               <a:buFont typeface="Arial" panose="020B0604020202020204" pitchFamily="34" charset="0"/>
               <a:buChar char="•"/>
             </a:pPr>
+            <a:r>
+              <a:rPr lang="en-US" dirty="0">
+                <a:effectLst/>
+                <a:latin typeface="Calibri" panose="020F0502020204030204" pitchFamily="34" charset="0"/>
+              </a:rPr>
+              <a:t>Security should be limited to specific schemas and provided by database roles</a:t>
+            </a:r>
+            <a:br>
+              <a:rPr lang="en-US" dirty="0">
+                <a:effectLst/>
+                <a:latin typeface="Calibri" panose="020F0502020204030204" pitchFamily="34" charset="0"/>
+              </a:rPr>
+            </a:br>
+            <a:r>
+              <a:rPr lang="en-US" dirty="0">
+                <a:effectLst/>
+                <a:latin typeface="Calibri" panose="020F0502020204030204" pitchFamily="34" charset="0"/>
+              </a:rPr>
+              <a:t>That will be explained later in this presentation</a:t>
+            </a:r>
+            <a:br>
+              <a:rPr lang="en-US" dirty="0">
+                <a:effectLst/>
+                <a:latin typeface="Calibri" panose="020F0502020204030204" pitchFamily="34" charset="0"/>
+              </a:rPr>
+            </a:br>
             <a:endParaRPr lang="en-US" dirty="0">
               <a:effectLst/>
               <a:latin typeface="Calibri" panose="020F0502020204030204" pitchFamily="34" charset="0"/>
@@ -19772,125 +20371,10 @@
             </a:pPr>
             <a:r>
               <a:rPr lang="en-US" dirty="0">
-                <a:latin typeface="Calibri" panose="020F0502020204030204" pitchFamily="34" charset="0"/>
-              </a:rPr>
-              <a:t>Restrict user objects to </a:t>
-            </a:r>
-            <a:r>
-              <a:rPr lang="en-US" dirty="0">
                 <a:effectLst/>
                 <a:latin typeface="Calibri" panose="020F0502020204030204" pitchFamily="34" charset="0"/>
               </a:rPr>
-              <a:t>specific schemas </a:t>
-            </a:r>
-            <a:r>
-              <a:rPr lang="en-US" dirty="0">
-                <a:latin typeface="Calibri" panose="020F0502020204030204" pitchFamily="34" charset="0"/>
-              </a:rPr>
-              <a:t>with permissions provided </a:t>
-            </a:r>
-            <a:r>
-              <a:rPr lang="en-US" dirty="0">
-                <a:effectLst/>
-                <a:latin typeface="Calibri" panose="020F0502020204030204" pitchFamily="34" charset="0"/>
-              </a:rPr>
-              <a:t>by database roles</a:t>
-            </a:r>
-            <a:br>
-              <a:rPr lang="en-US" dirty="0">
-                <a:effectLst/>
-                <a:latin typeface="Calibri" panose="020F0502020204030204" pitchFamily="34" charset="0"/>
-              </a:rPr>
-            </a:br>
-            <a:endParaRPr lang="en-US" dirty="0">
-              <a:latin typeface="Calibri" panose="020F0502020204030204" pitchFamily="34" charset="0"/>
-            </a:endParaRPr>
-          </a:p>
-          <a:p>
-            <a:pPr rtl="0" fontAlgn="ctr">
-              <a:spcBef>
-                <a:spcPts val="0"/>
-              </a:spcBef>
-              <a:spcAft>
-                <a:spcPts val="0"/>
-              </a:spcAft>
-              <a:buFont typeface="Arial" panose="020B0604020202020204" pitchFamily="34" charset="0"/>
-              <a:buChar char="•"/>
-            </a:pPr>
-            <a:r>
-              <a:rPr lang="en-US" dirty="0">
-                <a:latin typeface="Calibri" panose="020F0502020204030204" pitchFamily="34" charset="0"/>
-              </a:rPr>
-              <a:t>Use No Login SQL users to execute stored procedures</a:t>
-            </a:r>
-            <a:r>
-              <a:rPr lang="en-US" dirty="0">
-                <a:effectLst/>
-                <a:latin typeface="Calibri" panose="020F0502020204030204" pitchFamily="34" charset="0"/>
-              </a:rPr>
-              <a:t> </a:t>
-            </a:r>
-          </a:p>
-          <a:p>
-            <a:pPr rtl="0" fontAlgn="ctr">
-              <a:spcBef>
-                <a:spcPts val="0"/>
-              </a:spcBef>
-              <a:spcAft>
-                <a:spcPts val="0"/>
-              </a:spcAft>
-              <a:buFont typeface="Arial" panose="020B0604020202020204" pitchFamily="34" charset="0"/>
-              <a:buChar char="•"/>
-            </a:pPr>
-            <a:endParaRPr lang="en-US" dirty="0">
-              <a:latin typeface="Calibri" panose="020F0502020204030204" pitchFamily="34" charset="0"/>
-            </a:endParaRPr>
-          </a:p>
-          <a:p>
-            <a:pPr rtl="0" fontAlgn="ctr">
-              <a:spcBef>
-                <a:spcPts val="0"/>
-              </a:spcBef>
-              <a:spcAft>
-                <a:spcPts val="0"/>
-              </a:spcAft>
-              <a:buFont typeface="Arial" panose="020B0604020202020204" pitchFamily="34" charset="0"/>
-              <a:buChar char="•"/>
-            </a:pPr>
-            <a:r>
-              <a:rPr lang="en-US" dirty="0">
-                <a:latin typeface="Calibri" panose="020F0502020204030204" pitchFamily="34" charset="0"/>
-              </a:rPr>
-              <a:t>When necessary, create SQL Users with complex passwords</a:t>
-            </a:r>
-            <a:br>
-              <a:rPr lang="en-US" dirty="0">
-                <a:effectLst/>
-                <a:latin typeface="Calibri" panose="020F0502020204030204" pitchFamily="34" charset="0"/>
-              </a:rPr>
-            </a:br>
-            <a:endParaRPr lang="en-US" dirty="0">
-              <a:effectLst/>
-              <a:latin typeface="Calibri" panose="020F0502020204030204" pitchFamily="34" charset="0"/>
-            </a:endParaRPr>
-          </a:p>
-          <a:p>
-            <a:pPr rtl="0" fontAlgn="ctr">
-              <a:spcBef>
-                <a:spcPts val="0"/>
-              </a:spcBef>
-              <a:spcAft>
-                <a:spcPts val="0"/>
-              </a:spcAft>
-              <a:buFont typeface="Arial" panose="020B0604020202020204" pitchFamily="34" charset="0"/>
-              <a:buChar char="•"/>
-            </a:pPr>
-            <a:r>
-              <a:rPr lang="en-US" dirty="0">
-                <a:effectLst/>
-                <a:latin typeface="Calibri" panose="020F0502020204030204" pitchFamily="34" charset="0"/>
-              </a:rPr>
-              <a:t>Audit user permissions on a regular basis using the script I showed or other tools</a:t>
+              <a:t>Don't get the wrong impression. SQL Server can be very secure and can meet the tightest federal security requirements to protect data from theft, destruction, and other types of malicious behavior. When operated properly.</a:t>
             </a:r>
           </a:p>
         </p:txBody>
@@ -19923,7 +20407,7 @@
           <a:p>
             <a:r>
               <a:rPr lang="en-US" sz="1400" dirty="0"/>
-              <a:t>Saturday March 25, 2023</a:t>
+              <a:t>Saturday July 15, 2023</a:t>
             </a:r>
           </a:p>
         </p:txBody>
@@ -19956,7 +20440,7 @@
           <a:p>
             <a:r>
               <a:rPr lang="en-US" sz="1400" dirty="0"/>
-              <a:t>Orlando Code Camp</a:t>
+              <a:t>Columbus SQL Saturday</a:t>
             </a:r>
           </a:p>
         </p:txBody>
@@ -19990,7 +20474,7 @@
             <a:fld id="{DBA1B0FB-D917-4C8C-928F-313BD683BF39}" type="slidenum">
               <a:rPr lang="en-US" sz="1400" smtClean="0"/>
               <a:pPr/>
-              <a:t>8</a:t>
+              <a:t>7</a:t>
             </a:fld>
             <a:endParaRPr lang="en-US" sz="1400"/>
           </a:p>
@@ -20160,7 +20644,869 @@
     </p:spTree>
     <p:extLst>
       <p:ext uri="{BB962C8B-B14F-4D97-AF65-F5344CB8AC3E}">
-        <p14:creationId xmlns:p14="http://schemas.microsoft.com/office/powerpoint/2010/main" val="2112465238"/>
+        <p14:creationId xmlns:p14="http://schemas.microsoft.com/office/powerpoint/2010/main" val="2643253333"/>
+      </p:ext>
+    </p:extLst>
+  </p:cSld>
+  <p:clrMapOvr>
+    <a:masterClrMapping/>
+  </p:clrMapOvr>
+</p:sld>
+</file>
+
+<file path=ppt/slides/slide8.xml><?xml version="1.0" encoding="utf-8"?>
+<p:sld xmlns:a="http://schemas.openxmlformats.org/drawingml/2006/main" xmlns:r="http://schemas.openxmlformats.org/officeDocument/2006/relationships" xmlns:p="http://schemas.openxmlformats.org/presentationml/2006/main">
+  <p:cSld>
+    <p:spTree>
+      <p:nvGrpSpPr>
+        <p:cNvPr id="1" name=""/>
+        <p:cNvGrpSpPr/>
+        <p:nvPr/>
+      </p:nvGrpSpPr>
+      <p:grpSpPr>
+        <a:xfrm>
+          <a:off x="0" y="0"/>
+          <a:ext cx="0" cy="0"/>
+          <a:chOff x="0" y="0"/>
+          <a:chExt cx="0" cy="0"/>
+        </a:xfrm>
+      </p:grpSpPr>
+      <p:grpSp>
+        <p:nvGrpSpPr>
+          <p:cNvPr id="25" name="Group 24">
+            <a:extLst>
+              <a:ext uri="{FF2B5EF4-FFF2-40B4-BE49-F238E27FC236}">
+                <a16:creationId xmlns:a16="http://schemas.microsoft.com/office/drawing/2014/main" id="{D10F3D66-0109-4903-90B9-66D0E288F721}"/>
+              </a:ext>
+              <a:ext uri="{C183D7F6-B498-43B3-948B-1728B52AA6E4}">
+                <adec:decorative xmlns:adec="http://schemas.microsoft.com/office/drawing/2017/decorative" val="1"/>
+              </a:ext>
+            </a:extLst>
+          </p:cNvPr>
+          <p:cNvGrpSpPr/>
+          <p:nvPr/>
+        </p:nvGrpSpPr>
+        <p:grpSpPr>
+          <a:xfrm>
+            <a:off x="10379261" y="2030035"/>
+            <a:ext cx="1335600" cy="1262947"/>
+            <a:chOff x="10145015" y="2343978"/>
+            <a:chExt cx="1335600" cy="1262947"/>
+          </a:xfrm>
+        </p:grpSpPr>
+        <p:sp>
+          <p:nvSpPr>
+            <p:cNvPr id="26" name="Freeform: Shape 25">
+              <a:extLst>
+                <a:ext uri="{FF2B5EF4-FFF2-40B4-BE49-F238E27FC236}">
+                  <a16:creationId xmlns:a16="http://schemas.microsoft.com/office/drawing/2014/main" id="{57DAB968-9B52-4EFF-AD39-7657DFEA6E48}"/>
+                </a:ext>
+              </a:extLst>
+            </p:cNvPr>
+            <p:cNvSpPr>
+              <a:spLocks noChangeAspect="1"/>
+            </p:cNvSpPr>
+            <p:nvPr/>
+          </p:nvSpPr>
+          <p:spPr>
+            <a:xfrm rot="8100000">
+              <a:off x="10400615" y="2343978"/>
+              <a:ext cx="1080000" cy="1262947"/>
+            </a:xfrm>
+            <a:custGeom>
+              <a:avLst/>
+              <a:gdLst>
+                <a:gd name="connsiteX0" fmla="*/ 540000 w 1080000"/>
+                <a:gd name="connsiteY0" fmla="*/ 0 h 1262947"/>
+                <a:gd name="connsiteX1" fmla="*/ 1080000 w 1080000"/>
+                <a:gd name="connsiteY1" fmla="*/ 931034 h 1262947"/>
+                <a:gd name="connsiteX2" fmla="*/ 1064374 w 1080000"/>
+                <a:gd name="connsiteY2" fmla="*/ 931034 h 1262947"/>
+                <a:gd name="connsiteX3" fmla="*/ 1069029 w 1080000"/>
+                <a:gd name="connsiteY3" fmla="*/ 938533 h 1262947"/>
+                <a:gd name="connsiteX4" fmla="*/ 1080000 w 1080000"/>
+                <a:gd name="connsiteY4" fmla="*/ 992947 h 1262947"/>
+                <a:gd name="connsiteX5" fmla="*/ 540000 w 1080000"/>
+                <a:gd name="connsiteY5" fmla="*/ 1262947 h 1262947"/>
+                <a:gd name="connsiteX6" fmla="*/ 0 w 1080000"/>
+                <a:gd name="connsiteY6" fmla="*/ 992947 h 1262947"/>
+                <a:gd name="connsiteX7" fmla="*/ 10971 w 1080000"/>
+                <a:gd name="connsiteY7" fmla="*/ 938533 h 1262947"/>
+                <a:gd name="connsiteX8" fmla="*/ 15626 w 1080000"/>
+                <a:gd name="connsiteY8" fmla="*/ 931034 h 1262947"/>
+                <a:gd name="connsiteX9" fmla="*/ 0 w 1080000"/>
+                <a:gd name="connsiteY9" fmla="*/ 931034 h 1262947"/>
+                <a:gd name="connsiteX0" fmla="*/ 540000 w 1080000"/>
+                <a:gd name="connsiteY0" fmla="*/ 0 h 1262947"/>
+                <a:gd name="connsiteX1" fmla="*/ 1080000 w 1080000"/>
+                <a:gd name="connsiteY1" fmla="*/ 931034 h 1262947"/>
+                <a:gd name="connsiteX2" fmla="*/ 1064374 w 1080000"/>
+                <a:gd name="connsiteY2" fmla="*/ 931034 h 1262947"/>
+                <a:gd name="connsiteX3" fmla="*/ 1069029 w 1080000"/>
+                <a:gd name="connsiteY3" fmla="*/ 938533 h 1262947"/>
+                <a:gd name="connsiteX4" fmla="*/ 1080000 w 1080000"/>
+                <a:gd name="connsiteY4" fmla="*/ 992947 h 1262947"/>
+                <a:gd name="connsiteX5" fmla="*/ 540000 w 1080000"/>
+                <a:gd name="connsiteY5" fmla="*/ 1262947 h 1262947"/>
+                <a:gd name="connsiteX6" fmla="*/ 0 w 1080000"/>
+                <a:gd name="connsiteY6" fmla="*/ 992947 h 1262947"/>
+                <a:gd name="connsiteX7" fmla="*/ 10971 w 1080000"/>
+                <a:gd name="connsiteY7" fmla="*/ 938533 h 1262947"/>
+                <a:gd name="connsiteX8" fmla="*/ 15626 w 1080000"/>
+                <a:gd name="connsiteY8" fmla="*/ 931034 h 1262947"/>
+                <a:gd name="connsiteX9" fmla="*/ 540000 w 1080000"/>
+                <a:gd name="connsiteY9" fmla="*/ 0 h 1262947"/>
+                <a:gd name="connsiteX0" fmla="*/ 540000 w 1080000"/>
+                <a:gd name="connsiteY0" fmla="*/ 0 h 1262947"/>
+                <a:gd name="connsiteX1" fmla="*/ 1064374 w 1080000"/>
+                <a:gd name="connsiteY1" fmla="*/ 931034 h 1262947"/>
+                <a:gd name="connsiteX2" fmla="*/ 1069029 w 1080000"/>
+                <a:gd name="connsiteY2" fmla="*/ 938533 h 1262947"/>
+                <a:gd name="connsiteX3" fmla="*/ 1080000 w 1080000"/>
+                <a:gd name="connsiteY3" fmla="*/ 992947 h 1262947"/>
+                <a:gd name="connsiteX4" fmla="*/ 540000 w 1080000"/>
+                <a:gd name="connsiteY4" fmla="*/ 1262947 h 1262947"/>
+                <a:gd name="connsiteX5" fmla="*/ 0 w 1080000"/>
+                <a:gd name="connsiteY5" fmla="*/ 992947 h 1262947"/>
+                <a:gd name="connsiteX6" fmla="*/ 10971 w 1080000"/>
+                <a:gd name="connsiteY6" fmla="*/ 938533 h 1262947"/>
+                <a:gd name="connsiteX7" fmla="*/ 15626 w 1080000"/>
+                <a:gd name="connsiteY7" fmla="*/ 931034 h 1262947"/>
+                <a:gd name="connsiteX8" fmla="*/ 540000 w 1080000"/>
+                <a:gd name="connsiteY8" fmla="*/ 0 h 1262947"/>
+              </a:gdLst>
+              <a:ahLst/>
+              <a:cxnLst>
+                <a:cxn ang="0">
+                  <a:pos x="connsiteX0" y="connsiteY0"/>
+                </a:cxn>
+                <a:cxn ang="0">
+                  <a:pos x="connsiteX1" y="connsiteY1"/>
+                </a:cxn>
+                <a:cxn ang="0">
+                  <a:pos x="connsiteX2" y="connsiteY2"/>
+                </a:cxn>
+                <a:cxn ang="0">
+                  <a:pos x="connsiteX3" y="connsiteY3"/>
+                </a:cxn>
+                <a:cxn ang="0">
+                  <a:pos x="connsiteX4" y="connsiteY4"/>
+                </a:cxn>
+                <a:cxn ang="0">
+                  <a:pos x="connsiteX5" y="connsiteY5"/>
+                </a:cxn>
+                <a:cxn ang="0">
+                  <a:pos x="connsiteX6" y="connsiteY6"/>
+                </a:cxn>
+                <a:cxn ang="0">
+                  <a:pos x="connsiteX7" y="connsiteY7"/>
+                </a:cxn>
+                <a:cxn ang="0">
+                  <a:pos x="connsiteX8" y="connsiteY8"/>
+                </a:cxn>
+              </a:cxnLst>
+              <a:rect l="l" t="t" r="r" b="b"/>
+              <a:pathLst>
+                <a:path w="1080000" h="1262947">
+                  <a:moveTo>
+                    <a:pt x="540000" y="0"/>
+                  </a:moveTo>
+                  <a:lnTo>
+                    <a:pt x="1064374" y="931034"/>
+                  </a:lnTo>
+                  <a:lnTo>
+                    <a:pt x="1069029" y="938533"/>
+                  </a:lnTo>
+                  <a:cubicBezTo>
+                    <a:pt x="1076223" y="956109"/>
+                    <a:pt x="1080000" y="974307"/>
+                    <a:pt x="1080000" y="992947"/>
+                  </a:cubicBezTo>
+                  <a:cubicBezTo>
+                    <a:pt x="1080000" y="1142064"/>
+                    <a:pt x="838234" y="1262947"/>
+                    <a:pt x="540000" y="1262947"/>
+                  </a:cubicBezTo>
+                  <a:cubicBezTo>
+                    <a:pt x="241766" y="1262947"/>
+                    <a:pt x="0" y="1142064"/>
+                    <a:pt x="0" y="992947"/>
+                  </a:cubicBezTo>
+                  <a:cubicBezTo>
+                    <a:pt x="0" y="974307"/>
+                    <a:pt x="3778" y="956109"/>
+                    <a:pt x="10971" y="938533"/>
+                  </a:cubicBezTo>
+                  <a:lnTo>
+                    <a:pt x="15626" y="931034"/>
+                  </a:lnTo>
+                  <a:lnTo>
+                    <a:pt x="540000" y="0"/>
+                  </a:lnTo>
+                  <a:close/>
+                </a:path>
+              </a:pathLst>
+            </a:custGeom>
+            <a:gradFill>
+              <a:gsLst>
+                <a:gs pos="60000">
+                  <a:schemeClr val="bg2">
+                    <a:lumMod val="90000"/>
+                    <a:lumOff val="10000"/>
+                  </a:schemeClr>
+                </a:gs>
+                <a:gs pos="30000">
+                  <a:schemeClr val="bg2">
+                    <a:lumMod val="90000"/>
+                    <a:lumOff val="10000"/>
+                  </a:schemeClr>
+                </a:gs>
+                <a:gs pos="40000">
+                  <a:schemeClr val="bg2">
+                    <a:lumMod val="80000"/>
+                    <a:lumOff val="20000"/>
+                  </a:schemeClr>
+                </a:gs>
+                <a:gs pos="100000">
+                  <a:schemeClr val="bg2"/>
+                </a:gs>
+              </a:gsLst>
+              <a:lin ang="600000" scaled="0"/>
+            </a:gradFill>
+            <a:ln>
+              <a:noFill/>
+            </a:ln>
+            <a:effectLst>
+              <a:innerShdw blurRad="254000" dist="101600" dir="7320000">
+                <a:schemeClr val="accent1">
+                  <a:lumMod val="60000"/>
+                  <a:lumOff val="40000"/>
+                  <a:alpha val="40000"/>
+                </a:schemeClr>
+              </a:innerShdw>
+            </a:effectLst>
+          </p:spPr>
+          <p:style>
+            <a:lnRef idx="2">
+              <a:schemeClr val="accent1">
+                <a:shade val="50000"/>
+              </a:schemeClr>
+            </a:lnRef>
+            <a:fillRef idx="1">
+              <a:schemeClr val="accent1"/>
+            </a:fillRef>
+            <a:effectRef idx="0">
+              <a:schemeClr val="accent1"/>
+            </a:effectRef>
+            <a:fontRef idx="minor">
+              <a:schemeClr val="lt1"/>
+            </a:fontRef>
+          </p:style>
+          <p:txBody>
+            <a:bodyPr rot="0" spcFirstLastPara="0" vertOverflow="overflow" horzOverflow="overflow" vert="horz" wrap="square" lIns="91440" tIns="45720" rIns="91440" bIns="45720" numCol="1" spcCol="0" rtlCol="0" fromWordArt="0" anchor="ctr" anchorCtr="0" forceAA="0" compatLnSpc="1">
+              <a:prstTxWarp prst="textNoShape">
+                <a:avLst/>
+              </a:prstTxWarp>
+              <a:noAutofit/>
+            </a:bodyPr>
+            <a:lstStyle/>
+            <a:p>
+              <a:pPr algn="ctr"/>
+              <a:endParaRPr lang="en-US"/>
+            </a:p>
+          </p:txBody>
+        </p:sp>
+        <p:sp>
+          <p:nvSpPr>
+            <p:cNvPr id="27" name="Oval 26">
+              <a:extLst>
+                <a:ext uri="{FF2B5EF4-FFF2-40B4-BE49-F238E27FC236}">
+                  <a16:creationId xmlns:a16="http://schemas.microsoft.com/office/drawing/2014/main" id="{962BE440-9634-4380-B142-5DB692420C52}"/>
+                </a:ext>
+              </a:extLst>
+            </p:cNvPr>
+            <p:cNvSpPr/>
+            <p:nvPr/>
+          </p:nvSpPr>
+          <p:spPr>
+            <a:xfrm rot="13500000">
+              <a:off x="10415015" y="2179851"/>
+              <a:ext cx="540000" cy="1080000"/>
+            </a:xfrm>
+            <a:prstGeom prst="ellipse">
+              <a:avLst/>
+            </a:prstGeom>
+            <a:gradFill>
+              <a:gsLst>
+                <a:gs pos="100000">
+                  <a:schemeClr val="accent1">
+                    <a:lumMod val="60000"/>
+                    <a:lumOff val="40000"/>
+                    <a:alpha val="0"/>
+                  </a:schemeClr>
+                </a:gs>
+                <a:gs pos="0">
+                  <a:schemeClr val="bg2">
+                    <a:lumMod val="75000"/>
+                    <a:lumOff val="25000"/>
+                    <a:alpha val="33000"/>
+                  </a:schemeClr>
+                </a:gs>
+              </a:gsLst>
+              <a:lin ang="5400000" scaled="0"/>
+            </a:gradFill>
+            <a:ln>
+              <a:noFill/>
+            </a:ln>
+            <a:effectLst>
+              <a:innerShdw blurRad="1270000" dist="2540000">
+                <a:schemeClr val="accent1">
+                  <a:lumMod val="60000"/>
+                  <a:lumOff val="40000"/>
+                  <a:alpha val="0"/>
+                </a:schemeClr>
+              </a:innerShdw>
+            </a:effectLst>
+          </p:spPr>
+          <p:style>
+            <a:lnRef idx="2">
+              <a:schemeClr val="accent1">
+                <a:shade val="50000"/>
+              </a:schemeClr>
+            </a:lnRef>
+            <a:fillRef idx="1">
+              <a:schemeClr val="accent1"/>
+            </a:fillRef>
+            <a:effectRef idx="0">
+              <a:schemeClr val="accent1"/>
+            </a:effectRef>
+            <a:fontRef idx="minor">
+              <a:schemeClr val="lt1"/>
+            </a:fontRef>
+          </p:style>
+          <p:txBody>
+            <a:bodyPr rot="0" spcFirstLastPara="0" vertOverflow="overflow" horzOverflow="overflow" vert="horz" wrap="square" lIns="91440" tIns="45720" rIns="91440" bIns="45720" numCol="1" spcCol="0" rtlCol="0" fromWordArt="0" anchor="ctr" anchorCtr="0" forceAA="0" compatLnSpc="1">
+              <a:prstTxWarp prst="textNoShape">
+                <a:avLst/>
+              </a:prstTxWarp>
+              <a:noAutofit/>
+            </a:bodyPr>
+            <a:lstStyle/>
+            <a:p>
+              <a:pPr algn="ctr"/>
+              <a:endParaRPr lang="en-US"/>
+            </a:p>
+          </p:txBody>
+        </p:sp>
+      </p:grpSp>
+      <p:sp>
+        <p:nvSpPr>
+          <p:cNvPr id="7" name="Title 6">
+            <a:extLst>
+              <a:ext uri="{FF2B5EF4-FFF2-40B4-BE49-F238E27FC236}">
+                <a16:creationId xmlns:a16="http://schemas.microsoft.com/office/drawing/2014/main" id="{4B18D636-CC10-4B1E-AA38-419DCCF2D9C9}"/>
+              </a:ext>
+            </a:extLst>
+          </p:cNvPr>
+          <p:cNvSpPr>
+            <a:spLocks noGrp="1"/>
+          </p:cNvSpPr>
+          <p:nvPr>
+            <p:ph type="title"/>
+          </p:nvPr>
+        </p:nvSpPr>
+        <p:spPr>
+          <a:xfrm>
+            <a:off x="550862" y="549275"/>
+            <a:ext cx="11097551" cy="1332000"/>
+          </a:xfrm>
+        </p:spPr>
+        <p:txBody>
+          <a:bodyPr>
+            <a:normAutofit/>
+          </a:bodyPr>
+          <a:lstStyle/>
+          <a:p>
+            <a:r>
+              <a:rPr lang="en-US" dirty="0"/>
+              <a:t>What about Sysadmin (</a:t>
+            </a:r>
+            <a:r>
+              <a:rPr lang="en-US" dirty="0" err="1"/>
+              <a:t>sa</a:t>
+            </a:r>
+            <a:r>
+              <a:rPr lang="en-US" dirty="0"/>
+              <a:t>)?</a:t>
+            </a:r>
+          </a:p>
+        </p:txBody>
+      </p:sp>
+      <p:sp>
+        <p:nvSpPr>
+          <p:cNvPr id="10" name="Content Placeholder 9">
+            <a:extLst>
+              <a:ext uri="{FF2B5EF4-FFF2-40B4-BE49-F238E27FC236}">
+                <a16:creationId xmlns:a16="http://schemas.microsoft.com/office/drawing/2014/main" id="{1DB251F7-EBE7-46AC-A920-FFE2C5AF68EA}"/>
+              </a:ext>
+            </a:extLst>
+          </p:cNvPr>
+          <p:cNvSpPr>
+            <a:spLocks noGrp="1"/>
+          </p:cNvSpPr>
+          <p:nvPr>
+            <p:ph sz="half" idx="2"/>
+          </p:nvPr>
+        </p:nvSpPr>
+        <p:spPr>
+          <a:xfrm>
+            <a:off x="550863" y="1630016"/>
+            <a:ext cx="11090274" cy="4312909"/>
+          </a:xfrm>
+        </p:spPr>
+        <p:txBody>
+          <a:bodyPr/>
+          <a:lstStyle/>
+          <a:p>
+            <a:pPr rtl="0" fontAlgn="ctr">
+              <a:spcBef>
+                <a:spcPts val="0"/>
+              </a:spcBef>
+              <a:spcAft>
+                <a:spcPts val="0"/>
+              </a:spcAft>
+              <a:buFont typeface="Arial" panose="020B0604020202020204" pitchFamily="34" charset="0"/>
+              <a:buChar char="•"/>
+            </a:pPr>
+            <a:r>
+              <a:rPr lang="en-US" sz="2800" dirty="0">
+                <a:effectLst/>
+                <a:latin typeface="Calibri" panose="020F0502020204030204" pitchFamily="34" charset="0"/>
+              </a:rPr>
+              <a:t>Sysadmin has full rights, including deleting logs and even the database</a:t>
+            </a:r>
+            <a:br>
+              <a:rPr lang="en-US" sz="2800" dirty="0">
+                <a:effectLst/>
+                <a:latin typeface="Calibri" panose="020F0502020204030204" pitchFamily="34" charset="0"/>
+              </a:rPr>
+            </a:br>
+            <a:r>
+              <a:rPr lang="en-US" sz="2800" dirty="0">
+                <a:effectLst/>
+                <a:latin typeface="Calibri" panose="020F0502020204030204" pitchFamily="34" charset="0"/>
+              </a:rPr>
+              <a:t>How to track their activities for Audit?</a:t>
+            </a:r>
+            <a:br>
+              <a:rPr lang="en-US" sz="2800" dirty="0">
+                <a:effectLst/>
+                <a:latin typeface="Calibri" panose="020F0502020204030204" pitchFamily="34" charset="0"/>
+              </a:rPr>
+            </a:br>
+            <a:endParaRPr lang="en-US" sz="2800" dirty="0">
+              <a:effectLst/>
+              <a:latin typeface="Calibri" panose="020F0502020204030204" pitchFamily="34" charset="0"/>
+            </a:endParaRPr>
+          </a:p>
+          <a:p>
+            <a:pPr rtl="0" fontAlgn="ctr">
+              <a:spcBef>
+                <a:spcPts val="0"/>
+              </a:spcBef>
+              <a:spcAft>
+                <a:spcPts val="0"/>
+              </a:spcAft>
+              <a:buFont typeface="Arial" panose="020B0604020202020204" pitchFamily="34" charset="0"/>
+              <a:buChar char="•"/>
+            </a:pPr>
+            <a:r>
+              <a:rPr lang="en-US" sz="2800" dirty="0">
+                <a:effectLst/>
+                <a:latin typeface="Calibri" panose="020F0502020204030204" pitchFamily="34" charset="0"/>
+              </a:rPr>
+              <a:t>One client uses IDERA SQL Compliance Manager</a:t>
+            </a:r>
+          </a:p>
+          <a:p>
+            <a:pPr lvl="1" fontAlgn="ctr">
+              <a:spcBef>
+                <a:spcPts val="0"/>
+              </a:spcBef>
+              <a:spcAft>
+                <a:spcPts val="0"/>
+              </a:spcAft>
+            </a:pPr>
+            <a:r>
+              <a:rPr lang="en-US" sz="2400" dirty="0">
+                <a:latin typeface="Calibri" panose="020F0502020204030204" pitchFamily="34" charset="0"/>
+              </a:rPr>
+              <a:t>Immediately saves a copy of any action with proprietary checksum attached</a:t>
+            </a:r>
+          </a:p>
+          <a:p>
+            <a:pPr lvl="1" fontAlgn="ctr">
+              <a:spcBef>
+                <a:spcPts val="0"/>
+              </a:spcBef>
+              <a:spcAft>
+                <a:spcPts val="0"/>
+              </a:spcAft>
+            </a:pPr>
+            <a:r>
+              <a:rPr lang="en-US" sz="2400" dirty="0">
+                <a:latin typeface="Calibri" panose="020F0502020204030204" pitchFamily="34" charset="0"/>
+              </a:rPr>
+              <a:t>Data sent to the console server every 10 minutes (configurable)</a:t>
+            </a:r>
+          </a:p>
+          <a:p>
+            <a:pPr lvl="1" fontAlgn="ctr">
+              <a:spcBef>
+                <a:spcPts val="0"/>
+              </a:spcBef>
+              <a:spcAft>
+                <a:spcPts val="0"/>
+              </a:spcAft>
+            </a:pPr>
+            <a:r>
+              <a:rPr lang="en-US" sz="2400" dirty="0">
+                <a:effectLst/>
+                <a:latin typeface="Calibri" panose="020F0502020204030204" pitchFamily="34" charset="0"/>
+              </a:rPr>
+              <a:t>Console will flag any change to the </a:t>
+            </a:r>
+            <a:r>
+              <a:rPr lang="en-US" sz="2400" dirty="0">
+                <a:latin typeface="Calibri" panose="020F0502020204030204" pitchFamily="34" charset="0"/>
+              </a:rPr>
+              <a:t>audit record because checksum will fail</a:t>
+            </a:r>
+          </a:p>
+          <a:p>
+            <a:pPr lvl="1" fontAlgn="ctr">
+              <a:spcBef>
+                <a:spcPts val="0"/>
+              </a:spcBef>
+              <a:spcAft>
+                <a:spcPts val="0"/>
+              </a:spcAft>
+            </a:pPr>
+            <a:r>
+              <a:rPr lang="en-US" sz="2400" dirty="0">
+                <a:effectLst/>
+                <a:latin typeface="Calibri" panose="020F0502020204030204" pitchFamily="34" charset="0"/>
+              </a:rPr>
+              <a:t>Multiple management reports available at the console</a:t>
+            </a:r>
+          </a:p>
+          <a:p>
+            <a:pPr lvl="1" fontAlgn="ctr">
+              <a:spcBef>
+                <a:spcPts val="0"/>
+              </a:spcBef>
+              <a:spcAft>
+                <a:spcPts val="0"/>
+              </a:spcAft>
+            </a:pPr>
+            <a:r>
+              <a:rPr lang="en-US" sz="2400" dirty="0">
+                <a:latin typeface="Calibri" panose="020F0502020204030204" pitchFamily="34" charset="0"/>
+              </a:rPr>
+              <a:t>Reports can include</a:t>
+            </a:r>
+            <a:r>
+              <a:rPr lang="en-US" sz="2400" dirty="0">
+                <a:effectLst/>
+                <a:latin typeface="Calibri" panose="020F0502020204030204" pitchFamily="34" charset="0"/>
+              </a:rPr>
+              <a:t> the actual SQL statements performed</a:t>
+            </a:r>
+          </a:p>
+          <a:p>
+            <a:pPr rtl="0" fontAlgn="ctr">
+              <a:spcBef>
+                <a:spcPts val="0"/>
+              </a:spcBef>
+              <a:spcAft>
+                <a:spcPts val="0"/>
+              </a:spcAft>
+              <a:buFont typeface="Arial" panose="020B0604020202020204" pitchFamily="34" charset="0"/>
+              <a:buChar char="•"/>
+            </a:pPr>
+            <a:endParaRPr lang="en-US" sz="2800" dirty="0">
+              <a:effectLst/>
+              <a:latin typeface="Calibri" panose="020F0502020204030204" pitchFamily="34" charset="0"/>
+            </a:endParaRPr>
+          </a:p>
+        </p:txBody>
+      </p:sp>
+      <p:sp>
+        <p:nvSpPr>
+          <p:cNvPr id="4" name="Date Placeholder 3">
+            <a:extLst>
+              <a:ext uri="{FF2B5EF4-FFF2-40B4-BE49-F238E27FC236}">
+                <a16:creationId xmlns:a16="http://schemas.microsoft.com/office/drawing/2014/main" id="{0C329F70-04F7-4C70-BCF8-D4371F54EF2F}"/>
+              </a:ext>
+            </a:extLst>
+          </p:cNvPr>
+          <p:cNvSpPr>
+            <a:spLocks noGrp="1"/>
+          </p:cNvSpPr>
+          <p:nvPr>
+            <p:ph type="dt" sz="half" idx="10"/>
+          </p:nvPr>
+        </p:nvSpPr>
+        <p:spPr>
+          <a:xfrm>
+            <a:off x="550863" y="6507212"/>
+            <a:ext cx="2628900" cy="153888"/>
+          </a:xfrm>
+        </p:spPr>
+        <p:txBody>
+          <a:bodyPr/>
+          <a:lstStyle/>
+          <a:p>
+            <a:r>
+              <a:rPr lang="en-US" sz="1400" dirty="0"/>
+              <a:t>Saturday July 15, 2023</a:t>
+            </a:r>
+          </a:p>
+        </p:txBody>
+      </p:sp>
+      <p:sp>
+        <p:nvSpPr>
+          <p:cNvPr id="5" name="Footer Placeholder 4">
+            <a:extLst>
+              <a:ext uri="{FF2B5EF4-FFF2-40B4-BE49-F238E27FC236}">
+                <a16:creationId xmlns:a16="http://schemas.microsoft.com/office/drawing/2014/main" id="{06A3302E-502D-4151-81C9-5FD6AF9596D6}"/>
+              </a:ext>
+            </a:extLst>
+          </p:cNvPr>
+          <p:cNvSpPr>
+            <a:spLocks noGrp="1"/>
+          </p:cNvSpPr>
+          <p:nvPr>
+            <p:ph type="ftr" sz="quarter" idx="11"/>
+          </p:nvPr>
+        </p:nvSpPr>
+        <p:spPr>
+          <a:xfrm>
+            <a:off x="3359150" y="6507212"/>
+            <a:ext cx="6379210" cy="153888"/>
+          </a:xfrm>
+        </p:spPr>
+        <p:txBody>
+          <a:bodyPr/>
+          <a:lstStyle/>
+          <a:p>
+            <a:r>
+              <a:rPr lang="en-US" sz="1400" dirty="0"/>
+              <a:t>Columbus SQL Saturday</a:t>
+            </a:r>
+          </a:p>
+        </p:txBody>
+      </p:sp>
+      <p:sp>
+        <p:nvSpPr>
+          <p:cNvPr id="6" name="Slide Number Placeholder 5">
+            <a:extLst>
+              <a:ext uri="{FF2B5EF4-FFF2-40B4-BE49-F238E27FC236}">
+                <a16:creationId xmlns:a16="http://schemas.microsoft.com/office/drawing/2014/main" id="{9ED907F8-C614-4D59-A03F-BF9CD5E35703}"/>
+              </a:ext>
+            </a:extLst>
+          </p:cNvPr>
+          <p:cNvSpPr>
+            <a:spLocks noGrp="1"/>
+          </p:cNvSpPr>
+          <p:nvPr>
+            <p:ph type="sldNum" sz="quarter" idx="12"/>
+          </p:nvPr>
+        </p:nvSpPr>
+        <p:spPr>
+          <a:xfrm>
+            <a:off x="9948863" y="6507212"/>
+            <a:ext cx="1692274" cy="153888"/>
+          </a:xfrm>
+        </p:spPr>
+        <p:txBody>
+          <a:bodyPr/>
+          <a:lstStyle/>
+          <a:p>
+            <a:fld id="{DBA1B0FB-D917-4C8C-928F-313BD683BF39}" type="slidenum">
+              <a:rPr lang="en-US" sz="1400" smtClean="0"/>
+              <a:pPr/>
+              <a:t>8</a:t>
+            </a:fld>
+            <a:endParaRPr lang="en-US" sz="1400"/>
+          </a:p>
+        </p:txBody>
+      </p:sp>
+      <p:sp>
+        <p:nvSpPr>
+          <p:cNvPr id="22" name="Freeform: Shape 21">
+            <a:extLst>
+              <a:ext uri="{FF2B5EF4-FFF2-40B4-BE49-F238E27FC236}">
+                <a16:creationId xmlns:a16="http://schemas.microsoft.com/office/drawing/2014/main" id="{C6F3814E-455F-456B-B1AF-7B993965A2C0}"/>
+              </a:ext>
+              <a:ext uri="{C183D7F6-B498-43B3-948B-1728B52AA6E4}">
+                <adec:decorative xmlns:adec="http://schemas.microsoft.com/office/drawing/2017/decorative" val="1"/>
+              </a:ext>
+            </a:extLst>
+          </p:cNvPr>
+          <p:cNvSpPr>
+            <a:spLocks noChangeAspect="1"/>
+          </p:cNvSpPr>
+          <p:nvPr/>
+        </p:nvSpPr>
+        <p:spPr>
+          <a:xfrm>
+            <a:off x="4295775" y="0"/>
+            <a:ext cx="360000" cy="274638"/>
+          </a:xfrm>
+          <a:custGeom>
+            <a:avLst/>
+            <a:gdLst>
+              <a:gd name="connsiteX0" fmla="*/ 30714 w 360000"/>
+              <a:gd name="connsiteY0" fmla="*/ 0 h 274638"/>
+              <a:gd name="connsiteX1" fmla="*/ 329286 w 360000"/>
+              <a:gd name="connsiteY1" fmla="*/ 0 h 274638"/>
+              <a:gd name="connsiteX2" fmla="*/ 345855 w 360000"/>
+              <a:gd name="connsiteY2" fmla="*/ 24574 h 274638"/>
+              <a:gd name="connsiteX3" fmla="*/ 360000 w 360000"/>
+              <a:gd name="connsiteY3" fmla="*/ 94638 h 274638"/>
+              <a:gd name="connsiteX4" fmla="*/ 180000 w 360000"/>
+              <a:gd name="connsiteY4" fmla="*/ 274638 h 274638"/>
+              <a:gd name="connsiteX5" fmla="*/ 0 w 360000"/>
+              <a:gd name="connsiteY5" fmla="*/ 94638 h 274638"/>
+              <a:gd name="connsiteX6" fmla="*/ 14145 w 360000"/>
+              <a:gd name="connsiteY6" fmla="*/ 24574 h 274638"/>
+            </a:gdLst>
+            <a:ahLst/>
+            <a:cxnLst>
+              <a:cxn ang="0">
+                <a:pos x="connsiteX0" y="connsiteY0"/>
+              </a:cxn>
+              <a:cxn ang="0">
+                <a:pos x="connsiteX1" y="connsiteY1"/>
+              </a:cxn>
+              <a:cxn ang="0">
+                <a:pos x="connsiteX2" y="connsiteY2"/>
+              </a:cxn>
+              <a:cxn ang="0">
+                <a:pos x="connsiteX3" y="connsiteY3"/>
+              </a:cxn>
+              <a:cxn ang="0">
+                <a:pos x="connsiteX4" y="connsiteY4"/>
+              </a:cxn>
+              <a:cxn ang="0">
+                <a:pos x="connsiteX5" y="connsiteY5"/>
+              </a:cxn>
+              <a:cxn ang="0">
+                <a:pos x="connsiteX6" y="connsiteY6"/>
+              </a:cxn>
+            </a:cxnLst>
+            <a:rect l="l" t="t" r="r" b="b"/>
+            <a:pathLst>
+              <a:path w="360000" h="274638">
+                <a:moveTo>
+                  <a:pt x="30714" y="0"/>
+                </a:moveTo>
+                <a:lnTo>
+                  <a:pt x="329286" y="0"/>
+                </a:lnTo>
+                <a:lnTo>
+                  <a:pt x="345855" y="24574"/>
+                </a:lnTo>
+                <a:cubicBezTo>
+                  <a:pt x="354963" y="46109"/>
+                  <a:pt x="360000" y="69785"/>
+                  <a:pt x="360000" y="94638"/>
+                </a:cubicBezTo>
+                <a:cubicBezTo>
+                  <a:pt x="360000" y="194049"/>
+                  <a:pt x="279411" y="274638"/>
+                  <a:pt x="180000" y="274638"/>
+                </a:cubicBezTo>
+                <a:cubicBezTo>
+                  <a:pt x="80589" y="274638"/>
+                  <a:pt x="0" y="194049"/>
+                  <a:pt x="0" y="94638"/>
+                </a:cubicBezTo>
+                <a:cubicBezTo>
+                  <a:pt x="0" y="69785"/>
+                  <a:pt x="5037" y="46109"/>
+                  <a:pt x="14145" y="24574"/>
+                </a:cubicBezTo>
+                <a:close/>
+              </a:path>
+            </a:pathLst>
+          </a:custGeom>
+          <a:gradFill flip="none" rotWithShape="1">
+            <a:gsLst>
+              <a:gs pos="100000">
+                <a:schemeClr val="bg2">
+                  <a:lumMod val="50000"/>
+                  <a:lumOff val="50000"/>
+                </a:schemeClr>
+              </a:gs>
+              <a:gs pos="60000">
+                <a:schemeClr val="bg2"/>
+              </a:gs>
+            </a:gsLst>
+            <a:path path="circle">
+              <a:fillToRect l="100000" b="100000"/>
+            </a:path>
+            <a:tileRect t="-100000" r="-100000"/>
+          </a:gradFill>
+          <a:ln>
+            <a:noFill/>
+          </a:ln>
+          <a:effectLst>
+            <a:innerShdw blurRad="127000" dist="63500" dir="2700000">
+              <a:schemeClr val="accent1">
+                <a:lumMod val="60000"/>
+                <a:lumOff val="40000"/>
+                <a:alpha val="20000"/>
+              </a:schemeClr>
+            </a:innerShdw>
+            <a:softEdge rad="0"/>
+          </a:effectLst>
+        </p:spPr>
+        <p:style>
+          <a:lnRef idx="2">
+            <a:schemeClr val="accent1">
+              <a:shade val="50000"/>
+            </a:schemeClr>
+          </a:lnRef>
+          <a:fillRef idx="1">
+            <a:schemeClr val="accent1"/>
+          </a:fillRef>
+          <a:effectRef idx="0">
+            <a:schemeClr val="accent1"/>
+          </a:effectRef>
+          <a:fontRef idx="minor">
+            <a:schemeClr val="lt1"/>
+          </a:fontRef>
+        </p:style>
+        <p:txBody>
+          <a:bodyPr rot="0" spcFirstLastPara="0" vertOverflow="overflow" horzOverflow="overflow" vert="horz" wrap="square" lIns="91440" tIns="45720" rIns="91440" bIns="45720" numCol="1" spcCol="0" rtlCol="0" fromWordArt="0" anchor="ctr" anchorCtr="0" forceAA="0" compatLnSpc="1">
+            <a:prstTxWarp prst="textNoShape">
+              <a:avLst/>
+            </a:prstTxWarp>
+            <a:noAutofit/>
+          </a:bodyPr>
+          <a:lstStyle/>
+          <a:p>
+            <a:pPr algn="ctr"/>
+            <a:endParaRPr lang="en-US"/>
+          </a:p>
+        </p:txBody>
+      </p:sp>
+    </p:spTree>
+    <p:extLst>
+      <p:ext uri="{BB962C8B-B14F-4D97-AF65-F5344CB8AC3E}">
+        <p14:creationId xmlns:p14="http://schemas.microsoft.com/office/powerpoint/2010/main" val="359565232"/>
       </p:ext>
     </p:extLst>
   </p:cSld>
@@ -20187,12 +21533,340 @@
           <a:chExt cx="0" cy="0"/>
         </a:xfrm>
       </p:grpSpPr>
-      <p:sp>
-        <p:nvSpPr>
-          <p:cNvPr id="11" name="Title 10">
+      <p:grpSp>
+        <p:nvGrpSpPr>
+          <p:cNvPr id="25" name="Group 24">
             <a:extLst>
               <a:ext uri="{FF2B5EF4-FFF2-40B4-BE49-F238E27FC236}">
-                <a16:creationId xmlns:a16="http://schemas.microsoft.com/office/drawing/2014/main" id="{581E8936-2270-47FE-94A4-398CB123EF90}"/>
+                <a16:creationId xmlns:a16="http://schemas.microsoft.com/office/drawing/2014/main" id="{D10F3D66-0109-4903-90B9-66D0E288F721}"/>
+              </a:ext>
+              <a:ext uri="{C183D7F6-B498-43B3-948B-1728B52AA6E4}">
+                <adec:decorative xmlns:adec="http://schemas.microsoft.com/office/drawing/2017/decorative" val="1"/>
+              </a:ext>
+            </a:extLst>
+          </p:cNvPr>
+          <p:cNvGrpSpPr/>
+          <p:nvPr/>
+        </p:nvGrpSpPr>
+        <p:grpSpPr>
+          <a:xfrm>
+            <a:off x="10379261" y="2030035"/>
+            <a:ext cx="1335600" cy="1262947"/>
+            <a:chOff x="10145015" y="2343978"/>
+            <a:chExt cx="1335600" cy="1262947"/>
+          </a:xfrm>
+        </p:grpSpPr>
+        <p:sp>
+          <p:nvSpPr>
+            <p:cNvPr id="26" name="Freeform: Shape 25">
+              <a:extLst>
+                <a:ext uri="{FF2B5EF4-FFF2-40B4-BE49-F238E27FC236}">
+                  <a16:creationId xmlns:a16="http://schemas.microsoft.com/office/drawing/2014/main" id="{57DAB968-9B52-4EFF-AD39-7657DFEA6E48}"/>
+                </a:ext>
+              </a:extLst>
+            </p:cNvPr>
+            <p:cNvSpPr>
+              <a:spLocks noChangeAspect="1"/>
+            </p:cNvSpPr>
+            <p:nvPr/>
+          </p:nvSpPr>
+          <p:spPr>
+            <a:xfrm rot="8100000">
+              <a:off x="10400615" y="2343978"/>
+              <a:ext cx="1080000" cy="1262947"/>
+            </a:xfrm>
+            <a:custGeom>
+              <a:avLst/>
+              <a:gdLst>
+                <a:gd name="connsiteX0" fmla="*/ 540000 w 1080000"/>
+                <a:gd name="connsiteY0" fmla="*/ 0 h 1262947"/>
+                <a:gd name="connsiteX1" fmla="*/ 1080000 w 1080000"/>
+                <a:gd name="connsiteY1" fmla="*/ 931034 h 1262947"/>
+                <a:gd name="connsiteX2" fmla="*/ 1064374 w 1080000"/>
+                <a:gd name="connsiteY2" fmla="*/ 931034 h 1262947"/>
+                <a:gd name="connsiteX3" fmla="*/ 1069029 w 1080000"/>
+                <a:gd name="connsiteY3" fmla="*/ 938533 h 1262947"/>
+                <a:gd name="connsiteX4" fmla="*/ 1080000 w 1080000"/>
+                <a:gd name="connsiteY4" fmla="*/ 992947 h 1262947"/>
+                <a:gd name="connsiteX5" fmla="*/ 540000 w 1080000"/>
+                <a:gd name="connsiteY5" fmla="*/ 1262947 h 1262947"/>
+                <a:gd name="connsiteX6" fmla="*/ 0 w 1080000"/>
+                <a:gd name="connsiteY6" fmla="*/ 992947 h 1262947"/>
+                <a:gd name="connsiteX7" fmla="*/ 10971 w 1080000"/>
+                <a:gd name="connsiteY7" fmla="*/ 938533 h 1262947"/>
+                <a:gd name="connsiteX8" fmla="*/ 15626 w 1080000"/>
+                <a:gd name="connsiteY8" fmla="*/ 931034 h 1262947"/>
+                <a:gd name="connsiteX9" fmla="*/ 0 w 1080000"/>
+                <a:gd name="connsiteY9" fmla="*/ 931034 h 1262947"/>
+                <a:gd name="connsiteX0" fmla="*/ 540000 w 1080000"/>
+                <a:gd name="connsiteY0" fmla="*/ 0 h 1262947"/>
+                <a:gd name="connsiteX1" fmla="*/ 1080000 w 1080000"/>
+                <a:gd name="connsiteY1" fmla="*/ 931034 h 1262947"/>
+                <a:gd name="connsiteX2" fmla="*/ 1064374 w 1080000"/>
+                <a:gd name="connsiteY2" fmla="*/ 931034 h 1262947"/>
+                <a:gd name="connsiteX3" fmla="*/ 1069029 w 1080000"/>
+                <a:gd name="connsiteY3" fmla="*/ 938533 h 1262947"/>
+                <a:gd name="connsiteX4" fmla="*/ 1080000 w 1080000"/>
+                <a:gd name="connsiteY4" fmla="*/ 992947 h 1262947"/>
+                <a:gd name="connsiteX5" fmla="*/ 540000 w 1080000"/>
+                <a:gd name="connsiteY5" fmla="*/ 1262947 h 1262947"/>
+                <a:gd name="connsiteX6" fmla="*/ 0 w 1080000"/>
+                <a:gd name="connsiteY6" fmla="*/ 992947 h 1262947"/>
+                <a:gd name="connsiteX7" fmla="*/ 10971 w 1080000"/>
+                <a:gd name="connsiteY7" fmla="*/ 938533 h 1262947"/>
+                <a:gd name="connsiteX8" fmla="*/ 15626 w 1080000"/>
+                <a:gd name="connsiteY8" fmla="*/ 931034 h 1262947"/>
+                <a:gd name="connsiteX9" fmla="*/ 540000 w 1080000"/>
+                <a:gd name="connsiteY9" fmla="*/ 0 h 1262947"/>
+                <a:gd name="connsiteX0" fmla="*/ 540000 w 1080000"/>
+                <a:gd name="connsiteY0" fmla="*/ 0 h 1262947"/>
+                <a:gd name="connsiteX1" fmla="*/ 1064374 w 1080000"/>
+                <a:gd name="connsiteY1" fmla="*/ 931034 h 1262947"/>
+                <a:gd name="connsiteX2" fmla="*/ 1069029 w 1080000"/>
+                <a:gd name="connsiteY2" fmla="*/ 938533 h 1262947"/>
+                <a:gd name="connsiteX3" fmla="*/ 1080000 w 1080000"/>
+                <a:gd name="connsiteY3" fmla="*/ 992947 h 1262947"/>
+                <a:gd name="connsiteX4" fmla="*/ 540000 w 1080000"/>
+                <a:gd name="connsiteY4" fmla="*/ 1262947 h 1262947"/>
+                <a:gd name="connsiteX5" fmla="*/ 0 w 1080000"/>
+                <a:gd name="connsiteY5" fmla="*/ 992947 h 1262947"/>
+                <a:gd name="connsiteX6" fmla="*/ 10971 w 1080000"/>
+                <a:gd name="connsiteY6" fmla="*/ 938533 h 1262947"/>
+                <a:gd name="connsiteX7" fmla="*/ 15626 w 1080000"/>
+                <a:gd name="connsiteY7" fmla="*/ 931034 h 1262947"/>
+                <a:gd name="connsiteX8" fmla="*/ 540000 w 1080000"/>
+                <a:gd name="connsiteY8" fmla="*/ 0 h 1262947"/>
+              </a:gdLst>
+              <a:ahLst/>
+              <a:cxnLst>
+                <a:cxn ang="0">
+                  <a:pos x="connsiteX0" y="connsiteY0"/>
+                </a:cxn>
+                <a:cxn ang="0">
+                  <a:pos x="connsiteX1" y="connsiteY1"/>
+                </a:cxn>
+                <a:cxn ang="0">
+                  <a:pos x="connsiteX2" y="connsiteY2"/>
+                </a:cxn>
+                <a:cxn ang="0">
+                  <a:pos x="connsiteX3" y="connsiteY3"/>
+                </a:cxn>
+                <a:cxn ang="0">
+                  <a:pos x="connsiteX4" y="connsiteY4"/>
+                </a:cxn>
+                <a:cxn ang="0">
+                  <a:pos x="connsiteX5" y="connsiteY5"/>
+                </a:cxn>
+                <a:cxn ang="0">
+                  <a:pos x="connsiteX6" y="connsiteY6"/>
+                </a:cxn>
+                <a:cxn ang="0">
+                  <a:pos x="connsiteX7" y="connsiteY7"/>
+                </a:cxn>
+                <a:cxn ang="0">
+                  <a:pos x="connsiteX8" y="connsiteY8"/>
+                </a:cxn>
+              </a:cxnLst>
+              <a:rect l="l" t="t" r="r" b="b"/>
+              <a:pathLst>
+                <a:path w="1080000" h="1262947">
+                  <a:moveTo>
+                    <a:pt x="540000" y="0"/>
+                  </a:moveTo>
+                  <a:lnTo>
+                    <a:pt x="1064374" y="931034"/>
+                  </a:lnTo>
+                  <a:lnTo>
+                    <a:pt x="1069029" y="938533"/>
+                  </a:lnTo>
+                  <a:cubicBezTo>
+                    <a:pt x="1076223" y="956109"/>
+                    <a:pt x="1080000" y="974307"/>
+                    <a:pt x="1080000" y="992947"/>
+                  </a:cubicBezTo>
+                  <a:cubicBezTo>
+                    <a:pt x="1080000" y="1142064"/>
+                    <a:pt x="838234" y="1262947"/>
+                    <a:pt x="540000" y="1262947"/>
+                  </a:cubicBezTo>
+                  <a:cubicBezTo>
+                    <a:pt x="241766" y="1262947"/>
+                    <a:pt x="0" y="1142064"/>
+                    <a:pt x="0" y="992947"/>
+                  </a:cubicBezTo>
+                  <a:cubicBezTo>
+                    <a:pt x="0" y="974307"/>
+                    <a:pt x="3778" y="956109"/>
+                    <a:pt x="10971" y="938533"/>
+                  </a:cubicBezTo>
+                  <a:lnTo>
+                    <a:pt x="15626" y="931034"/>
+                  </a:lnTo>
+                  <a:lnTo>
+                    <a:pt x="540000" y="0"/>
+                  </a:lnTo>
+                  <a:close/>
+                </a:path>
+              </a:pathLst>
+            </a:custGeom>
+            <a:gradFill>
+              <a:gsLst>
+                <a:gs pos="60000">
+                  <a:schemeClr val="bg2">
+                    <a:lumMod val="90000"/>
+                    <a:lumOff val="10000"/>
+                  </a:schemeClr>
+                </a:gs>
+                <a:gs pos="30000">
+                  <a:schemeClr val="bg2">
+                    <a:lumMod val="90000"/>
+                    <a:lumOff val="10000"/>
+                  </a:schemeClr>
+                </a:gs>
+                <a:gs pos="40000">
+                  <a:schemeClr val="bg2">
+                    <a:lumMod val="80000"/>
+                    <a:lumOff val="20000"/>
+                  </a:schemeClr>
+                </a:gs>
+                <a:gs pos="100000">
+                  <a:schemeClr val="bg2"/>
+                </a:gs>
+              </a:gsLst>
+              <a:lin ang="600000" scaled="0"/>
+            </a:gradFill>
+            <a:ln>
+              <a:noFill/>
+            </a:ln>
+            <a:effectLst>
+              <a:innerShdw blurRad="254000" dist="101600" dir="7320000">
+                <a:schemeClr val="accent1">
+                  <a:lumMod val="60000"/>
+                  <a:lumOff val="40000"/>
+                  <a:alpha val="40000"/>
+                </a:schemeClr>
+              </a:innerShdw>
+            </a:effectLst>
+          </p:spPr>
+          <p:style>
+            <a:lnRef idx="2">
+              <a:schemeClr val="accent1">
+                <a:shade val="50000"/>
+              </a:schemeClr>
+            </a:lnRef>
+            <a:fillRef idx="1">
+              <a:schemeClr val="accent1"/>
+            </a:fillRef>
+            <a:effectRef idx="0">
+              <a:schemeClr val="accent1"/>
+            </a:effectRef>
+            <a:fontRef idx="minor">
+              <a:schemeClr val="lt1"/>
+            </a:fontRef>
+          </p:style>
+          <p:txBody>
+            <a:bodyPr rot="0" spcFirstLastPara="0" vertOverflow="overflow" horzOverflow="overflow" vert="horz" wrap="square" lIns="91440" tIns="45720" rIns="91440" bIns="45720" numCol="1" spcCol="0" rtlCol="0" fromWordArt="0" anchor="ctr" anchorCtr="0" forceAA="0" compatLnSpc="1">
+              <a:prstTxWarp prst="textNoShape">
+                <a:avLst/>
+              </a:prstTxWarp>
+              <a:noAutofit/>
+            </a:bodyPr>
+            <a:lstStyle/>
+            <a:p>
+              <a:pPr algn="ctr"/>
+              <a:endParaRPr lang="en-US"/>
+            </a:p>
+          </p:txBody>
+        </p:sp>
+        <p:sp>
+          <p:nvSpPr>
+            <p:cNvPr id="27" name="Oval 26">
+              <a:extLst>
+                <a:ext uri="{FF2B5EF4-FFF2-40B4-BE49-F238E27FC236}">
+                  <a16:creationId xmlns:a16="http://schemas.microsoft.com/office/drawing/2014/main" id="{962BE440-9634-4380-B142-5DB692420C52}"/>
+                </a:ext>
+              </a:extLst>
+            </p:cNvPr>
+            <p:cNvSpPr/>
+            <p:nvPr/>
+          </p:nvSpPr>
+          <p:spPr>
+            <a:xfrm rot="13500000">
+              <a:off x="10415015" y="2179851"/>
+              <a:ext cx="540000" cy="1080000"/>
+            </a:xfrm>
+            <a:prstGeom prst="ellipse">
+              <a:avLst/>
+            </a:prstGeom>
+            <a:gradFill>
+              <a:gsLst>
+                <a:gs pos="100000">
+                  <a:schemeClr val="accent1">
+                    <a:lumMod val="60000"/>
+                    <a:lumOff val="40000"/>
+                    <a:alpha val="0"/>
+                  </a:schemeClr>
+                </a:gs>
+                <a:gs pos="0">
+                  <a:schemeClr val="bg2">
+                    <a:lumMod val="75000"/>
+                    <a:lumOff val="25000"/>
+                    <a:alpha val="33000"/>
+                  </a:schemeClr>
+                </a:gs>
+              </a:gsLst>
+              <a:lin ang="5400000" scaled="0"/>
+            </a:gradFill>
+            <a:ln>
+              <a:noFill/>
+            </a:ln>
+            <a:effectLst>
+              <a:innerShdw blurRad="1270000" dist="2540000">
+                <a:schemeClr val="accent1">
+                  <a:lumMod val="60000"/>
+                  <a:lumOff val="40000"/>
+                  <a:alpha val="0"/>
+                </a:schemeClr>
+              </a:innerShdw>
+            </a:effectLst>
+          </p:spPr>
+          <p:style>
+            <a:lnRef idx="2">
+              <a:schemeClr val="accent1">
+                <a:shade val="50000"/>
+              </a:schemeClr>
+            </a:lnRef>
+            <a:fillRef idx="1">
+              <a:schemeClr val="accent1"/>
+            </a:fillRef>
+            <a:effectRef idx="0">
+              <a:schemeClr val="accent1"/>
+            </a:effectRef>
+            <a:fontRef idx="minor">
+              <a:schemeClr val="lt1"/>
+            </a:fontRef>
+          </p:style>
+          <p:txBody>
+            <a:bodyPr rot="0" spcFirstLastPara="0" vertOverflow="overflow" horzOverflow="overflow" vert="horz" wrap="square" lIns="91440" tIns="45720" rIns="91440" bIns="45720" numCol="1" spcCol="0" rtlCol="0" fromWordArt="0" anchor="ctr" anchorCtr="0" forceAA="0" compatLnSpc="1">
+              <a:prstTxWarp prst="textNoShape">
+                <a:avLst/>
+              </a:prstTxWarp>
+              <a:noAutofit/>
+            </a:bodyPr>
+            <a:lstStyle/>
+            <a:p>
+              <a:pPr algn="ctr"/>
+              <a:endParaRPr lang="en-US"/>
+            </a:p>
+          </p:txBody>
+        </p:sp>
+      </p:grpSp>
+      <p:sp>
+        <p:nvSpPr>
+          <p:cNvPr id="7" name="Title 6">
+            <a:extLst>
+              <a:ext uri="{FF2B5EF4-FFF2-40B4-BE49-F238E27FC236}">
+                <a16:creationId xmlns:a16="http://schemas.microsoft.com/office/drawing/2014/main" id="{4B18D636-CC10-4B1E-AA38-419DCCF2D9C9}"/>
               </a:ext>
             </a:extLst>
           </p:cNvPr>
@@ -20205,75 +21879,31 @@
         </p:nvSpPr>
         <p:spPr>
           <a:xfrm>
-            <a:off x="389977" y="473395"/>
-            <a:ext cx="4500562" cy="1562959"/>
-          </a:xfrm>
-        </p:spPr>
-        <p:txBody>
-          <a:bodyPr/>
-          <a:lstStyle/>
-          <a:p>
-            <a:r>
-              <a:rPr lang="en-US" dirty="0"/>
-              <a:t>Resources</a:t>
-            </a:r>
-          </a:p>
-        </p:txBody>
-      </p:sp>
-      <p:sp>
-        <p:nvSpPr>
-          <p:cNvPr id="13" name="Content Placeholder 12">
-            <a:extLst>
-              <a:ext uri="{FF2B5EF4-FFF2-40B4-BE49-F238E27FC236}">
-                <a16:creationId xmlns:a16="http://schemas.microsoft.com/office/drawing/2014/main" id="{C0287FEC-3826-4868-8D93-52429C6156F5}"/>
-              </a:ext>
-            </a:extLst>
-          </p:cNvPr>
-          <p:cNvSpPr>
-            <a:spLocks noGrp="1"/>
-          </p:cNvSpPr>
-          <p:nvPr>
-            <p:ph sz="quarter" idx="15"/>
-          </p:nvPr>
-        </p:nvSpPr>
-        <p:spPr>
-          <a:xfrm>
-            <a:off x="389976" y="2332138"/>
-            <a:ext cx="11597891" cy="3842159"/>
+            <a:off x="543586" y="846454"/>
+            <a:ext cx="11097551" cy="772675"/>
           </a:xfrm>
         </p:spPr>
         <p:txBody>
           <a:bodyPr>
-            <a:normAutofit/>
+            <a:normAutofit fontScale="90000"/>
           </a:bodyPr>
           <a:lstStyle/>
           <a:p>
-            <a:r>
-              <a:rPr lang="en-US" sz="2800" dirty="0"/>
-              <a:t>SQL Server Developer Edition - Free Enterprise Level Single User Version</a:t>
-            </a:r>
-          </a:p>
-          <a:p>
-            <a:r>
-              <a:rPr lang="en-US" sz="2800" dirty="0"/>
-              <a:t>    https://www.microsoft.com/en-us/sql-server/sql-server-downloads</a:t>
-            </a:r>
-          </a:p>
-          <a:p>
-            <a:endParaRPr lang="en-US" sz="2800" dirty="0"/>
-          </a:p>
-          <a:p>
-            <a:r>
-              <a:rPr lang="en-US" sz="2800" dirty="0"/>
-              <a:t>AdventureWorks2012 Sample Database - used in demos</a:t>
-            </a:r>
-          </a:p>
-          <a:p>
-            <a:r>
-              <a:rPr lang="en-US" sz="2800" dirty="0"/>
-              <a:t> https://learn.microsoft.com/en-us/sql/samples/adventureworks-install-configure?view=sql-server-ver16&amp;tabs=ssms</a:t>
-            </a:r>
-            <a:endParaRPr lang="en-US" sz="1800" dirty="0"/>
+            <a:pPr algn="ctr"/>
+            <a:r>
+              <a:rPr lang="en-US" dirty="0"/>
+              <a:t>DEMOS !!</a:t>
+            </a:r>
+            <a:br>
+              <a:rPr lang="en-US" dirty="0"/>
+            </a:br>
+            <a:br>
+              <a:rPr lang="en-US" dirty="0"/>
+            </a:br>
+            <a:r>
+              <a:rPr lang="en-US" dirty="0"/>
+              <a:t>Least Privilege Practices</a:t>
+            </a:r>
           </a:p>
         </p:txBody>
       </p:sp>
@@ -20305,7 +21935,7 @@
           <a:p>
             <a:r>
               <a:rPr lang="en-US" sz="1400" dirty="0"/>
-              <a:t>Saturday March 25, 2023</a:t>
+              <a:t>Saturday July 15, 2023</a:t>
             </a:r>
           </a:p>
         </p:txBody>
@@ -20338,7 +21968,7 @@
           <a:p>
             <a:r>
               <a:rPr lang="en-US" sz="1400" dirty="0"/>
-              <a:t>Orlando Code Camp</a:t>
+              <a:t>Columbus SQL Saturday</a:t>
             </a:r>
           </a:p>
         </p:txBody>
@@ -20378,10 +22008,282 @@
           </a:p>
         </p:txBody>
       </p:sp>
+      <p:sp>
+        <p:nvSpPr>
+          <p:cNvPr id="22" name="Freeform: Shape 21">
+            <a:extLst>
+              <a:ext uri="{FF2B5EF4-FFF2-40B4-BE49-F238E27FC236}">
+                <a16:creationId xmlns:a16="http://schemas.microsoft.com/office/drawing/2014/main" id="{C6F3814E-455F-456B-B1AF-7B993965A2C0}"/>
+              </a:ext>
+              <a:ext uri="{C183D7F6-B498-43B3-948B-1728B52AA6E4}">
+                <adec:decorative xmlns:adec="http://schemas.microsoft.com/office/drawing/2017/decorative" val="1"/>
+              </a:ext>
+            </a:extLst>
+          </p:cNvPr>
+          <p:cNvSpPr>
+            <a:spLocks noChangeAspect="1"/>
+          </p:cNvSpPr>
+          <p:nvPr/>
+        </p:nvSpPr>
+        <p:spPr>
+          <a:xfrm>
+            <a:off x="4295775" y="0"/>
+            <a:ext cx="360000" cy="274638"/>
+          </a:xfrm>
+          <a:custGeom>
+            <a:avLst/>
+            <a:gdLst>
+              <a:gd name="connsiteX0" fmla="*/ 30714 w 360000"/>
+              <a:gd name="connsiteY0" fmla="*/ 0 h 274638"/>
+              <a:gd name="connsiteX1" fmla="*/ 329286 w 360000"/>
+              <a:gd name="connsiteY1" fmla="*/ 0 h 274638"/>
+              <a:gd name="connsiteX2" fmla="*/ 345855 w 360000"/>
+              <a:gd name="connsiteY2" fmla="*/ 24574 h 274638"/>
+              <a:gd name="connsiteX3" fmla="*/ 360000 w 360000"/>
+              <a:gd name="connsiteY3" fmla="*/ 94638 h 274638"/>
+              <a:gd name="connsiteX4" fmla="*/ 180000 w 360000"/>
+              <a:gd name="connsiteY4" fmla="*/ 274638 h 274638"/>
+              <a:gd name="connsiteX5" fmla="*/ 0 w 360000"/>
+              <a:gd name="connsiteY5" fmla="*/ 94638 h 274638"/>
+              <a:gd name="connsiteX6" fmla="*/ 14145 w 360000"/>
+              <a:gd name="connsiteY6" fmla="*/ 24574 h 274638"/>
+            </a:gdLst>
+            <a:ahLst/>
+            <a:cxnLst>
+              <a:cxn ang="0">
+                <a:pos x="connsiteX0" y="connsiteY0"/>
+              </a:cxn>
+              <a:cxn ang="0">
+                <a:pos x="connsiteX1" y="connsiteY1"/>
+              </a:cxn>
+              <a:cxn ang="0">
+                <a:pos x="connsiteX2" y="connsiteY2"/>
+              </a:cxn>
+              <a:cxn ang="0">
+                <a:pos x="connsiteX3" y="connsiteY3"/>
+              </a:cxn>
+              <a:cxn ang="0">
+                <a:pos x="connsiteX4" y="connsiteY4"/>
+              </a:cxn>
+              <a:cxn ang="0">
+                <a:pos x="connsiteX5" y="connsiteY5"/>
+              </a:cxn>
+              <a:cxn ang="0">
+                <a:pos x="connsiteX6" y="connsiteY6"/>
+              </a:cxn>
+            </a:cxnLst>
+            <a:rect l="l" t="t" r="r" b="b"/>
+            <a:pathLst>
+              <a:path w="360000" h="274638">
+                <a:moveTo>
+                  <a:pt x="30714" y="0"/>
+                </a:moveTo>
+                <a:lnTo>
+                  <a:pt x="329286" y="0"/>
+                </a:lnTo>
+                <a:lnTo>
+                  <a:pt x="345855" y="24574"/>
+                </a:lnTo>
+                <a:cubicBezTo>
+                  <a:pt x="354963" y="46109"/>
+                  <a:pt x="360000" y="69785"/>
+                  <a:pt x="360000" y="94638"/>
+                </a:cubicBezTo>
+                <a:cubicBezTo>
+                  <a:pt x="360000" y="194049"/>
+                  <a:pt x="279411" y="274638"/>
+                  <a:pt x="180000" y="274638"/>
+                </a:cubicBezTo>
+                <a:cubicBezTo>
+                  <a:pt x="80589" y="274638"/>
+                  <a:pt x="0" y="194049"/>
+                  <a:pt x="0" y="94638"/>
+                </a:cubicBezTo>
+                <a:cubicBezTo>
+                  <a:pt x="0" y="69785"/>
+                  <a:pt x="5037" y="46109"/>
+                  <a:pt x="14145" y="24574"/>
+                </a:cubicBezTo>
+                <a:close/>
+              </a:path>
+            </a:pathLst>
+          </a:custGeom>
+          <a:gradFill flip="none" rotWithShape="1">
+            <a:gsLst>
+              <a:gs pos="100000">
+                <a:schemeClr val="bg2">
+                  <a:lumMod val="50000"/>
+                  <a:lumOff val="50000"/>
+                </a:schemeClr>
+              </a:gs>
+              <a:gs pos="60000">
+                <a:schemeClr val="bg2"/>
+              </a:gs>
+            </a:gsLst>
+            <a:path path="circle">
+              <a:fillToRect l="100000" b="100000"/>
+            </a:path>
+            <a:tileRect t="-100000" r="-100000"/>
+          </a:gradFill>
+          <a:ln>
+            <a:noFill/>
+          </a:ln>
+          <a:effectLst>
+            <a:innerShdw blurRad="127000" dist="63500" dir="2700000">
+              <a:schemeClr val="accent1">
+                <a:lumMod val="60000"/>
+                <a:lumOff val="40000"/>
+                <a:alpha val="20000"/>
+              </a:schemeClr>
+            </a:innerShdw>
+            <a:softEdge rad="0"/>
+          </a:effectLst>
+        </p:spPr>
+        <p:style>
+          <a:lnRef idx="2">
+            <a:schemeClr val="accent1">
+              <a:shade val="50000"/>
+            </a:schemeClr>
+          </a:lnRef>
+          <a:fillRef idx="1">
+            <a:schemeClr val="accent1"/>
+          </a:fillRef>
+          <a:effectRef idx="0">
+            <a:schemeClr val="accent1"/>
+          </a:effectRef>
+          <a:fontRef idx="minor">
+            <a:schemeClr val="lt1"/>
+          </a:fontRef>
+        </p:style>
+        <p:txBody>
+          <a:bodyPr rot="0" spcFirstLastPara="0" vertOverflow="overflow" horzOverflow="overflow" vert="horz" wrap="square" lIns="91440" tIns="45720" rIns="91440" bIns="45720" numCol="1" spcCol="0" rtlCol="0" fromWordArt="0" anchor="ctr" anchorCtr="0" forceAA="0" compatLnSpc="1">
+            <a:prstTxWarp prst="textNoShape">
+              <a:avLst/>
+            </a:prstTxWarp>
+            <a:noAutofit/>
+          </a:bodyPr>
+          <a:lstStyle/>
+          <a:p>
+            <a:pPr algn="ctr"/>
+            <a:endParaRPr lang="en-US"/>
+          </a:p>
+        </p:txBody>
+      </p:sp>
+      <p:sp>
+        <p:nvSpPr>
+          <p:cNvPr id="3" name="Content Placeholder 9">
+            <a:extLst>
+              <a:ext uri="{FF2B5EF4-FFF2-40B4-BE49-F238E27FC236}">
+                <a16:creationId xmlns:a16="http://schemas.microsoft.com/office/drawing/2014/main" id="{55BC838F-7D25-245D-A257-0556FD699AA8}"/>
+              </a:ext>
+            </a:extLst>
+          </p:cNvPr>
+          <p:cNvSpPr>
+            <a:spLocks noGrp="1"/>
+          </p:cNvSpPr>
+          <p:nvPr>
+            <p:ph sz="half" idx="2"/>
+          </p:nvPr>
+        </p:nvSpPr>
+        <p:spPr>
+          <a:xfrm>
+            <a:off x="550863" y="3168407"/>
+            <a:ext cx="11090274" cy="2810372"/>
+          </a:xfrm>
+        </p:spPr>
+        <p:txBody>
+          <a:bodyPr/>
+          <a:lstStyle/>
+          <a:p>
+            <a:pPr marL="0" indent="0" rtl="0" fontAlgn="ctr">
+              <a:spcBef>
+                <a:spcPts val="0"/>
+              </a:spcBef>
+              <a:spcAft>
+                <a:spcPts val="0"/>
+              </a:spcAft>
+              <a:buNone/>
+            </a:pPr>
+            <a:r>
+              <a:rPr lang="en-US" sz="2800" dirty="0">
+                <a:effectLst/>
+                <a:latin typeface="Calibri" panose="020F0502020204030204" pitchFamily="34" charset="0"/>
+              </a:rPr>
+              <a:t>You can practice these demos yourself on any Windows laptop or PC</a:t>
+            </a:r>
+            <a:br>
+              <a:rPr lang="en-US" sz="2800" dirty="0">
+                <a:effectLst/>
+                <a:latin typeface="Calibri" panose="020F0502020204030204" pitchFamily="34" charset="0"/>
+              </a:rPr>
+            </a:br>
+            <a:r>
+              <a:rPr lang="en-US" sz="2800" dirty="0">
+                <a:effectLst/>
+                <a:latin typeface="Calibri" panose="020F0502020204030204" pitchFamily="34" charset="0"/>
+              </a:rPr>
+              <a:t>using SQL Server Developer Edition. </a:t>
+            </a:r>
+            <a:r>
+              <a:rPr lang="en-US" sz="2800" dirty="0">
+                <a:latin typeface="Calibri" panose="020F0502020204030204" pitchFamily="34" charset="0"/>
+              </a:rPr>
+              <a:t>Available for each major release.</a:t>
+            </a:r>
+            <a:endParaRPr lang="en-US" sz="2800" dirty="0">
+              <a:effectLst/>
+              <a:latin typeface="Calibri" panose="020F0502020204030204" pitchFamily="34" charset="0"/>
+            </a:endParaRPr>
+          </a:p>
+          <a:p>
+            <a:pPr rtl="0" fontAlgn="ctr">
+              <a:spcBef>
+                <a:spcPts val="0"/>
+              </a:spcBef>
+              <a:spcAft>
+                <a:spcPts val="0"/>
+              </a:spcAft>
+              <a:buFont typeface="Arial" panose="020B0604020202020204" pitchFamily="34" charset="0"/>
+              <a:buChar char="•"/>
+            </a:pPr>
+            <a:endParaRPr lang="en-US" sz="2800" dirty="0">
+              <a:latin typeface="Calibri" panose="020F0502020204030204" pitchFamily="34" charset="0"/>
+            </a:endParaRPr>
+          </a:p>
+          <a:p>
+            <a:pPr marL="0" indent="0" rtl="0" fontAlgn="ctr">
+              <a:spcBef>
+                <a:spcPts val="0"/>
+              </a:spcBef>
+              <a:spcAft>
+                <a:spcPts val="0"/>
+              </a:spcAft>
+              <a:buNone/>
+            </a:pPr>
+            <a:r>
+              <a:rPr lang="en-US" sz="2800" dirty="0">
+                <a:effectLst/>
+                <a:latin typeface="Calibri" panose="020F0502020204030204" pitchFamily="34" charset="0"/>
+              </a:rPr>
+              <a:t>SQL Server Developer Edition is a free single user version of the full corporate Enterprise edition with all features enabled.</a:t>
+            </a:r>
+            <a:br>
+              <a:rPr lang="en-US" sz="2800" dirty="0">
+                <a:effectLst/>
+                <a:latin typeface="Calibri" panose="020F0502020204030204" pitchFamily="34" charset="0"/>
+              </a:rPr>
+            </a:br>
+            <a:endParaRPr lang="en-US" sz="2800" dirty="0">
+              <a:effectLst/>
+              <a:latin typeface="Calibri" panose="020F0502020204030204" pitchFamily="34" charset="0"/>
+            </a:endParaRPr>
+          </a:p>
+        </p:txBody>
+      </p:sp>
     </p:spTree>
     <p:extLst>
       <p:ext uri="{BB962C8B-B14F-4D97-AF65-F5344CB8AC3E}">
-        <p14:creationId xmlns:p14="http://schemas.microsoft.com/office/powerpoint/2010/main" val="3441738824"/>
+        <p14:creationId xmlns:p14="http://schemas.microsoft.com/office/powerpoint/2010/main" val="4122103672"/>
       </p:ext>
     </p:extLst>
   </p:cSld>
@@ -21183,6 +23085,24 @@
 </file>
 
 <file path=customXml/item1.xml><?xml version="1.0" encoding="utf-8"?>
+<?mso-contentType ?>
+<FormTemplates xmlns="http://schemas.microsoft.com/sharepoint/v3/contenttype/forms">
+  <Display>DocumentLibraryForm</Display>
+  <Edit>DocumentLibraryForm</Edit>
+  <New>DocumentLibraryForm</New>
+</FormTemplates>
+</file>
+
+<file path=customXml/item2.xml><?xml version="1.0" encoding="utf-8"?>
+<p:properties xmlns:p="http://schemas.microsoft.com/office/2006/metadata/properties" xmlns:xsi="http://www.w3.org/2001/XMLSchema-instance" xmlns:pc="http://schemas.microsoft.com/office/infopath/2007/PartnerControls">
+  <documentManagement>
+    <MediaServiceKeyPoints xmlns="601b033e-84b8-48ba-8dd0-f45aa126699f" xsi:nil="true"/>
+    <_activity xmlns="601b033e-84b8-48ba-8dd0-f45aa126699f" xsi:nil="true"/>
+  </documentManagement>
+</p:properties>
+</file>
+
+<file path=customXml/item3.xml><?xml version="1.0" encoding="utf-8"?>
 <ct:contentTypeSchema xmlns:ct="http://schemas.microsoft.com/office/2006/metadata/contentType" xmlns:ma="http://schemas.microsoft.com/office/2006/metadata/properties/metaAttributes" ct:_="" ma:_="" ma:contentTypeName="Document" ma:contentTypeID="0x0101009F1C14CB3932C94F89DB3564E341EFD4" ma:contentTypeVersion="17" ma:contentTypeDescription="Create a new document." ma:contentTypeScope="" ma:versionID="56b6d55f49d3ba74a222f1c2d163fa3a">
   <xsd:schema xmlns:xsd="http://www.w3.org/2001/XMLSchema" xmlns:xs="http://www.w3.org/2001/XMLSchema" xmlns:p="http://schemas.microsoft.com/office/2006/metadata/properties" xmlns:ns3="48eeaeee-a31f-468b-8d4d-5fc81e5d07d1" xmlns:ns4="601b033e-84b8-48ba-8dd0-f45aa126699f" targetNamespace="http://schemas.microsoft.com/office/2006/metadata/properties" ma:root="true" ma:fieldsID="c9d57f1a9eeeb771b9755ff7366a50e3" ns3:_="" ns4:_="">
     <xsd:import namespace="48eeaeee-a31f-468b-8d4d-5fc81e5d07d1"/>
@@ -21431,39 +23351,10 @@
 </ct:contentTypeSchema>
 </file>
 
-<file path=customXml/item2.xml><?xml version="1.0" encoding="utf-8"?>
-<p:properties xmlns:p="http://schemas.microsoft.com/office/2006/metadata/properties" xmlns:xsi="http://www.w3.org/2001/XMLSchema-instance" xmlns:pc="http://schemas.microsoft.com/office/infopath/2007/PartnerControls">
-  <documentManagement>
-    <MediaServiceKeyPoints xmlns="601b033e-84b8-48ba-8dd0-f45aa126699f" xsi:nil="true"/>
-    <_activity xmlns="601b033e-84b8-48ba-8dd0-f45aa126699f" xsi:nil="true"/>
-  </documentManagement>
-</p:properties>
-</file>
-
-<file path=customXml/item3.xml><?xml version="1.0" encoding="utf-8"?>
-<?mso-contentType ?>
-<FormTemplates xmlns="http://schemas.microsoft.com/sharepoint/v3/contenttype/forms">
-  <Display>DocumentLibraryForm</Display>
-  <Edit>DocumentLibraryForm</Edit>
-  <New>DocumentLibraryForm</New>
-</FormTemplates>
-</file>
-
 <file path=customXml/itemProps1.xml><?xml version="1.0" encoding="utf-8"?>
-<ds:datastoreItem xmlns:ds="http://schemas.openxmlformats.org/officeDocument/2006/customXml" ds:itemID="{95B76447-F23E-4B3E-91B7-7160A4052E4C}">
+<ds:datastoreItem xmlns:ds="http://schemas.openxmlformats.org/officeDocument/2006/customXml" ds:itemID="{904751AB-E840-446F-8D49-E697067EC887}">
   <ds:schemaRefs>
-    <ds:schemaRef ds:uri="http://schemas.microsoft.com/office/2006/metadata/contentType"/>
-    <ds:schemaRef ds:uri="http://schemas.microsoft.com/office/2006/metadata/properties/metaAttributes"/>
-    <ds:schemaRef ds:uri="http://www.w3.org/2001/XMLSchema"/>
-    <ds:schemaRef ds:uri="http://schemas.microsoft.com/office/2006/metadata/properties"/>
-    <ds:schemaRef ds:uri="48eeaeee-a31f-468b-8d4d-5fc81e5d07d1"/>
-    <ds:schemaRef ds:uri="601b033e-84b8-48ba-8dd0-f45aa126699f"/>
-    <ds:schemaRef ds:uri="http://schemas.microsoft.com/office/2006/documentManagement/types"/>
-    <ds:schemaRef ds:uri="http://schemas.microsoft.com/office/infopath/2007/PartnerControls"/>
-    <ds:schemaRef ds:uri="http://schemas.openxmlformats.org/package/2006/metadata/core-properties"/>
-    <ds:schemaRef ds:uri="http://purl.org/dc/elements/1.1/"/>
-    <ds:schemaRef ds:uri="http://purl.org/dc/terms/"/>
-    <ds:schemaRef ds:uri="http://schemas.microsoft.com/internal/obd"/>
+    <ds:schemaRef ds:uri="http://schemas.microsoft.com/sharepoint/v3/contenttype/forms"/>
   </ds:schemaRefs>
 </ds:datastoreItem>
 </file>
@@ -21486,9 +23377,20 @@
 </file>
 
 <file path=customXml/itemProps3.xml><?xml version="1.0" encoding="utf-8"?>
-<ds:datastoreItem xmlns:ds="http://schemas.openxmlformats.org/officeDocument/2006/customXml" ds:itemID="{904751AB-E840-446F-8D49-E697067EC887}">
+<ds:datastoreItem xmlns:ds="http://schemas.openxmlformats.org/officeDocument/2006/customXml" ds:itemID="{95B76447-F23E-4B3E-91B7-7160A4052E4C}">
   <ds:schemaRefs>
-    <ds:schemaRef ds:uri="http://schemas.microsoft.com/sharepoint/v3/contenttype/forms"/>
+    <ds:schemaRef ds:uri="http://schemas.microsoft.com/office/2006/metadata/contentType"/>
+    <ds:schemaRef ds:uri="http://schemas.microsoft.com/office/2006/metadata/properties/metaAttributes"/>
+    <ds:schemaRef ds:uri="http://www.w3.org/2001/XMLSchema"/>
+    <ds:schemaRef ds:uri="http://schemas.microsoft.com/office/2006/metadata/properties"/>
+    <ds:schemaRef ds:uri="48eeaeee-a31f-468b-8d4d-5fc81e5d07d1"/>
+    <ds:schemaRef ds:uri="601b033e-84b8-48ba-8dd0-f45aa126699f"/>
+    <ds:schemaRef ds:uri="http://schemas.microsoft.com/office/2006/documentManagement/types"/>
+    <ds:schemaRef ds:uri="http://schemas.microsoft.com/office/infopath/2007/PartnerControls"/>
+    <ds:schemaRef ds:uri="http://schemas.openxmlformats.org/package/2006/metadata/core-properties"/>
+    <ds:schemaRef ds:uri="http://purl.org/dc/elements/1.1/"/>
+    <ds:schemaRef ds:uri="http://purl.org/dc/terms/"/>
+    <ds:schemaRef ds:uri="http://schemas.microsoft.com/internal/obd"/>
   </ds:schemaRefs>
 </ds:datastoreItem>
 </file>

--- a/2023-07-Columbus/2023-07 SQL Server Security Columbus Version.pptx
+++ b/2023-07-Columbus/2023-07 SQL Server Security Columbus Version.pptx
@@ -246,7 +246,7 @@
           <a:p>
             <a:fld id="{C17F2C1D-F243-42AB-ADF2-E7CB4E04900E}" type="datetimeFigureOut">
               <a:rPr lang="en-US" smtClean="0"/>
-              <a:t>7/12/2023</a:t>
+              <a:t>7/15/2023</a:t>
             </a:fld>
             <a:endParaRPr lang="en-US"/>
           </a:p>
@@ -423,7 +423,7 @@
           <a:p>
             <a:fld id="{020CE34E-5667-4A32-A6BA-10C7A552BC63}" type="datetimeFigureOut">
               <a:rPr lang="en-US" smtClean="0"/>
-              <a:t>7/12/2023</a:t>
+              <a:t>7/15/2023</a:t>
             </a:fld>
             <a:endParaRPr lang="en-US"/>
           </a:p>
@@ -13837,19 +13837,26 @@
             </a:br>
             <a:r>
               <a:rPr lang="en-US" dirty="0"/>
-              <a:t>Dewpoint Inc.   Lansing MI </a:t>
-            </a:r>
-          </a:p>
-          <a:p>
-            <a:r>
-              <a:rPr lang="en-US" dirty="0"/>
-              <a:t>Senior Software Architect</a:t>
+              <a:t>Consultant</a:t>
             </a:r>
             <a:br>
               <a:rPr lang="en-US" dirty="0"/>
             </a:br>
             <a:r>
               <a:rPr lang="en-US" dirty="0"/>
+              <a:t>Dewpoint Inc.   Lansing MI</a:t>
+            </a:r>
+          </a:p>
+          <a:p>
+            <a:r>
+              <a:rPr lang="en-US" dirty="0"/>
+              <a:t>Senior Software Architect</a:t>
+            </a:r>
+            <a:br>
+              <a:rPr lang="en-US" dirty="0"/>
+            </a:br>
+            <a:r>
+              <a:rPr lang="en-US" dirty="0"/>
               <a:t>Data Architect</a:t>
             </a:r>
           </a:p>
@@ -13861,10 +13868,45 @@
           </a:p>
           <a:p>
             <a:r>
-              <a:rPr lang="en-US"/>
+              <a:rPr lang="en-US" dirty="0"/>
               <a:t>517-939-9970 mobile</a:t>
             </a:r>
-            <a:endParaRPr lang="en-US" dirty="0"/>
+          </a:p>
+        </p:txBody>
+      </p:sp>
+      <p:sp>
+        <p:nvSpPr>
+          <p:cNvPr id="4" name="TextBox 3">
+            <a:extLst>
+              <a:ext uri="{FF2B5EF4-FFF2-40B4-BE49-F238E27FC236}">
+                <a16:creationId xmlns:a16="http://schemas.microsoft.com/office/drawing/2014/main" id="{48600130-2EEE-21B3-F841-5A807409FD91}"/>
+              </a:ext>
+            </a:extLst>
+          </p:cNvPr>
+          <p:cNvSpPr txBox="1"/>
+          <p:nvPr/>
+        </p:nvSpPr>
+        <p:spPr>
+          <a:xfrm>
+            <a:off x="69670" y="5839795"/>
+            <a:ext cx="7382690" cy="523220"/>
+          </a:xfrm>
+          <a:prstGeom prst="rect">
+            <a:avLst/>
+          </a:prstGeom>
+          <a:noFill/>
+        </p:spPr>
+        <p:txBody>
+          <a:bodyPr wrap="square" rtlCol="0">
+            <a:spAutoFit/>
+          </a:bodyPr>
+          <a:lstStyle/>
+          <a:p>
+            <a:pPr algn="ctr"/>
+            <a:r>
+              <a:rPr lang="en-US" sz="2800" dirty="0"/>
+              <a:t>https://github.com/JoeKunk/SQL-Server-Security</a:t>
+            </a:r>
           </a:p>
         </p:txBody>
       </p:sp>
@@ -23085,24 +23127,6 @@
 </file>
 
 <file path=customXml/item1.xml><?xml version="1.0" encoding="utf-8"?>
-<?mso-contentType ?>
-<FormTemplates xmlns="http://schemas.microsoft.com/sharepoint/v3/contenttype/forms">
-  <Display>DocumentLibraryForm</Display>
-  <Edit>DocumentLibraryForm</Edit>
-  <New>DocumentLibraryForm</New>
-</FormTemplates>
-</file>
-
-<file path=customXml/item2.xml><?xml version="1.0" encoding="utf-8"?>
-<p:properties xmlns:p="http://schemas.microsoft.com/office/2006/metadata/properties" xmlns:xsi="http://www.w3.org/2001/XMLSchema-instance" xmlns:pc="http://schemas.microsoft.com/office/infopath/2007/PartnerControls">
-  <documentManagement>
-    <MediaServiceKeyPoints xmlns="601b033e-84b8-48ba-8dd0-f45aa126699f" xsi:nil="true"/>
-    <_activity xmlns="601b033e-84b8-48ba-8dd0-f45aa126699f" xsi:nil="true"/>
-  </documentManagement>
-</p:properties>
-</file>
-
-<file path=customXml/item3.xml><?xml version="1.0" encoding="utf-8"?>
 <ct:contentTypeSchema xmlns:ct="http://schemas.microsoft.com/office/2006/metadata/contentType" xmlns:ma="http://schemas.microsoft.com/office/2006/metadata/properties/metaAttributes" ct:_="" ma:_="" ma:contentTypeName="Document" ma:contentTypeID="0x0101009F1C14CB3932C94F89DB3564E341EFD4" ma:contentTypeVersion="17" ma:contentTypeDescription="Create a new document." ma:contentTypeScope="" ma:versionID="56b6d55f49d3ba74a222f1c2d163fa3a">
   <xsd:schema xmlns:xsd="http://www.w3.org/2001/XMLSchema" xmlns:xs="http://www.w3.org/2001/XMLSchema" xmlns:p="http://schemas.microsoft.com/office/2006/metadata/properties" xmlns:ns3="48eeaeee-a31f-468b-8d4d-5fc81e5d07d1" xmlns:ns4="601b033e-84b8-48ba-8dd0-f45aa126699f" targetNamespace="http://schemas.microsoft.com/office/2006/metadata/properties" ma:root="true" ma:fieldsID="c9d57f1a9eeeb771b9755ff7366a50e3" ns3:_="" ns4:_="">
     <xsd:import namespace="48eeaeee-a31f-468b-8d4d-5fc81e5d07d1"/>
@@ -23351,10 +23375,39 @@
 </ct:contentTypeSchema>
 </file>
 
+<file path=customXml/item2.xml><?xml version="1.0" encoding="utf-8"?>
+<p:properties xmlns:p="http://schemas.microsoft.com/office/2006/metadata/properties" xmlns:xsi="http://www.w3.org/2001/XMLSchema-instance" xmlns:pc="http://schemas.microsoft.com/office/infopath/2007/PartnerControls">
+  <documentManagement>
+    <MediaServiceKeyPoints xmlns="601b033e-84b8-48ba-8dd0-f45aa126699f" xsi:nil="true"/>
+    <_activity xmlns="601b033e-84b8-48ba-8dd0-f45aa126699f" xsi:nil="true"/>
+  </documentManagement>
+</p:properties>
+</file>
+
+<file path=customXml/item3.xml><?xml version="1.0" encoding="utf-8"?>
+<?mso-contentType ?>
+<FormTemplates xmlns="http://schemas.microsoft.com/sharepoint/v3/contenttype/forms">
+  <Display>DocumentLibraryForm</Display>
+  <Edit>DocumentLibraryForm</Edit>
+  <New>DocumentLibraryForm</New>
+</FormTemplates>
+</file>
+
 <file path=customXml/itemProps1.xml><?xml version="1.0" encoding="utf-8"?>
-<ds:datastoreItem xmlns:ds="http://schemas.openxmlformats.org/officeDocument/2006/customXml" ds:itemID="{904751AB-E840-446F-8D49-E697067EC887}">
+<ds:datastoreItem xmlns:ds="http://schemas.openxmlformats.org/officeDocument/2006/customXml" ds:itemID="{95B76447-F23E-4B3E-91B7-7160A4052E4C}">
   <ds:schemaRefs>
-    <ds:schemaRef ds:uri="http://schemas.microsoft.com/sharepoint/v3/contenttype/forms"/>
+    <ds:schemaRef ds:uri="http://schemas.microsoft.com/office/2006/metadata/contentType"/>
+    <ds:schemaRef ds:uri="http://schemas.microsoft.com/office/2006/metadata/properties/metaAttributes"/>
+    <ds:schemaRef ds:uri="http://www.w3.org/2001/XMLSchema"/>
+    <ds:schemaRef ds:uri="http://schemas.microsoft.com/office/2006/metadata/properties"/>
+    <ds:schemaRef ds:uri="48eeaeee-a31f-468b-8d4d-5fc81e5d07d1"/>
+    <ds:schemaRef ds:uri="601b033e-84b8-48ba-8dd0-f45aa126699f"/>
+    <ds:schemaRef ds:uri="http://schemas.microsoft.com/office/2006/documentManagement/types"/>
+    <ds:schemaRef ds:uri="http://schemas.microsoft.com/office/infopath/2007/PartnerControls"/>
+    <ds:schemaRef ds:uri="http://schemas.openxmlformats.org/package/2006/metadata/core-properties"/>
+    <ds:schemaRef ds:uri="http://purl.org/dc/elements/1.1/"/>
+    <ds:schemaRef ds:uri="http://purl.org/dc/terms/"/>
+    <ds:schemaRef ds:uri="http://schemas.microsoft.com/internal/obd"/>
   </ds:schemaRefs>
 </ds:datastoreItem>
 </file>
@@ -23377,20 +23430,9 @@
 </file>
 
 <file path=customXml/itemProps3.xml><?xml version="1.0" encoding="utf-8"?>
-<ds:datastoreItem xmlns:ds="http://schemas.openxmlformats.org/officeDocument/2006/customXml" ds:itemID="{95B76447-F23E-4B3E-91B7-7160A4052E4C}">
+<ds:datastoreItem xmlns:ds="http://schemas.openxmlformats.org/officeDocument/2006/customXml" ds:itemID="{904751AB-E840-446F-8D49-E697067EC887}">
   <ds:schemaRefs>
-    <ds:schemaRef ds:uri="http://schemas.microsoft.com/office/2006/metadata/contentType"/>
-    <ds:schemaRef ds:uri="http://schemas.microsoft.com/office/2006/metadata/properties/metaAttributes"/>
-    <ds:schemaRef ds:uri="http://www.w3.org/2001/XMLSchema"/>
-    <ds:schemaRef ds:uri="http://schemas.microsoft.com/office/2006/metadata/properties"/>
-    <ds:schemaRef ds:uri="48eeaeee-a31f-468b-8d4d-5fc81e5d07d1"/>
-    <ds:schemaRef ds:uri="601b033e-84b8-48ba-8dd0-f45aa126699f"/>
-    <ds:schemaRef ds:uri="http://schemas.microsoft.com/office/2006/documentManagement/types"/>
-    <ds:schemaRef ds:uri="http://schemas.microsoft.com/office/infopath/2007/PartnerControls"/>
-    <ds:schemaRef ds:uri="http://schemas.openxmlformats.org/package/2006/metadata/core-properties"/>
-    <ds:schemaRef ds:uri="http://purl.org/dc/elements/1.1/"/>
-    <ds:schemaRef ds:uri="http://purl.org/dc/terms/"/>
-    <ds:schemaRef ds:uri="http://schemas.microsoft.com/internal/obd"/>
+    <ds:schemaRef ds:uri="http://schemas.microsoft.com/sharepoint/v3/contenttype/forms"/>
   </ds:schemaRefs>
 </ds:datastoreItem>
 </file>
